--- a/Report/Figures.pptx
+++ b/Report/Figures.pptx
@@ -10,8 +10,9 @@
     <p:sldId id="258" r:id="rId4"/>
     <p:sldId id="259" r:id="rId5"/>
     <p:sldId id="261" r:id="rId6"/>
-    <p:sldId id="260" r:id="rId7"/>
-    <p:sldId id="262" r:id="rId8"/>
+    <p:sldId id="263" r:id="rId7"/>
+    <p:sldId id="260" r:id="rId8"/>
+    <p:sldId id="262" r:id="rId9"/>
   </p:sldIdLst>
   <p:sldSz cx="12192000" cy="6858000"/>
   <p:notesSz cx="6858000" cy="9144000"/>
@@ -265,7 +266,7 @@
           <a:p>
             <a:fld id="{4DAA0097-81A9-445B-865C-4B93A7260298}" type="datetimeFigureOut">
               <a:rPr lang="it-IT" smtClean="0"/>
-              <a:t>04/12/2020</a:t>
+              <a:t>05/12/2020</a:t>
             </a:fld>
             <a:endParaRPr lang="it-IT"/>
           </a:p>
@@ -463,7 +464,7 @@
           <a:p>
             <a:fld id="{4DAA0097-81A9-445B-865C-4B93A7260298}" type="datetimeFigureOut">
               <a:rPr lang="it-IT" smtClean="0"/>
-              <a:t>04/12/2020</a:t>
+              <a:t>05/12/2020</a:t>
             </a:fld>
             <a:endParaRPr lang="it-IT"/>
           </a:p>
@@ -671,7 +672,7 @@
           <a:p>
             <a:fld id="{4DAA0097-81A9-445B-865C-4B93A7260298}" type="datetimeFigureOut">
               <a:rPr lang="it-IT" smtClean="0"/>
-              <a:t>04/12/2020</a:t>
+              <a:t>05/12/2020</a:t>
             </a:fld>
             <a:endParaRPr lang="it-IT"/>
           </a:p>
@@ -869,7 +870,7 @@
           <a:p>
             <a:fld id="{4DAA0097-81A9-445B-865C-4B93A7260298}" type="datetimeFigureOut">
               <a:rPr lang="it-IT" smtClean="0"/>
-              <a:t>04/12/2020</a:t>
+              <a:t>05/12/2020</a:t>
             </a:fld>
             <a:endParaRPr lang="it-IT"/>
           </a:p>
@@ -1144,7 +1145,7 @@
           <a:p>
             <a:fld id="{4DAA0097-81A9-445B-865C-4B93A7260298}" type="datetimeFigureOut">
               <a:rPr lang="it-IT" smtClean="0"/>
-              <a:t>04/12/2020</a:t>
+              <a:t>05/12/2020</a:t>
             </a:fld>
             <a:endParaRPr lang="it-IT"/>
           </a:p>
@@ -1409,7 +1410,7 @@
           <a:p>
             <a:fld id="{4DAA0097-81A9-445B-865C-4B93A7260298}" type="datetimeFigureOut">
               <a:rPr lang="it-IT" smtClean="0"/>
-              <a:t>04/12/2020</a:t>
+              <a:t>05/12/2020</a:t>
             </a:fld>
             <a:endParaRPr lang="it-IT"/>
           </a:p>
@@ -1821,7 +1822,7 @@
           <a:p>
             <a:fld id="{4DAA0097-81A9-445B-865C-4B93A7260298}" type="datetimeFigureOut">
               <a:rPr lang="it-IT" smtClean="0"/>
-              <a:t>04/12/2020</a:t>
+              <a:t>05/12/2020</a:t>
             </a:fld>
             <a:endParaRPr lang="it-IT"/>
           </a:p>
@@ -1962,7 +1963,7 @@
           <a:p>
             <a:fld id="{4DAA0097-81A9-445B-865C-4B93A7260298}" type="datetimeFigureOut">
               <a:rPr lang="it-IT" smtClean="0"/>
-              <a:t>04/12/2020</a:t>
+              <a:t>05/12/2020</a:t>
             </a:fld>
             <a:endParaRPr lang="it-IT"/>
           </a:p>
@@ -2075,7 +2076,7 @@
           <a:p>
             <a:fld id="{4DAA0097-81A9-445B-865C-4B93A7260298}" type="datetimeFigureOut">
               <a:rPr lang="it-IT" smtClean="0"/>
-              <a:t>04/12/2020</a:t>
+              <a:t>05/12/2020</a:t>
             </a:fld>
             <a:endParaRPr lang="it-IT"/>
           </a:p>
@@ -2386,7 +2387,7 @@
           <a:p>
             <a:fld id="{4DAA0097-81A9-445B-865C-4B93A7260298}" type="datetimeFigureOut">
               <a:rPr lang="it-IT" smtClean="0"/>
-              <a:t>04/12/2020</a:t>
+              <a:t>05/12/2020</a:t>
             </a:fld>
             <a:endParaRPr lang="it-IT"/>
           </a:p>
@@ -2674,7 +2675,7 @@
           <a:p>
             <a:fld id="{4DAA0097-81A9-445B-865C-4B93A7260298}" type="datetimeFigureOut">
               <a:rPr lang="it-IT" smtClean="0"/>
-              <a:t>04/12/2020</a:t>
+              <a:t>05/12/2020</a:t>
             </a:fld>
             <a:endParaRPr lang="it-IT"/>
           </a:p>
@@ -2915,7 +2916,7 @@
           <a:p>
             <a:fld id="{4DAA0097-81A9-445B-865C-4B93A7260298}" type="datetimeFigureOut">
               <a:rPr lang="it-IT" smtClean="0"/>
-              <a:t>04/12/2020</a:t>
+              <a:t>05/12/2020</a:t>
             </a:fld>
             <a:endParaRPr lang="it-IT"/>
           </a:p>
@@ -6411,6 +6412,618 @@
           <a:chExt cx="0" cy="0"/>
         </a:xfrm>
       </p:grpSpPr>
+      <p:pic>
+        <p:nvPicPr>
+          <p:cNvPr id="5" name="Immagine 4">
+            <a:extLst>
+              <a:ext uri="{FF2B5EF4-FFF2-40B4-BE49-F238E27FC236}">
+                <a16:creationId xmlns:a16="http://schemas.microsoft.com/office/drawing/2014/main" id="{2CCFFA90-4089-4723-85C7-F7C739BE1E68}"/>
+              </a:ext>
+            </a:extLst>
+          </p:cNvPr>
+          <p:cNvPicPr>
+            <a:picLocks noChangeAspect="1"/>
+          </p:cNvPicPr>
+          <p:nvPr/>
+        </p:nvPicPr>
+        <p:blipFill>
+          <a:blip r:embed="rId2">
+            <a:extLst>
+              <a:ext uri="{28A0092B-C50C-407E-A947-70E740481C1C}">
+                <a14:useLocalDpi xmlns:a14="http://schemas.microsoft.com/office/drawing/2010/main" val="0"/>
+              </a:ext>
+            </a:extLst>
+          </a:blip>
+          <a:stretch>
+            <a:fillRect/>
+          </a:stretch>
+        </p:blipFill>
+        <p:spPr>
+          <a:xfrm>
+            <a:off x="3252390" y="1309391"/>
+            <a:ext cx="5687219" cy="4239217"/>
+          </a:xfrm>
+          <a:prstGeom prst="rect">
+            <a:avLst/>
+          </a:prstGeom>
+        </p:spPr>
+      </p:pic>
+      <p:cxnSp>
+        <p:nvCxnSpPr>
+          <p:cNvPr id="7" name="Connettore diritto 6">
+            <a:extLst>
+              <a:ext uri="{FF2B5EF4-FFF2-40B4-BE49-F238E27FC236}">
+                <a16:creationId xmlns:a16="http://schemas.microsoft.com/office/drawing/2014/main" id="{DBABDDA2-8F6E-459F-A85A-D24B92130017}"/>
+              </a:ext>
+            </a:extLst>
+          </p:cNvPr>
+          <p:cNvCxnSpPr>
+            <a:cxnSpLocks/>
+          </p:cNvCxnSpPr>
+          <p:nvPr/>
+        </p:nvCxnSpPr>
+        <p:spPr>
+          <a:xfrm flipH="1">
+            <a:off x="4754601" y="2765425"/>
+            <a:ext cx="263194" cy="540756"/>
+          </a:xfrm>
+          <a:prstGeom prst="line">
+            <a:avLst/>
+          </a:prstGeom>
+          <a:ln w="38100">
+            <a:solidFill>
+              <a:srgbClr val="C00000"/>
+            </a:solidFill>
+          </a:ln>
+        </p:spPr>
+        <p:style>
+          <a:lnRef idx="1">
+            <a:schemeClr val="accent1"/>
+          </a:lnRef>
+          <a:fillRef idx="0">
+            <a:schemeClr val="accent1"/>
+          </a:fillRef>
+          <a:effectRef idx="0">
+            <a:schemeClr val="accent1"/>
+          </a:effectRef>
+          <a:fontRef idx="minor">
+            <a:schemeClr val="tx1"/>
+          </a:fontRef>
+        </p:style>
+      </p:cxnSp>
+      <p:cxnSp>
+        <p:nvCxnSpPr>
+          <p:cNvPr id="10" name="Connettore 2 9">
+            <a:extLst>
+              <a:ext uri="{FF2B5EF4-FFF2-40B4-BE49-F238E27FC236}">
+                <a16:creationId xmlns:a16="http://schemas.microsoft.com/office/drawing/2014/main" id="{22A65670-68CE-49BB-9379-CB44387CBA5A}"/>
+              </a:ext>
+            </a:extLst>
+          </p:cNvPr>
+          <p:cNvCxnSpPr/>
+          <p:nvPr/>
+        </p:nvCxnSpPr>
+        <p:spPr>
+          <a:xfrm flipH="1">
+            <a:off x="4957470" y="2641600"/>
+            <a:ext cx="120650" cy="247650"/>
+          </a:xfrm>
+          <a:prstGeom prst="straightConnector1">
+            <a:avLst/>
+          </a:prstGeom>
+          <a:ln w="38100">
+            <a:solidFill>
+              <a:srgbClr val="C00000"/>
+            </a:solidFill>
+            <a:tailEnd type="triangle"/>
+          </a:ln>
+        </p:spPr>
+        <p:style>
+          <a:lnRef idx="1">
+            <a:schemeClr val="accent1"/>
+          </a:lnRef>
+          <a:fillRef idx="0">
+            <a:schemeClr val="accent1"/>
+          </a:fillRef>
+          <a:effectRef idx="0">
+            <a:schemeClr val="accent1"/>
+          </a:effectRef>
+          <a:fontRef idx="minor">
+            <a:schemeClr val="tx1"/>
+          </a:fontRef>
+        </p:style>
+      </p:cxnSp>
+      <p:cxnSp>
+        <p:nvCxnSpPr>
+          <p:cNvPr id="11" name="Connettore 2 10">
+            <a:extLst>
+              <a:ext uri="{FF2B5EF4-FFF2-40B4-BE49-F238E27FC236}">
+                <a16:creationId xmlns:a16="http://schemas.microsoft.com/office/drawing/2014/main" id="{7430E31C-591F-4D05-ABA4-1E8950A326F1}"/>
+              </a:ext>
+            </a:extLst>
+          </p:cNvPr>
+          <p:cNvCxnSpPr>
+            <a:cxnSpLocks/>
+          </p:cNvCxnSpPr>
+          <p:nvPr/>
+        </p:nvCxnSpPr>
+        <p:spPr>
+          <a:xfrm flipV="1">
+            <a:off x="4684751" y="3225608"/>
+            <a:ext cx="101561" cy="247842"/>
+          </a:xfrm>
+          <a:prstGeom prst="straightConnector1">
+            <a:avLst/>
+          </a:prstGeom>
+          <a:ln w="38100">
+            <a:solidFill>
+              <a:srgbClr val="C00000"/>
+            </a:solidFill>
+            <a:tailEnd type="triangle"/>
+          </a:ln>
+        </p:spPr>
+        <p:style>
+          <a:lnRef idx="1">
+            <a:schemeClr val="accent1"/>
+          </a:lnRef>
+          <a:fillRef idx="0">
+            <a:schemeClr val="accent1"/>
+          </a:fillRef>
+          <a:effectRef idx="0">
+            <a:schemeClr val="accent1"/>
+          </a:effectRef>
+          <a:fontRef idx="minor">
+            <a:schemeClr val="tx1"/>
+          </a:fontRef>
+        </p:style>
+      </p:cxnSp>
+      <p:cxnSp>
+        <p:nvCxnSpPr>
+          <p:cNvPr id="15" name="Connettore 2 14">
+            <a:extLst>
+              <a:ext uri="{FF2B5EF4-FFF2-40B4-BE49-F238E27FC236}">
+                <a16:creationId xmlns:a16="http://schemas.microsoft.com/office/drawing/2014/main" id="{5A619CBA-47F5-49DC-969A-593EF6A00652}"/>
+              </a:ext>
+            </a:extLst>
+          </p:cNvPr>
+          <p:cNvCxnSpPr>
+            <a:cxnSpLocks/>
+          </p:cNvCxnSpPr>
+          <p:nvPr/>
+        </p:nvCxnSpPr>
+        <p:spPr>
+          <a:xfrm flipV="1">
+            <a:off x="4921250" y="4830957"/>
+            <a:ext cx="193091" cy="497312"/>
+          </a:xfrm>
+          <a:prstGeom prst="straightConnector1">
+            <a:avLst/>
+          </a:prstGeom>
+          <a:ln w="38100">
+            <a:solidFill>
+              <a:schemeClr val="accent1"/>
+            </a:solidFill>
+            <a:tailEnd type="triangle"/>
+          </a:ln>
+        </p:spPr>
+        <p:style>
+          <a:lnRef idx="1">
+            <a:schemeClr val="accent1"/>
+          </a:lnRef>
+          <a:fillRef idx="0">
+            <a:schemeClr val="accent1"/>
+          </a:fillRef>
+          <a:effectRef idx="0">
+            <a:schemeClr val="accent1"/>
+          </a:effectRef>
+          <a:fontRef idx="minor">
+            <a:schemeClr val="tx1"/>
+          </a:fontRef>
+        </p:style>
+      </p:cxnSp>
+      <p:sp>
+        <p:nvSpPr>
+          <p:cNvPr id="16" name="CasellaDiTesto 15">
+            <a:extLst>
+              <a:ext uri="{FF2B5EF4-FFF2-40B4-BE49-F238E27FC236}">
+                <a16:creationId xmlns:a16="http://schemas.microsoft.com/office/drawing/2014/main" id="{37B0A5F1-EDD2-4728-80A8-F38D7A8BAD10}"/>
+              </a:ext>
+            </a:extLst>
+          </p:cNvPr>
+          <p:cNvSpPr txBox="1"/>
+          <p:nvPr/>
+        </p:nvSpPr>
+        <p:spPr>
+          <a:xfrm>
+            <a:off x="5114341" y="4894947"/>
+            <a:ext cx="1722779" cy="369332"/>
+          </a:xfrm>
+          <a:prstGeom prst="rect">
+            <a:avLst/>
+          </a:prstGeom>
+          <a:noFill/>
+        </p:spPr>
+        <p:txBody>
+          <a:bodyPr wrap="none" rtlCol="0">
+            <a:spAutoFit/>
+          </a:bodyPr>
+          <a:lstStyle/>
+          <a:p>
+            <a:r>
+              <a:rPr lang="it-IT" dirty="0" err="1">
+                <a:solidFill>
+                  <a:schemeClr val="accent1"/>
+                </a:solidFill>
+              </a:rPr>
+              <a:t>Dispersed</a:t>
+            </a:r>
+            <a:r>
+              <a:rPr lang="it-IT" dirty="0">
+                <a:solidFill>
+                  <a:schemeClr val="accent1"/>
+                </a:solidFill>
+              </a:rPr>
+              <a:t> </a:t>
+            </a:r>
+            <a:r>
+              <a:rPr lang="it-IT" dirty="0" err="1">
+                <a:solidFill>
+                  <a:schemeClr val="accent1"/>
+                </a:solidFill>
+              </a:rPr>
+              <a:t>phase</a:t>
+            </a:r>
+            <a:endParaRPr lang="it-IT" dirty="0">
+              <a:solidFill>
+                <a:schemeClr val="accent1"/>
+              </a:solidFill>
+            </a:endParaRPr>
+          </a:p>
+        </p:txBody>
+      </p:sp>
+      <p:cxnSp>
+        <p:nvCxnSpPr>
+          <p:cNvPr id="21" name="Connettore 2 20">
+            <a:extLst>
+              <a:ext uri="{FF2B5EF4-FFF2-40B4-BE49-F238E27FC236}">
+                <a16:creationId xmlns:a16="http://schemas.microsoft.com/office/drawing/2014/main" id="{9FC2B3D2-F814-4402-8CEF-1BB4399DC427}"/>
+              </a:ext>
+            </a:extLst>
+          </p:cNvPr>
+          <p:cNvCxnSpPr>
+            <a:cxnSpLocks/>
+          </p:cNvCxnSpPr>
+          <p:nvPr/>
+        </p:nvCxnSpPr>
+        <p:spPr>
+          <a:xfrm>
+            <a:off x="3453606" y="2495807"/>
+            <a:ext cx="476250" cy="193675"/>
+          </a:xfrm>
+          <a:prstGeom prst="straightConnector1">
+            <a:avLst/>
+          </a:prstGeom>
+          <a:ln w="38100">
+            <a:solidFill>
+              <a:schemeClr val="accent1"/>
+            </a:solidFill>
+            <a:tailEnd type="triangle"/>
+          </a:ln>
+        </p:spPr>
+        <p:style>
+          <a:lnRef idx="1">
+            <a:schemeClr val="accent1"/>
+          </a:lnRef>
+          <a:fillRef idx="0">
+            <a:schemeClr val="accent1"/>
+          </a:fillRef>
+          <a:effectRef idx="0">
+            <a:schemeClr val="accent1"/>
+          </a:effectRef>
+          <a:fontRef idx="minor">
+            <a:schemeClr val="tx1"/>
+          </a:fontRef>
+        </p:style>
+      </p:cxnSp>
+      <p:sp>
+        <p:nvSpPr>
+          <p:cNvPr id="25" name="CasellaDiTesto 24">
+            <a:extLst>
+              <a:ext uri="{FF2B5EF4-FFF2-40B4-BE49-F238E27FC236}">
+                <a16:creationId xmlns:a16="http://schemas.microsoft.com/office/drawing/2014/main" id="{B942B2D4-591B-4ADB-960C-A6177C074D5F}"/>
+              </a:ext>
+            </a:extLst>
+          </p:cNvPr>
+          <p:cNvSpPr txBox="1"/>
+          <p:nvPr/>
+        </p:nvSpPr>
+        <p:spPr>
+          <a:xfrm>
+            <a:off x="3381997" y="2006084"/>
+            <a:ext cx="1868910" cy="369332"/>
+          </a:xfrm>
+          <a:prstGeom prst="rect">
+            <a:avLst/>
+          </a:prstGeom>
+          <a:noFill/>
+        </p:spPr>
+        <p:txBody>
+          <a:bodyPr wrap="none" rtlCol="0">
+            <a:spAutoFit/>
+          </a:bodyPr>
+          <a:lstStyle/>
+          <a:p>
+            <a:r>
+              <a:rPr lang="it-IT" dirty="0" err="1">
+                <a:solidFill>
+                  <a:schemeClr val="accent1"/>
+                </a:solidFill>
+              </a:rPr>
+              <a:t>Continuous</a:t>
+            </a:r>
+            <a:r>
+              <a:rPr lang="it-IT" dirty="0">
+                <a:solidFill>
+                  <a:schemeClr val="accent1"/>
+                </a:solidFill>
+              </a:rPr>
+              <a:t> </a:t>
+            </a:r>
+            <a:r>
+              <a:rPr lang="it-IT" dirty="0" err="1">
+                <a:solidFill>
+                  <a:schemeClr val="accent1"/>
+                </a:solidFill>
+              </a:rPr>
+              <a:t>phase</a:t>
+            </a:r>
+            <a:endParaRPr lang="it-IT" dirty="0">
+              <a:solidFill>
+                <a:schemeClr val="accent1"/>
+              </a:solidFill>
+            </a:endParaRPr>
+          </a:p>
+        </p:txBody>
+      </p:sp>
+      <p:sp>
+        <p:nvSpPr>
+          <p:cNvPr id="30" name="CasellaDiTesto 29">
+            <a:extLst>
+              <a:ext uri="{FF2B5EF4-FFF2-40B4-BE49-F238E27FC236}">
+                <a16:creationId xmlns:a16="http://schemas.microsoft.com/office/drawing/2014/main" id="{DDD99133-0D41-49E4-AF50-FF4295C3F15E}"/>
+              </a:ext>
+            </a:extLst>
+          </p:cNvPr>
+          <p:cNvSpPr txBox="1"/>
+          <p:nvPr/>
+        </p:nvSpPr>
+        <p:spPr>
+          <a:xfrm>
+            <a:off x="5017795" y="2641600"/>
+            <a:ext cx="819455" cy="338554"/>
+          </a:xfrm>
+          <a:prstGeom prst="rect">
+            <a:avLst/>
+          </a:prstGeom>
+          <a:noFill/>
+        </p:spPr>
+        <p:txBody>
+          <a:bodyPr wrap="none" rtlCol="0">
+            <a:spAutoFit/>
+          </a:bodyPr>
+          <a:lstStyle/>
+          <a:p>
+            <a:r>
+              <a:rPr lang="it-IT" sz="1600" dirty="0">
+                <a:solidFill>
+                  <a:srgbClr val="C00000"/>
+                </a:solidFill>
+              </a:rPr>
+              <a:t>500 µm</a:t>
+            </a:r>
+          </a:p>
+        </p:txBody>
+      </p:sp>
+      <p:cxnSp>
+        <p:nvCxnSpPr>
+          <p:cNvPr id="32" name="Connettore diritto 31">
+            <a:extLst>
+              <a:ext uri="{FF2B5EF4-FFF2-40B4-BE49-F238E27FC236}">
+                <a16:creationId xmlns:a16="http://schemas.microsoft.com/office/drawing/2014/main" id="{D05987C9-788A-4094-9B01-90A9EC348A80}"/>
+              </a:ext>
+            </a:extLst>
+          </p:cNvPr>
+          <p:cNvCxnSpPr>
+            <a:cxnSpLocks/>
+          </p:cNvCxnSpPr>
+          <p:nvPr/>
+        </p:nvCxnSpPr>
+        <p:spPr>
+          <a:xfrm flipH="1" flipV="1">
+            <a:off x="5218181" y="4138810"/>
+            <a:ext cx="295920" cy="111998"/>
+          </a:xfrm>
+          <a:prstGeom prst="line">
+            <a:avLst/>
+          </a:prstGeom>
+          <a:ln w="38100">
+            <a:solidFill>
+              <a:srgbClr val="C00000"/>
+            </a:solidFill>
+          </a:ln>
+        </p:spPr>
+        <p:style>
+          <a:lnRef idx="1">
+            <a:schemeClr val="accent1"/>
+          </a:lnRef>
+          <a:fillRef idx="0">
+            <a:schemeClr val="accent1"/>
+          </a:fillRef>
+          <a:effectRef idx="0">
+            <a:schemeClr val="accent1"/>
+          </a:effectRef>
+          <a:fontRef idx="minor">
+            <a:schemeClr val="tx1"/>
+          </a:fontRef>
+        </p:style>
+      </p:cxnSp>
+      <p:cxnSp>
+        <p:nvCxnSpPr>
+          <p:cNvPr id="33" name="Connettore 2 32">
+            <a:extLst>
+              <a:ext uri="{FF2B5EF4-FFF2-40B4-BE49-F238E27FC236}">
+                <a16:creationId xmlns:a16="http://schemas.microsoft.com/office/drawing/2014/main" id="{60D98860-A5F0-4E57-ACBC-73D3A7CF8A4A}"/>
+              </a:ext>
+            </a:extLst>
+          </p:cNvPr>
+          <p:cNvCxnSpPr>
+            <a:cxnSpLocks/>
+          </p:cNvCxnSpPr>
+          <p:nvPr/>
+        </p:nvCxnSpPr>
+        <p:spPr>
+          <a:xfrm>
+            <a:off x="5021364" y="4061350"/>
+            <a:ext cx="248635" cy="96222"/>
+          </a:xfrm>
+          <a:prstGeom prst="straightConnector1">
+            <a:avLst/>
+          </a:prstGeom>
+          <a:ln w="38100">
+            <a:solidFill>
+              <a:srgbClr val="C00000"/>
+            </a:solidFill>
+            <a:tailEnd type="triangle"/>
+          </a:ln>
+        </p:spPr>
+        <p:style>
+          <a:lnRef idx="1">
+            <a:schemeClr val="accent1"/>
+          </a:lnRef>
+          <a:fillRef idx="0">
+            <a:schemeClr val="accent1"/>
+          </a:fillRef>
+          <a:effectRef idx="0">
+            <a:schemeClr val="accent1"/>
+          </a:effectRef>
+          <a:fontRef idx="minor">
+            <a:schemeClr val="tx1"/>
+          </a:fontRef>
+        </p:style>
+      </p:cxnSp>
+      <p:cxnSp>
+        <p:nvCxnSpPr>
+          <p:cNvPr id="34" name="Connettore 2 33">
+            <a:extLst>
+              <a:ext uri="{FF2B5EF4-FFF2-40B4-BE49-F238E27FC236}">
+                <a16:creationId xmlns:a16="http://schemas.microsoft.com/office/drawing/2014/main" id="{E3D12467-0FDC-4FCA-A8AC-FBFB615DBE50}"/>
+              </a:ext>
+            </a:extLst>
+          </p:cNvPr>
+          <p:cNvCxnSpPr>
+            <a:cxnSpLocks/>
+          </p:cNvCxnSpPr>
+          <p:nvPr/>
+        </p:nvCxnSpPr>
+        <p:spPr>
+          <a:xfrm flipH="1" flipV="1">
+            <a:off x="5460882" y="4225333"/>
+            <a:ext cx="220877" cy="90706"/>
+          </a:xfrm>
+          <a:prstGeom prst="straightConnector1">
+            <a:avLst/>
+          </a:prstGeom>
+          <a:ln w="38100">
+            <a:solidFill>
+              <a:srgbClr val="C00000"/>
+            </a:solidFill>
+            <a:tailEnd type="triangle"/>
+          </a:ln>
+        </p:spPr>
+        <p:style>
+          <a:lnRef idx="1">
+            <a:schemeClr val="accent1"/>
+          </a:lnRef>
+          <a:fillRef idx="0">
+            <a:schemeClr val="accent1"/>
+          </a:fillRef>
+          <a:effectRef idx="0">
+            <a:schemeClr val="accent1"/>
+          </a:effectRef>
+          <a:fontRef idx="minor">
+            <a:schemeClr val="tx1"/>
+          </a:fontRef>
+        </p:style>
+      </p:cxnSp>
+      <p:sp>
+        <p:nvSpPr>
+          <p:cNvPr id="35" name="CasellaDiTesto 34">
+            <a:extLst>
+              <a:ext uri="{FF2B5EF4-FFF2-40B4-BE49-F238E27FC236}">
+                <a16:creationId xmlns:a16="http://schemas.microsoft.com/office/drawing/2014/main" id="{D82499B5-7064-473B-9B8F-6B7A41AD1FA6}"/>
+              </a:ext>
+            </a:extLst>
+          </p:cNvPr>
+          <p:cNvSpPr txBox="1"/>
+          <p:nvPr/>
+        </p:nvSpPr>
+        <p:spPr>
+          <a:xfrm>
+            <a:off x="5512700" y="4000310"/>
+            <a:ext cx="819455" cy="338554"/>
+          </a:xfrm>
+          <a:prstGeom prst="rect">
+            <a:avLst/>
+          </a:prstGeom>
+          <a:noFill/>
+        </p:spPr>
+        <p:txBody>
+          <a:bodyPr wrap="none" rtlCol="0">
+            <a:spAutoFit/>
+          </a:bodyPr>
+          <a:lstStyle/>
+          <a:p>
+            <a:r>
+              <a:rPr lang="it-IT" sz="1600" dirty="0">
+                <a:solidFill>
+                  <a:srgbClr val="C00000"/>
+                </a:solidFill>
+              </a:rPr>
+              <a:t>400 µm</a:t>
+            </a:r>
+          </a:p>
+        </p:txBody>
+      </p:sp>
+    </p:spTree>
+    <p:extLst>
+      <p:ext uri="{BB962C8B-B14F-4D97-AF65-F5344CB8AC3E}">
+        <p14:creationId xmlns:p14="http://schemas.microsoft.com/office/powerpoint/2010/main" val="1939809683"/>
+      </p:ext>
+    </p:extLst>
+  </p:cSld>
+  <p:clrMapOvr>
+    <a:masterClrMapping/>
+  </p:clrMapOvr>
+</p:sld>
+</file>
+
+<file path=ppt/slides/slide7.xml><?xml version="1.0" encoding="utf-8"?>
+<p:sld xmlns:a="http://schemas.openxmlformats.org/drawingml/2006/main" xmlns:r="http://schemas.openxmlformats.org/officeDocument/2006/relationships" xmlns:p="http://schemas.openxmlformats.org/presentationml/2006/main">
+  <p:cSld>
+    <p:spTree>
+      <p:nvGrpSpPr>
+        <p:cNvPr id="1" name=""/>
+        <p:cNvGrpSpPr/>
+        <p:nvPr/>
+      </p:nvGrpSpPr>
+      <p:grpSpPr>
+        <a:xfrm>
+          <a:off x="0" y="0"/>
+          <a:ext cx="0" cy="0"/>
+          <a:chOff x="0" y="0"/>
+          <a:chExt cx="0" cy="0"/>
+        </a:xfrm>
+      </p:grpSpPr>
       <p:sp>
         <p:nvSpPr>
           <p:cNvPr id="3" name="Rettangolo 2">
@@ -8192,7 +8805,7 @@
 </p:sld>
 </file>
 
-<file path=ppt/slides/slide7.xml><?xml version="1.0" encoding="utf-8"?>
+<file path=ppt/slides/slide8.xml><?xml version="1.0" encoding="utf-8"?>
 <p:sld xmlns:a="http://schemas.openxmlformats.org/drawingml/2006/main" xmlns:r="http://schemas.openxmlformats.org/officeDocument/2006/relationships" xmlns:p="http://schemas.openxmlformats.org/presentationml/2006/main">
   <p:cSld>
     <p:spTree>

--- a/Report/Figures.pptx
+++ b/Report/Figures.pptx
@@ -10,9 +10,11 @@
     <p:sldId id="258" r:id="rId4"/>
     <p:sldId id="259" r:id="rId5"/>
     <p:sldId id="261" r:id="rId6"/>
-    <p:sldId id="263" r:id="rId7"/>
-    <p:sldId id="260" r:id="rId8"/>
-    <p:sldId id="262" r:id="rId9"/>
+    <p:sldId id="264" r:id="rId7"/>
+    <p:sldId id="263" r:id="rId8"/>
+    <p:sldId id="265" r:id="rId9"/>
+    <p:sldId id="260" r:id="rId10"/>
+    <p:sldId id="262" r:id="rId11"/>
   </p:sldIdLst>
   <p:sldSz cx="12192000" cy="6858000"/>
   <p:notesSz cx="6858000" cy="9144000"/>
@@ -266,7 +268,7 @@
           <a:p>
             <a:fld id="{4DAA0097-81A9-445B-865C-4B93A7260298}" type="datetimeFigureOut">
               <a:rPr lang="it-IT" smtClean="0"/>
-              <a:t>05/12/2020</a:t>
+              <a:t>10/12/2020</a:t>
             </a:fld>
             <a:endParaRPr lang="it-IT"/>
           </a:p>
@@ -464,7 +466,7 @@
           <a:p>
             <a:fld id="{4DAA0097-81A9-445B-865C-4B93A7260298}" type="datetimeFigureOut">
               <a:rPr lang="it-IT" smtClean="0"/>
-              <a:t>05/12/2020</a:t>
+              <a:t>10/12/2020</a:t>
             </a:fld>
             <a:endParaRPr lang="it-IT"/>
           </a:p>
@@ -672,7 +674,7 @@
           <a:p>
             <a:fld id="{4DAA0097-81A9-445B-865C-4B93A7260298}" type="datetimeFigureOut">
               <a:rPr lang="it-IT" smtClean="0"/>
-              <a:t>05/12/2020</a:t>
+              <a:t>10/12/2020</a:t>
             </a:fld>
             <a:endParaRPr lang="it-IT"/>
           </a:p>
@@ -870,7 +872,7 @@
           <a:p>
             <a:fld id="{4DAA0097-81A9-445B-865C-4B93A7260298}" type="datetimeFigureOut">
               <a:rPr lang="it-IT" smtClean="0"/>
-              <a:t>05/12/2020</a:t>
+              <a:t>10/12/2020</a:t>
             </a:fld>
             <a:endParaRPr lang="it-IT"/>
           </a:p>
@@ -1145,7 +1147,7 @@
           <a:p>
             <a:fld id="{4DAA0097-81A9-445B-865C-4B93A7260298}" type="datetimeFigureOut">
               <a:rPr lang="it-IT" smtClean="0"/>
-              <a:t>05/12/2020</a:t>
+              <a:t>10/12/2020</a:t>
             </a:fld>
             <a:endParaRPr lang="it-IT"/>
           </a:p>
@@ -1410,7 +1412,7 @@
           <a:p>
             <a:fld id="{4DAA0097-81A9-445B-865C-4B93A7260298}" type="datetimeFigureOut">
               <a:rPr lang="it-IT" smtClean="0"/>
-              <a:t>05/12/2020</a:t>
+              <a:t>10/12/2020</a:t>
             </a:fld>
             <a:endParaRPr lang="it-IT"/>
           </a:p>
@@ -1822,7 +1824,7 @@
           <a:p>
             <a:fld id="{4DAA0097-81A9-445B-865C-4B93A7260298}" type="datetimeFigureOut">
               <a:rPr lang="it-IT" smtClean="0"/>
-              <a:t>05/12/2020</a:t>
+              <a:t>10/12/2020</a:t>
             </a:fld>
             <a:endParaRPr lang="it-IT"/>
           </a:p>
@@ -1963,7 +1965,7 @@
           <a:p>
             <a:fld id="{4DAA0097-81A9-445B-865C-4B93A7260298}" type="datetimeFigureOut">
               <a:rPr lang="it-IT" smtClean="0"/>
-              <a:t>05/12/2020</a:t>
+              <a:t>10/12/2020</a:t>
             </a:fld>
             <a:endParaRPr lang="it-IT"/>
           </a:p>
@@ -2076,7 +2078,7 @@
           <a:p>
             <a:fld id="{4DAA0097-81A9-445B-865C-4B93A7260298}" type="datetimeFigureOut">
               <a:rPr lang="it-IT" smtClean="0"/>
-              <a:t>05/12/2020</a:t>
+              <a:t>10/12/2020</a:t>
             </a:fld>
             <a:endParaRPr lang="it-IT"/>
           </a:p>
@@ -2387,7 +2389,7 @@
           <a:p>
             <a:fld id="{4DAA0097-81A9-445B-865C-4B93A7260298}" type="datetimeFigureOut">
               <a:rPr lang="it-IT" smtClean="0"/>
-              <a:t>05/12/2020</a:t>
+              <a:t>10/12/2020</a:t>
             </a:fld>
             <a:endParaRPr lang="it-IT"/>
           </a:p>
@@ -2675,7 +2677,7 @@
           <a:p>
             <a:fld id="{4DAA0097-81A9-445B-865C-4B93A7260298}" type="datetimeFigureOut">
               <a:rPr lang="it-IT" smtClean="0"/>
-              <a:t>05/12/2020</a:t>
+              <a:t>10/12/2020</a:t>
             </a:fld>
             <a:endParaRPr lang="it-IT"/>
           </a:p>
@@ -2916,7 +2918,7 @@
           <a:p>
             <a:fld id="{4DAA0097-81A9-445B-865C-4B93A7260298}" type="datetimeFigureOut">
               <a:rPr lang="it-IT" smtClean="0"/>
-              <a:t>05/12/2020</a:t>
+              <a:t>10/12/2020</a:t>
             </a:fld>
             <a:endParaRPr lang="it-IT"/>
           </a:p>
@@ -4018,6 +4020,296 @@
 </p:sld>
 </file>
 
+<file path=ppt/slides/slide10.xml><?xml version="1.0" encoding="utf-8"?>
+<p:sld xmlns:a="http://schemas.openxmlformats.org/drawingml/2006/main" xmlns:r="http://schemas.openxmlformats.org/officeDocument/2006/relationships" xmlns:p="http://schemas.openxmlformats.org/presentationml/2006/main">
+  <p:cSld>
+    <p:spTree>
+      <p:nvGrpSpPr>
+        <p:cNvPr id="1" name=""/>
+        <p:cNvGrpSpPr/>
+        <p:nvPr/>
+      </p:nvGrpSpPr>
+      <p:grpSpPr>
+        <a:xfrm>
+          <a:off x="0" y="0"/>
+          <a:ext cx="0" cy="0"/>
+          <a:chOff x="0" y="0"/>
+          <a:chExt cx="0" cy="0"/>
+        </a:xfrm>
+      </p:grpSpPr>
+      <p:pic>
+        <p:nvPicPr>
+          <p:cNvPr id="5" name="Immagine 4">
+            <a:extLst>
+              <a:ext uri="{FF2B5EF4-FFF2-40B4-BE49-F238E27FC236}">
+                <a16:creationId xmlns:a16="http://schemas.microsoft.com/office/drawing/2014/main" id="{E3D30BB8-45F1-437D-9AD6-E221C734649D}"/>
+              </a:ext>
+            </a:extLst>
+          </p:cNvPr>
+          <p:cNvPicPr>
+            <a:picLocks noChangeAspect="1"/>
+          </p:cNvPicPr>
+          <p:nvPr/>
+        </p:nvPicPr>
+        <p:blipFill>
+          <a:blip r:embed="rId2">
+            <a:extLst>
+              <a:ext uri="{28A0092B-C50C-407E-A947-70E740481C1C}">
+                <a14:useLocalDpi xmlns:a14="http://schemas.microsoft.com/office/drawing/2010/main" val="0"/>
+              </a:ext>
+            </a:extLst>
+          </a:blip>
+          <a:stretch>
+            <a:fillRect/>
+          </a:stretch>
+        </p:blipFill>
+        <p:spPr>
+          <a:xfrm rot="16200000">
+            <a:off x="2938849" y="-780535"/>
+            <a:ext cx="6314302" cy="8419069"/>
+          </a:xfrm>
+          <a:prstGeom prst="rect">
+            <a:avLst/>
+          </a:prstGeom>
+        </p:spPr>
+      </p:pic>
+      <p:sp>
+        <p:nvSpPr>
+          <p:cNvPr id="6" name="CasellaDiTesto 5">
+            <a:extLst>
+              <a:ext uri="{FF2B5EF4-FFF2-40B4-BE49-F238E27FC236}">
+                <a16:creationId xmlns:a16="http://schemas.microsoft.com/office/drawing/2014/main" id="{367023F3-6B9B-4601-8AA6-946F7719EC54}"/>
+              </a:ext>
+            </a:extLst>
+          </p:cNvPr>
+          <p:cNvSpPr txBox="1"/>
+          <p:nvPr/>
+        </p:nvSpPr>
+        <p:spPr>
+          <a:xfrm>
+            <a:off x="5177481" y="2187147"/>
+            <a:ext cx="1454184" cy="646331"/>
+          </a:xfrm>
+          <a:prstGeom prst="rect">
+            <a:avLst/>
+          </a:prstGeom>
+          <a:solidFill>
+            <a:srgbClr val="FFC000"/>
+          </a:solidFill>
+        </p:spPr>
+        <p:txBody>
+          <a:bodyPr wrap="square" rtlCol="0">
+            <a:spAutoFit/>
+          </a:bodyPr>
+          <a:lstStyle/>
+          <a:p>
+            <a:pPr algn="ctr"/>
+            <a:r>
+              <a:rPr lang="it-IT" dirty="0"/>
+              <a:t>T-</a:t>
+            </a:r>
+            <a:r>
+              <a:rPr lang="it-IT" dirty="0" err="1"/>
+              <a:t>junction</a:t>
+            </a:r>
+            <a:r>
+              <a:rPr lang="it-IT" dirty="0"/>
+              <a:t> chip</a:t>
+            </a:r>
+          </a:p>
+        </p:txBody>
+      </p:sp>
+      <p:sp>
+        <p:nvSpPr>
+          <p:cNvPr id="7" name="CasellaDiTesto 6">
+            <a:extLst>
+              <a:ext uri="{FF2B5EF4-FFF2-40B4-BE49-F238E27FC236}">
+                <a16:creationId xmlns:a16="http://schemas.microsoft.com/office/drawing/2014/main" id="{7FBD21D5-04FD-4B3F-919D-22AE5E3F8CD1}"/>
+              </a:ext>
+            </a:extLst>
+          </p:cNvPr>
+          <p:cNvSpPr txBox="1"/>
+          <p:nvPr/>
+        </p:nvSpPr>
+        <p:spPr>
+          <a:xfrm>
+            <a:off x="6540843" y="583166"/>
+            <a:ext cx="1454184" cy="369332"/>
+          </a:xfrm>
+          <a:prstGeom prst="rect">
+            <a:avLst/>
+          </a:prstGeom>
+          <a:solidFill>
+            <a:srgbClr val="FFC000"/>
+          </a:solidFill>
+        </p:spPr>
+        <p:txBody>
+          <a:bodyPr wrap="square" rtlCol="0">
+            <a:spAutoFit/>
+          </a:bodyPr>
+          <a:lstStyle/>
+          <a:p>
+            <a:pPr algn="ctr"/>
+            <a:r>
+              <a:rPr lang="it-IT" dirty="0"/>
+              <a:t>Camera</a:t>
+            </a:r>
+          </a:p>
+        </p:txBody>
+      </p:sp>
+      <p:sp>
+        <p:nvSpPr>
+          <p:cNvPr id="8" name="CasellaDiTesto 7">
+            <a:extLst>
+              <a:ext uri="{FF2B5EF4-FFF2-40B4-BE49-F238E27FC236}">
+                <a16:creationId xmlns:a16="http://schemas.microsoft.com/office/drawing/2014/main" id="{3A7B07AE-4B5F-4166-84BD-647451774E1C}"/>
+              </a:ext>
+            </a:extLst>
+          </p:cNvPr>
+          <p:cNvSpPr txBox="1"/>
+          <p:nvPr/>
+        </p:nvSpPr>
+        <p:spPr>
+          <a:xfrm>
+            <a:off x="7088659" y="5690625"/>
+            <a:ext cx="1454184" cy="646331"/>
+          </a:xfrm>
+          <a:prstGeom prst="rect">
+            <a:avLst/>
+          </a:prstGeom>
+          <a:solidFill>
+            <a:srgbClr val="FFC000"/>
+          </a:solidFill>
+        </p:spPr>
+        <p:txBody>
+          <a:bodyPr wrap="square" rtlCol="0">
+            <a:spAutoFit/>
+          </a:bodyPr>
+          <a:lstStyle/>
+          <a:p>
+            <a:pPr algn="ctr"/>
+            <a:r>
+              <a:rPr lang="it-IT" dirty="0"/>
+              <a:t>Pump</a:t>
+            </a:r>
+          </a:p>
+          <a:p>
+            <a:pPr algn="ctr"/>
+            <a:r>
+              <a:rPr lang="it-IT" dirty="0"/>
+              <a:t>(water)</a:t>
+            </a:r>
+          </a:p>
+        </p:txBody>
+      </p:sp>
+      <p:sp>
+        <p:nvSpPr>
+          <p:cNvPr id="9" name="CasellaDiTesto 8">
+            <a:extLst>
+              <a:ext uri="{FF2B5EF4-FFF2-40B4-BE49-F238E27FC236}">
+                <a16:creationId xmlns:a16="http://schemas.microsoft.com/office/drawing/2014/main" id="{5983A3F8-259A-4596-AC8C-C8046C9FDDB1}"/>
+              </a:ext>
+            </a:extLst>
+          </p:cNvPr>
+          <p:cNvSpPr txBox="1"/>
+          <p:nvPr/>
+        </p:nvSpPr>
+        <p:spPr>
+          <a:xfrm>
+            <a:off x="2508421" y="767832"/>
+            <a:ext cx="1454184" cy="646331"/>
+          </a:xfrm>
+          <a:prstGeom prst="rect">
+            <a:avLst/>
+          </a:prstGeom>
+          <a:solidFill>
+            <a:srgbClr val="FFC000"/>
+          </a:solidFill>
+        </p:spPr>
+        <p:txBody>
+          <a:bodyPr wrap="square" rtlCol="0">
+            <a:spAutoFit/>
+          </a:bodyPr>
+          <a:lstStyle/>
+          <a:p>
+            <a:pPr algn="ctr"/>
+            <a:r>
+              <a:rPr lang="it-IT" dirty="0"/>
+              <a:t>Pump</a:t>
+            </a:r>
+          </a:p>
+          <a:p>
+            <a:pPr algn="ctr"/>
+            <a:r>
+              <a:rPr lang="it-IT" dirty="0"/>
+              <a:t>(oil)</a:t>
+            </a:r>
+          </a:p>
+        </p:txBody>
+      </p:sp>
+      <p:sp>
+        <p:nvSpPr>
+          <p:cNvPr id="10" name="CasellaDiTesto 9">
+            <a:extLst>
+              <a:ext uri="{FF2B5EF4-FFF2-40B4-BE49-F238E27FC236}">
+                <a16:creationId xmlns:a16="http://schemas.microsoft.com/office/drawing/2014/main" id="{1EED04FA-3FFA-474C-8AAF-7B23299178F5}"/>
+              </a:ext>
+            </a:extLst>
+          </p:cNvPr>
+          <p:cNvSpPr txBox="1"/>
+          <p:nvPr/>
+        </p:nvSpPr>
+        <p:spPr>
+          <a:xfrm>
+            <a:off x="8229599" y="3898209"/>
+            <a:ext cx="1887081" cy="646331"/>
+          </a:xfrm>
+          <a:prstGeom prst="rect">
+            <a:avLst/>
+          </a:prstGeom>
+          <a:solidFill>
+            <a:srgbClr val="FFC000"/>
+          </a:solidFill>
+        </p:spPr>
+        <p:txBody>
+          <a:bodyPr wrap="square" rtlCol="0">
+            <a:spAutoFit/>
+          </a:bodyPr>
+          <a:lstStyle/>
+          <a:p>
+            <a:pPr algn="ctr"/>
+            <a:r>
+              <a:rPr lang="it-IT" dirty="0" err="1"/>
+              <a:t>Capillary</a:t>
+            </a:r>
+            <a:r>
+              <a:rPr lang="it-IT" dirty="0"/>
+              <a:t>-optical </a:t>
+            </a:r>
+            <a:r>
+              <a:rPr lang="it-IT" dirty="0" err="1"/>
+              <a:t>fibers</a:t>
+            </a:r>
+            <a:r>
+              <a:rPr lang="it-IT" dirty="0"/>
+              <a:t> joints</a:t>
+            </a:r>
+          </a:p>
+        </p:txBody>
+      </p:sp>
+    </p:spTree>
+    <p:extLst>
+      <p:ext uri="{BB962C8B-B14F-4D97-AF65-F5344CB8AC3E}">
+        <p14:creationId xmlns:p14="http://schemas.microsoft.com/office/powerpoint/2010/main" val="2224213986"/>
+      </p:ext>
+    </p:extLst>
+  </p:cSld>
+  <p:clrMapOvr>
+    <a:masterClrMapping/>
+  </p:clrMapOvr>
+</p:sld>
+</file>
+
 <file path=ppt/slides/slide2.xml><?xml version="1.0" encoding="utf-8"?>
 <p:sld xmlns:a="http://schemas.openxmlformats.org/drawingml/2006/main" xmlns:r="http://schemas.openxmlformats.org/officeDocument/2006/relationships" xmlns:p="http://schemas.openxmlformats.org/presentationml/2006/main">
   <p:cSld>
@@ -6414,6 +6706,253 @@
       </p:grpSpPr>
       <p:pic>
         <p:nvPicPr>
+          <p:cNvPr id="3" name="Immagine 2">
+            <a:extLst>
+              <a:ext uri="{FF2B5EF4-FFF2-40B4-BE49-F238E27FC236}">
+                <a16:creationId xmlns:a16="http://schemas.microsoft.com/office/drawing/2014/main" id="{A07BB1FC-9D30-480B-89F2-C18E39313613}"/>
+              </a:ext>
+            </a:extLst>
+          </p:cNvPr>
+          <p:cNvPicPr>
+            <a:picLocks noChangeAspect="1"/>
+          </p:cNvPicPr>
+          <p:nvPr/>
+        </p:nvPicPr>
+        <p:blipFill rotWithShape="1">
+          <a:blip r:embed="rId2">
+            <a:extLst>
+              <a:ext uri="{28A0092B-C50C-407E-A947-70E740481C1C}">
+                <a14:useLocalDpi xmlns:a14="http://schemas.microsoft.com/office/drawing/2010/main" val="0"/>
+              </a:ext>
+            </a:extLst>
+          </a:blip>
+          <a:srcRect l="18749" r="11622" b="6751"/>
+          <a:stretch/>
+        </p:blipFill>
+        <p:spPr>
+          <a:xfrm>
+            <a:off x="1851454" y="1125871"/>
+            <a:ext cx="8489092" cy="4569187"/>
+          </a:xfrm>
+          <a:prstGeom prst="rect">
+            <a:avLst/>
+          </a:prstGeom>
+        </p:spPr>
+      </p:pic>
+      <p:sp>
+        <p:nvSpPr>
+          <p:cNvPr id="8" name="Freccia circolare in giù 7">
+            <a:extLst>
+              <a:ext uri="{FF2B5EF4-FFF2-40B4-BE49-F238E27FC236}">
+                <a16:creationId xmlns:a16="http://schemas.microsoft.com/office/drawing/2014/main" id="{525FB63D-DF6A-4538-A8D1-A86E6399BBE4}"/>
+              </a:ext>
+            </a:extLst>
+          </p:cNvPr>
+          <p:cNvSpPr/>
+          <p:nvPr/>
+        </p:nvSpPr>
+        <p:spPr>
+          <a:xfrm rot="20912784" flipH="1">
+            <a:off x="5900477" y="2383631"/>
+            <a:ext cx="2357115" cy="1553970"/>
+          </a:xfrm>
+          <a:prstGeom prst="curvedDownArrow">
+            <a:avLst>
+              <a:gd name="adj1" fmla="val 29574"/>
+              <a:gd name="adj2" fmla="val 54928"/>
+              <a:gd name="adj3" fmla="val 25917"/>
+            </a:avLst>
+          </a:prstGeom>
+          <a:solidFill>
+            <a:srgbClr val="FFFF00">
+              <a:alpha val="43137"/>
+            </a:srgbClr>
+          </a:solidFill>
+          <a:ln>
+            <a:solidFill>
+              <a:srgbClr val="FFC000"/>
+            </a:solidFill>
+          </a:ln>
+        </p:spPr>
+        <p:style>
+          <a:lnRef idx="2">
+            <a:schemeClr val="accent1">
+              <a:shade val="50000"/>
+            </a:schemeClr>
+          </a:lnRef>
+          <a:fillRef idx="1">
+            <a:schemeClr val="accent1"/>
+          </a:fillRef>
+          <a:effectRef idx="0">
+            <a:schemeClr val="accent1"/>
+          </a:effectRef>
+          <a:fontRef idx="minor">
+            <a:schemeClr val="lt1"/>
+          </a:fontRef>
+        </p:style>
+        <p:txBody>
+          <a:bodyPr rtlCol="0" anchor="ctr"/>
+          <a:lstStyle/>
+          <a:p>
+            <a:pPr algn="ctr"/>
+            <a:endParaRPr lang="it-IT">
+              <a:solidFill>
+                <a:schemeClr val="tx1"/>
+              </a:solidFill>
+            </a:endParaRPr>
+          </a:p>
+        </p:txBody>
+      </p:sp>
+      <p:sp>
+        <p:nvSpPr>
+          <p:cNvPr id="9" name="CasellaDiTesto 8">
+            <a:extLst>
+              <a:ext uri="{FF2B5EF4-FFF2-40B4-BE49-F238E27FC236}">
+                <a16:creationId xmlns:a16="http://schemas.microsoft.com/office/drawing/2014/main" id="{5BD8AAE1-99B8-4EA9-B576-90AE769DDE10}"/>
+              </a:ext>
+            </a:extLst>
+          </p:cNvPr>
+          <p:cNvSpPr txBox="1"/>
+          <p:nvPr/>
+        </p:nvSpPr>
+        <p:spPr>
+          <a:xfrm>
+            <a:off x="7303018" y="1326596"/>
+            <a:ext cx="2170787" cy="646331"/>
+          </a:xfrm>
+          <a:prstGeom prst="rect">
+            <a:avLst/>
+          </a:prstGeom>
+          <a:noFill/>
+        </p:spPr>
+        <p:txBody>
+          <a:bodyPr wrap="none" rtlCol="0">
+            <a:spAutoFit/>
+          </a:bodyPr>
+          <a:lstStyle/>
+          <a:p>
+            <a:pPr algn="ctr"/>
+            <a:r>
+              <a:rPr lang="it-IT" dirty="0"/>
+              <a:t>T-</a:t>
+            </a:r>
+            <a:r>
+              <a:rPr lang="it-IT" dirty="0" err="1"/>
+              <a:t>junction</a:t>
+            </a:r>
+            <a:r>
+              <a:rPr lang="it-IT" dirty="0"/>
+              <a:t> chip </a:t>
+            </a:r>
+            <a:r>
+              <a:rPr lang="it-IT" dirty="0" err="1"/>
+              <a:t>mold</a:t>
+            </a:r>
+            <a:r>
+              <a:rPr lang="it-IT" dirty="0"/>
+              <a:t> </a:t>
+            </a:r>
+          </a:p>
+          <a:p>
+            <a:pPr algn="ctr"/>
+            <a:r>
+              <a:rPr lang="it-IT" dirty="0"/>
+              <a:t>(Top)</a:t>
+            </a:r>
+          </a:p>
+        </p:txBody>
+      </p:sp>
+      <p:sp>
+        <p:nvSpPr>
+          <p:cNvPr id="10" name="CasellaDiTesto 9">
+            <a:extLst>
+              <a:ext uri="{FF2B5EF4-FFF2-40B4-BE49-F238E27FC236}">
+                <a16:creationId xmlns:a16="http://schemas.microsoft.com/office/drawing/2014/main" id="{B4EBAB75-D466-4572-BEFE-62C712CC2C7A}"/>
+              </a:ext>
+            </a:extLst>
+          </p:cNvPr>
+          <p:cNvSpPr txBox="1"/>
+          <p:nvPr/>
+        </p:nvSpPr>
+        <p:spPr>
+          <a:xfrm>
+            <a:off x="2287055" y="1649761"/>
+            <a:ext cx="2170787" cy="646331"/>
+          </a:xfrm>
+          <a:prstGeom prst="rect">
+            <a:avLst/>
+          </a:prstGeom>
+          <a:noFill/>
+        </p:spPr>
+        <p:txBody>
+          <a:bodyPr wrap="none" rtlCol="0">
+            <a:spAutoFit/>
+          </a:bodyPr>
+          <a:lstStyle/>
+          <a:p>
+            <a:pPr algn="ctr"/>
+            <a:r>
+              <a:rPr lang="it-IT" dirty="0"/>
+              <a:t>T-</a:t>
+            </a:r>
+            <a:r>
+              <a:rPr lang="it-IT" dirty="0" err="1"/>
+              <a:t>junction</a:t>
+            </a:r>
+            <a:r>
+              <a:rPr lang="it-IT" dirty="0"/>
+              <a:t> chip </a:t>
+            </a:r>
+            <a:r>
+              <a:rPr lang="it-IT" dirty="0" err="1"/>
+              <a:t>mold</a:t>
+            </a:r>
+            <a:r>
+              <a:rPr lang="it-IT" dirty="0"/>
+              <a:t> </a:t>
+            </a:r>
+          </a:p>
+          <a:p>
+            <a:pPr algn="ctr"/>
+            <a:r>
+              <a:rPr lang="it-IT" dirty="0"/>
+              <a:t>(Bottom)</a:t>
+            </a:r>
+          </a:p>
+        </p:txBody>
+      </p:sp>
+    </p:spTree>
+    <p:extLst>
+      <p:ext uri="{BB962C8B-B14F-4D97-AF65-F5344CB8AC3E}">
+        <p14:creationId xmlns:p14="http://schemas.microsoft.com/office/powerpoint/2010/main" val="4104039452"/>
+      </p:ext>
+    </p:extLst>
+  </p:cSld>
+  <p:clrMapOvr>
+    <a:masterClrMapping/>
+  </p:clrMapOvr>
+</p:sld>
+</file>
+
+<file path=ppt/slides/slide7.xml><?xml version="1.0" encoding="utf-8"?>
+<p:sld xmlns:a="http://schemas.openxmlformats.org/drawingml/2006/main" xmlns:r="http://schemas.openxmlformats.org/officeDocument/2006/relationships" xmlns:p="http://schemas.openxmlformats.org/presentationml/2006/main">
+  <p:cSld>
+    <p:spTree>
+      <p:nvGrpSpPr>
+        <p:cNvPr id="1" name=""/>
+        <p:cNvGrpSpPr/>
+        <p:nvPr/>
+      </p:nvGrpSpPr>
+      <p:grpSpPr>
+        <a:xfrm>
+          <a:off x="0" y="0"/>
+          <a:ext cx="0" cy="0"/>
+          <a:chOff x="0" y="0"/>
+          <a:chExt cx="0" cy="0"/>
+        </a:xfrm>
+      </p:grpSpPr>
+      <p:pic>
+        <p:nvPicPr>
           <p:cNvPr id="5" name="Immagine 4">
             <a:extLst>
               <a:ext uri="{FF2B5EF4-FFF2-40B4-BE49-F238E27FC236}">
@@ -6990,6 +7529,41 @@
                 </a:solidFill>
               </a:rPr>
               <a:t>400 µm</a:t>
+            </a:r>
+          </a:p>
+        </p:txBody>
+      </p:sp>
+      <p:sp>
+        <p:nvSpPr>
+          <p:cNvPr id="2" name="CasellaDiTesto 1">
+            <a:extLst>
+              <a:ext uri="{FF2B5EF4-FFF2-40B4-BE49-F238E27FC236}">
+                <a16:creationId xmlns:a16="http://schemas.microsoft.com/office/drawing/2014/main" id="{22B78E0B-9113-4920-93BF-91F89FC5A10F}"/>
+              </a:ext>
+            </a:extLst>
+          </p:cNvPr>
+          <p:cNvSpPr txBox="1"/>
+          <p:nvPr/>
+        </p:nvSpPr>
+        <p:spPr>
+          <a:xfrm>
+            <a:off x="963827" y="420130"/>
+            <a:ext cx="782587" cy="369332"/>
+          </a:xfrm>
+          <a:prstGeom prst="rect">
+            <a:avLst/>
+          </a:prstGeom>
+          <a:noFill/>
+        </p:spPr>
+        <p:txBody>
+          <a:bodyPr wrap="none" rtlCol="0">
+            <a:spAutoFit/>
+          </a:bodyPr>
+          <a:lstStyle/>
+          <a:p>
+            <a:r>
+              <a:rPr lang="it-IT" dirty="0"/>
+              <a:t>Chip B</a:t>
             </a:r>
           </a:p>
         </p:txBody>
@@ -7007,7 +7581,654 @@
 </p:sld>
 </file>
 
-<file path=ppt/slides/slide7.xml><?xml version="1.0" encoding="utf-8"?>
+<file path=ppt/slides/slide8.xml><?xml version="1.0" encoding="utf-8"?>
+<p:sld xmlns:a="http://schemas.openxmlformats.org/drawingml/2006/main" xmlns:r="http://schemas.openxmlformats.org/officeDocument/2006/relationships" xmlns:p="http://schemas.openxmlformats.org/presentationml/2006/main">
+  <p:cSld>
+    <p:spTree>
+      <p:nvGrpSpPr>
+        <p:cNvPr id="1" name=""/>
+        <p:cNvGrpSpPr/>
+        <p:nvPr/>
+      </p:nvGrpSpPr>
+      <p:grpSpPr>
+        <a:xfrm>
+          <a:off x="0" y="0"/>
+          <a:ext cx="0" cy="0"/>
+          <a:chOff x="0" y="0"/>
+          <a:chExt cx="0" cy="0"/>
+        </a:xfrm>
+      </p:grpSpPr>
+      <p:pic>
+        <p:nvPicPr>
+          <p:cNvPr id="5" name="Immagine 4">
+            <a:extLst>
+              <a:ext uri="{FF2B5EF4-FFF2-40B4-BE49-F238E27FC236}">
+                <a16:creationId xmlns:a16="http://schemas.microsoft.com/office/drawing/2014/main" id="{1976133A-A052-4EC1-AA3E-7A1BD2338FCB}"/>
+              </a:ext>
+            </a:extLst>
+          </p:cNvPr>
+          <p:cNvPicPr>
+            <a:picLocks noChangeAspect="1"/>
+          </p:cNvPicPr>
+          <p:nvPr/>
+        </p:nvPicPr>
+        <p:blipFill>
+          <a:blip r:embed="rId2">
+            <a:extLst>
+              <a:ext uri="{28A0092B-C50C-407E-A947-70E740481C1C}">
+                <a14:useLocalDpi xmlns:a14="http://schemas.microsoft.com/office/drawing/2010/main" val="0"/>
+              </a:ext>
+            </a:extLst>
+          </a:blip>
+          <a:stretch>
+            <a:fillRect/>
+          </a:stretch>
+        </p:blipFill>
+        <p:spPr>
+          <a:xfrm>
+            <a:off x="4085944" y="1809524"/>
+            <a:ext cx="4020111" cy="3238952"/>
+          </a:xfrm>
+          <a:prstGeom prst="rect">
+            <a:avLst/>
+          </a:prstGeom>
+        </p:spPr>
+      </p:pic>
+      <p:cxnSp>
+        <p:nvCxnSpPr>
+          <p:cNvPr id="6" name="Connettore diritto 5">
+            <a:extLst>
+              <a:ext uri="{FF2B5EF4-FFF2-40B4-BE49-F238E27FC236}">
+                <a16:creationId xmlns:a16="http://schemas.microsoft.com/office/drawing/2014/main" id="{34BC6ABD-6244-49A9-864D-E41D914218DE}"/>
+              </a:ext>
+            </a:extLst>
+          </p:cNvPr>
+          <p:cNvCxnSpPr>
+            <a:cxnSpLocks/>
+          </p:cNvCxnSpPr>
+          <p:nvPr/>
+        </p:nvCxnSpPr>
+        <p:spPr>
+          <a:xfrm flipH="1">
+            <a:off x="5225463" y="3101817"/>
+            <a:ext cx="166648" cy="326027"/>
+          </a:xfrm>
+          <a:prstGeom prst="line">
+            <a:avLst/>
+          </a:prstGeom>
+          <a:ln w="38100">
+            <a:solidFill>
+              <a:srgbClr val="C00000"/>
+            </a:solidFill>
+          </a:ln>
+        </p:spPr>
+        <p:style>
+          <a:lnRef idx="1">
+            <a:schemeClr val="accent1"/>
+          </a:lnRef>
+          <a:fillRef idx="0">
+            <a:schemeClr val="accent1"/>
+          </a:fillRef>
+          <a:effectRef idx="0">
+            <a:schemeClr val="accent1"/>
+          </a:effectRef>
+          <a:fontRef idx="minor">
+            <a:schemeClr val="tx1"/>
+          </a:fontRef>
+        </p:style>
+      </p:cxnSp>
+      <p:cxnSp>
+        <p:nvCxnSpPr>
+          <p:cNvPr id="7" name="Connettore 2 6">
+            <a:extLst>
+              <a:ext uri="{FF2B5EF4-FFF2-40B4-BE49-F238E27FC236}">
+                <a16:creationId xmlns:a16="http://schemas.microsoft.com/office/drawing/2014/main" id="{476CEBC2-44B2-4165-8D56-B5C0CB660F50}"/>
+              </a:ext>
+            </a:extLst>
+          </p:cNvPr>
+          <p:cNvCxnSpPr/>
+          <p:nvPr/>
+        </p:nvCxnSpPr>
+        <p:spPr>
+          <a:xfrm flipH="1">
+            <a:off x="5356552" y="2916665"/>
+            <a:ext cx="120650" cy="247650"/>
+          </a:xfrm>
+          <a:prstGeom prst="straightConnector1">
+            <a:avLst/>
+          </a:prstGeom>
+          <a:ln w="38100">
+            <a:solidFill>
+              <a:srgbClr val="C00000"/>
+            </a:solidFill>
+            <a:tailEnd type="triangle"/>
+          </a:ln>
+        </p:spPr>
+        <p:style>
+          <a:lnRef idx="1">
+            <a:schemeClr val="accent1"/>
+          </a:lnRef>
+          <a:fillRef idx="0">
+            <a:schemeClr val="accent1"/>
+          </a:fillRef>
+          <a:effectRef idx="0">
+            <a:schemeClr val="accent1"/>
+          </a:effectRef>
+          <a:fontRef idx="minor">
+            <a:schemeClr val="tx1"/>
+          </a:fontRef>
+        </p:style>
+      </p:cxnSp>
+      <p:cxnSp>
+        <p:nvCxnSpPr>
+          <p:cNvPr id="8" name="Connettore 2 7">
+            <a:extLst>
+              <a:ext uri="{FF2B5EF4-FFF2-40B4-BE49-F238E27FC236}">
+                <a16:creationId xmlns:a16="http://schemas.microsoft.com/office/drawing/2014/main" id="{FB57294F-879F-4C75-83AE-EF81799E5B69}"/>
+              </a:ext>
+            </a:extLst>
+          </p:cNvPr>
+          <p:cNvCxnSpPr>
+            <a:cxnSpLocks/>
+          </p:cNvCxnSpPr>
+          <p:nvPr/>
+        </p:nvCxnSpPr>
+        <p:spPr>
+          <a:xfrm flipV="1">
+            <a:off x="5155612" y="3347271"/>
+            <a:ext cx="101561" cy="247842"/>
+          </a:xfrm>
+          <a:prstGeom prst="straightConnector1">
+            <a:avLst/>
+          </a:prstGeom>
+          <a:ln w="38100">
+            <a:solidFill>
+              <a:srgbClr val="C00000"/>
+            </a:solidFill>
+            <a:tailEnd type="triangle"/>
+          </a:ln>
+        </p:spPr>
+        <p:style>
+          <a:lnRef idx="1">
+            <a:schemeClr val="accent1"/>
+          </a:lnRef>
+          <a:fillRef idx="0">
+            <a:schemeClr val="accent1"/>
+          </a:fillRef>
+          <a:effectRef idx="0">
+            <a:schemeClr val="accent1"/>
+          </a:effectRef>
+          <a:fontRef idx="minor">
+            <a:schemeClr val="tx1"/>
+          </a:fontRef>
+        </p:style>
+      </p:cxnSp>
+      <p:cxnSp>
+        <p:nvCxnSpPr>
+          <p:cNvPr id="9" name="Connettore 2 8">
+            <a:extLst>
+              <a:ext uri="{FF2B5EF4-FFF2-40B4-BE49-F238E27FC236}">
+                <a16:creationId xmlns:a16="http://schemas.microsoft.com/office/drawing/2014/main" id="{52B0AE96-7BCA-435C-B9BC-0711F056DFCB}"/>
+              </a:ext>
+            </a:extLst>
+          </p:cNvPr>
+          <p:cNvCxnSpPr>
+            <a:cxnSpLocks/>
+          </p:cNvCxnSpPr>
+          <p:nvPr/>
+        </p:nvCxnSpPr>
+        <p:spPr>
+          <a:xfrm flipV="1">
+            <a:off x="5681759" y="4443537"/>
+            <a:ext cx="193091" cy="497312"/>
+          </a:xfrm>
+          <a:prstGeom prst="straightConnector1">
+            <a:avLst/>
+          </a:prstGeom>
+          <a:ln w="38100">
+            <a:solidFill>
+              <a:schemeClr val="accent1"/>
+            </a:solidFill>
+            <a:tailEnd type="triangle"/>
+          </a:ln>
+        </p:spPr>
+        <p:style>
+          <a:lnRef idx="1">
+            <a:schemeClr val="accent1"/>
+          </a:lnRef>
+          <a:fillRef idx="0">
+            <a:schemeClr val="accent1"/>
+          </a:fillRef>
+          <a:effectRef idx="0">
+            <a:schemeClr val="accent1"/>
+          </a:effectRef>
+          <a:fontRef idx="minor">
+            <a:schemeClr val="tx1"/>
+          </a:fontRef>
+        </p:style>
+      </p:cxnSp>
+      <p:sp>
+        <p:nvSpPr>
+          <p:cNvPr id="10" name="CasellaDiTesto 9">
+            <a:extLst>
+              <a:ext uri="{FF2B5EF4-FFF2-40B4-BE49-F238E27FC236}">
+                <a16:creationId xmlns:a16="http://schemas.microsoft.com/office/drawing/2014/main" id="{B00F2248-F7B8-4E2C-95B8-BBD0C828CD6C}"/>
+              </a:ext>
+            </a:extLst>
+          </p:cNvPr>
+          <p:cNvSpPr txBox="1"/>
+          <p:nvPr/>
+        </p:nvSpPr>
+        <p:spPr>
+          <a:xfrm>
+            <a:off x="5799808" y="4625331"/>
+            <a:ext cx="1722779" cy="369332"/>
+          </a:xfrm>
+          <a:prstGeom prst="rect">
+            <a:avLst/>
+          </a:prstGeom>
+          <a:noFill/>
+        </p:spPr>
+        <p:txBody>
+          <a:bodyPr wrap="none" rtlCol="0">
+            <a:spAutoFit/>
+          </a:bodyPr>
+          <a:lstStyle/>
+          <a:p>
+            <a:r>
+              <a:rPr lang="it-IT" dirty="0" err="1">
+                <a:solidFill>
+                  <a:schemeClr val="accent1"/>
+                </a:solidFill>
+              </a:rPr>
+              <a:t>Dispersed</a:t>
+            </a:r>
+            <a:r>
+              <a:rPr lang="it-IT" dirty="0">
+                <a:solidFill>
+                  <a:schemeClr val="accent1"/>
+                </a:solidFill>
+              </a:rPr>
+              <a:t> </a:t>
+            </a:r>
+            <a:r>
+              <a:rPr lang="it-IT" dirty="0" err="1">
+                <a:solidFill>
+                  <a:schemeClr val="accent1"/>
+                </a:solidFill>
+              </a:rPr>
+              <a:t>phase</a:t>
+            </a:r>
+            <a:endParaRPr lang="it-IT" dirty="0">
+              <a:solidFill>
+                <a:schemeClr val="accent1"/>
+              </a:solidFill>
+            </a:endParaRPr>
+          </a:p>
+        </p:txBody>
+      </p:sp>
+      <p:cxnSp>
+        <p:nvCxnSpPr>
+          <p:cNvPr id="11" name="Connettore 2 10">
+            <a:extLst>
+              <a:ext uri="{FF2B5EF4-FFF2-40B4-BE49-F238E27FC236}">
+                <a16:creationId xmlns:a16="http://schemas.microsoft.com/office/drawing/2014/main" id="{C10FF86F-8A8B-4C12-98D6-1F91D99C44DF}"/>
+              </a:ext>
+            </a:extLst>
+          </p:cNvPr>
+          <p:cNvCxnSpPr>
+            <a:cxnSpLocks/>
+          </p:cNvCxnSpPr>
+          <p:nvPr/>
+        </p:nvCxnSpPr>
+        <p:spPr>
+          <a:xfrm>
+            <a:off x="4316452" y="2927870"/>
+            <a:ext cx="476250" cy="193675"/>
+          </a:xfrm>
+          <a:prstGeom prst="straightConnector1">
+            <a:avLst/>
+          </a:prstGeom>
+          <a:ln w="38100">
+            <a:solidFill>
+              <a:schemeClr val="accent1"/>
+            </a:solidFill>
+            <a:tailEnd type="triangle"/>
+          </a:ln>
+        </p:spPr>
+        <p:style>
+          <a:lnRef idx="1">
+            <a:schemeClr val="accent1"/>
+          </a:lnRef>
+          <a:fillRef idx="0">
+            <a:schemeClr val="accent1"/>
+          </a:fillRef>
+          <a:effectRef idx="0">
+            <a:schemeClr val="accent1"/>
+          </a:effectRef>
+          <a:fontRef idx="minor">
+            <a:schemeClr val="tx1"/>
+          </a:fontRef>
+        </p:style>
+      </p:cxnSp>
+      <p:sp>
+        <p:nvSpPr>
+          <p:cNvPr id="12" name="CasellaDiTesto 11">
+            <a:extLst>
+              <a:ext uri="{FF2B5EF4-FFF2-40B4-BE49-F238E27FC236}">
+                <a16:creationId xmlns:a16="http://schemas.microsoft.com/office/drawing/2014/main" id="{435BBFFD-4850-4B3A-A653-E30F6629EE70}"/>
+              </a:ext>
+            </a:extLst>
+          </p:cNvPr>
+          <p:cNvSpPr txBox="1"/>
+          <p:nvPr/>
+        </p:nvSpPr>
+        <p:spPr>
+          <a:xfrm>
+            <a:off x="4136307" y="2435811"/>
+            <a:ext cx="1868910" cy="369332"/>
+          </a:xfrm>
+          <a:prstGeom prst="rect">
+            <a:avLst/>
+          </a:prstGeom>
+          <a:noFill/>
+        </p:spPr>
+        <p:txBody>
+          <a:bodyPr wrap="none" rtlCol="0">
+            <a:spAutoFit/>
+          </a:bodyPr>
+          <a:lstStyle/>
+          <a:p>
+            <a:r>
+              <a:rPr lang="it-IT" dirty="0" err="1">
+                <a:solidFill>
+                  <a:schemeClr val="accent1"/>
+                </a:solidFill>
+              </a:rPr>
+              <a:t>Continuous</a:t>
+            </a:r>
+            <a:r>
+              <a:rPr lang="it-IT" dirty="0">
+                <a:solidFill>
+                  <a:schemeClr val="accent1"/>
+                </a:solidFill>
+              </a:rPr>
+              <a:t> </a:t>
+            </a:r>
+            <a:r>
+              <a:rPr lang="it-IT" dirty="0" err="1">
+                <a:solidFill>
+                  <a:schemeClr val="accent1"/>
+                </a:solidFill>
+              </a:rPr>
+              <a:t>phase</a:t>
+            </a:r>
+            <a:endParaRPr lang="it-IT" dirty="0">
+              <a:solidFill>
+                <a:schemeClr val="accent1"/>
+              </a:solidFill>
+            </a:endParaRPr>
+          </a:p>
+        </p:txBody>
+      </p:sp>
+      <p:sp>
+        <p:nvSpPr>
+          <p:cNvPr id="13" name="CasellaDiTesto 12">
+            <a:extLst>
+              <a:ext uri="{FF2B5EF4-FFF2-40B4-BE49-F238E27FC236}">
+                <a16:creationId xmlns:a16="http://schemas.microsoft.com/office/drawing/2014/main" id="{76FA71A6-C3CC-4D83-BC10-10C4C2CFEEE8}"/>
+              </a:ext>
+            </a:extLst>
+          </p:cNvPr>
+          <p:cNvSpPr txBox="1"/>
+          <p:nvPr/>
+        </p:nvSpPr>
+        <p:spPr>
+          <a:xfrm>
+            <a:off x="5385119" y="2905922"/>
+            <a:ext cx="819455" cy="338554"/>
+          </a:xfrm>
+          <a:prstGeom prst="rect">
+            <a:avLst/>
+          </a:prstGeom>
+          <a:noFill/>
+        </p:spPr>
+        <p:txBody>
+          <a:bodyPr wrap="none" rtlCol="0">
+            <a:spAutoFit/>
+          </a:bodyPr>
+          <a:lstStyle/>
+          <a:p>
+            <a:r>
+              <a:rPr lang="it-IT" sz="1600" dirty="0">
+                <a:solidFill>
+                  <a:srgbClr val="C00000"/>
+                </a:solidFill>
+              </a:rPr>
+              <a:t>300 µm</a:t>
+            </a:r>
+          </a:p>
+        </p:txBody>
+      </p:sp>
+      <p:cxnSp>
+        <p:nvCxnSpPr>
+          <p:cNvPr id="14" name="Connettore diritto 13">
+            <a:extLst>
+              <a:ext uri="{FF2B5EF4-FFF2-40B4-BE49-F238E27FC236}">
+                <a16:creationId xmlns:a16="http://schemas.microsoft.com/office/drawing/2014/main" id="{6AFE59EC-26B5-42CD-B3A4-CA1BE3B2EAA1}"/>
+              </a:ext>
+            </a:extLst>
+          </p:cNvPr>
+          <p:cNvCxnSpPr>
+            <a:cxnSpLocks/>
+          </p:cNvCxnSpPr>
+          <p:nvPr/>
+        </p:nvCxnSpPr>
+        <p:spPr>
+          <a:xfrm flipH="1" flipV="1">
+            <a:off x="5857257" y="4090772"/>
+            <a:ext cx="295920" cy="111998"/>
+          </a:xfrm>
+          <a:prstGeom prst="line">
+            <a:avLst/>
+          </a:prstGeom>
+          <a:ln w="38100">
+            <a:solidFill>
+              <a:srgbClr val="C00000"/>
+            </a:solidFill>
+          </a:ln>
+        </p:spPr>
+        <p:style>
+          <a:lnRef idx="1">
+            <a:schemeClr val="accent1"/>
+          </a:lnRef>
+          <a:fillRef idx="0">
+            <a:schemeClr val="accent1"/>
+          </a:fillRef>
+          <a:effectRef idx="0">
+            <a:schemeClr val="accent1"/>
+          </a:effectRef>
+          <a:fontRef idx="minor">
+            <a:schemeClr val="tx1"/>
+          </a:fontRef>
+        </p:style>
+      </p:cxnSp>
+      <p:cxnSp>
+        <p:nvCxnSpPr>
+          <p:cNvPr id="15" name="Connettore 2 14">
+            <a:extLst>
+              <a:ext uri="{FF2B5EF4-FFF2-40B4-BE49-F238E27FC236}">
+                <a16:creationId xmlns:a16="http://schemas.microsoft.com/office/drawing/2014/main" id="{65C71C51-AA1B-40BA-A079-2D03BD2C24DB}"/>
+              </a:ext>
+            </a:extLst>
+          </p:cNvPr>
+          <p:cNvCxnSpPr>
+            <a:cxnSpLocks/>
+          </p:cNvCxnSpPr>
+          <p:nvPr/>
+        </p:nvCxnSpPr>
+        <p:spPr>
+          <a:xfrm>
+            <a:off x="5670379" y="4013239"/>
+            <a:ext cx="248635" cy="96222"/>
+          </a:xfrm>
+          <a:prstGeom prst="straightConnector1">
+            <a:avLst/>
+          </a:prstGeom>
+          <a:ln w="38100">
+            <a:solidFill>
+              <a:srgbClr val="C00000"/>
+            </a:solidFill>
+            <a:tailEnd type="triangle"/>
+          </a:ln>
+        </p:spPr>
+        <p:style>
+          <a:lnRef idx="1">
+            <a:schemeClr val="accent1"/>
+          </a:lnRef>
+          <a:fillRef idx="0">
+            <a:schemeClr val="accent1"/>
+          </a:fillRef>
+          <a:effectRef idx="0">
+            <a:schemeClr val="accent1"/>
+          </a:effectRef>
+          <a:fontRef idx="minor">
+            <a:schemeClr val="tx1"/>
+          </a:fontRef>
+        </p:style>
+      </p:cxnSp>
+      <p:cxnSp>
+        <p:nvCxnSpPr>
+          <p:cNvPr id="16" name="Connettore 2 15">
+            <a:extLst>
+              <a:ext uri="{FF2B5EF4-FFF2-40B4-BE49-F238E27FC236}">
+                <a16:creationId xmlns:a16="http://schemas.microsoft.com/office/drawing/2014/main" id="{8ED7DA43-509E-499C-91E8-5BCCCDEB66A9}"/>
+              </a:ext>
+            </a:extLst>
+          </p:cNvPr>
+          <p:cNvCxnSpPr>
+            <a:cxnSpLocks/>
+          </p:cNvCxnSpPr>
+          <p:nvPr/>
+        </p:nvCxnSpPr>
+        <p:spPr>
+          <a:xfrm flipH="1" flipV="1">
+            <a:off x="6083540" y="4168311"/>
+            <a:ext cx="220877" cy="90706"/>
+          </a:xfrm>
+          <a:prstGeom prst="straightConnector1">
+            <a:avLst/>
+          </a:prstGeom>
+          <a:ln w="38100">
+            <a:solidFill>
+              <a:srgbClr val="C00000"/>
+            </a:solidFill>
+            <a:tailEnd type="triangle"/>
+          </a:ln>
+        </p:spPr>
+        <p:style>
+          <a:lnRef idx="1">
+            <a:schemeClr val="accent1"/>
+          </a:lnRef>
+          <a:fillRef idx="0">
+            <a:schemeClr val="accent1"/>
+          </a:fillRef>
+          <a:effectRef idx="0">
+            <a:schemeClr val="accent1"/>
+          </a:effectRef>
+          <a:fontRef idx="minor">
+            <a:schemeClr val="tx1"/>
+          </a:fontRef>
+        </p:style>
+      </p:cxnSp>
+      <p:sp>
+        <p:nvSpPr>
+          <p:cNvPr id="17" name="CasellaDiTesto 16">
+            <a:extLst>
+              <a:ext uri="{FF2B5EF4-FFF2-40B4-BE49-F238E27FC236}">
+                <a16:creationId xmlns:a16="http://schemas.microsoft.com/office/drawing/2014/main" id="{36734C2F-5A48-408B-BFA3-18EDF174DC6A}"/>
+              </a:ext>
+            </a:extLst>
+          </p:cNvPr>
+          <p:cNvSpPr txBox="1"/>
+          <p:nvPr/>
+        </p:nvSpPr>
+        <p:spPr>
+          <a:xfrm>
+            <a:off x="6153177" y="3908137"/>
+            <a:ext cx="819455" cy="338554"/>
+          </a:xfrm>
+          <a:prstGeom prst="rect">
+            <a:avLst/>
+          </a:prstGeom>
+          <a:noFill/>
+        </p:spPr>
+        <p:txBody>
+          <a:bodyPr wrap="none" rtlCol="0">
+            <a:spAutoFit/>
+          </a:bodyPr>
+          <a:lstStyle/>
+          <a:p>
+            <a:r>
+              <a:rPr lang="it-IT" sz="1600" dirty="0">
+                <a:solidFill>
+                  <a:srgbClr val="C00000"/>
+                </a:solidFill>
+              </a:rPr>
+              <a:t>200 µm</a:t>
+            </a:r>
+          </a:p>
+        </p:txBody>
+      </p:sp>
+      <p:sp>
+        <p:nvSpPr>
+          <p:cNvPr id="2" name="CasellaDiTesto 1">
+            <a:extLst>
+              <a:ext uri="{FF2B5EF4-FFF2-40B4-BE49-F238E27FC236}">
+                <a16:creationId xmlns:a16="http://schemas.microsoft.com/office/drawing/2014/main" id="{15C40B0D-338F-4C5E-BEDF-3132D694D576}"/>
+              </a:ext>
+            </a:extLst>
+          </p:cNvPr>
+          <p:cNvSpPr txBox="1"/>
+          <p:nvPr/>
+        </p:nvSpPr>
+        <p:spPr>
+          <a:xfrm>
+            <a:off x="877330" y="370703"/>
+            <a:ext cx="790601" cy="369332"/>
+          </a:xfrm>
+          <a:prstGeom prst="rect">
+            <a:avLst/>
+          </a:prstGeom>
+          <a:noFill/>
+        </p:spPr>
+        <p:txBody>
+          <a:bodyPr wrap="none" rtlCol="0">
+            <a:spAutoFit/>
+          </a:bodyPr>
+          <a:lstStyle/>
+          <a:p>
+            <a:r>
+              <a:rPr lang="it-IT" dirty="0"/>
+              <a:t>Chip A</a:t>
+            </a:r>
+          </a:p>
+        </p:txBody>
+      </p:sp>
+    </p:spTree>
+    <p:extLst>
+      <p:ext uri="{BB962C8B-B14F-4D97-AF65-F5344CB8AC3E}">
+        <p14:creationId xmlns:p14="http://schemas.microsoft.com/office/powerpoint/2010/main" val="560339933"/>
+      </p:ext>
+    </p:extLst>
+  </p:cSld>
+  <p:clrMapOvr>
+    <a:masterClrMapping/>
+  </p:clrMapOvr>
+</p:sld>
+</file>
+
+<file path=ppt/slides/slide9.xml><?xml version="1.0" encoding="utf-8"?>
 <p:sld xmlns:a="http://schemas.openxmlformats.org/drawingml/2006/main" xmlns:r="http://schemas.openxmlformats.org/officeDocument/2006/relationships" xmlns:p="http://schemas.openxmlformats.org/presentationml/2006/main">
   <p:cSld>
     <p:spTree>
@@ -8805,296 +10026,6 @@
 </p:sld>
 </file>
 
-<file path=ppt/slides/slide8.xml><?xml version="1.0" encoding="utf-8"?>
-<p:sld xmlns:a="http://schemas.openxmlformats.org/drawingml/2006/main" xmlns:r="http://schemas.openxmlformats.org/officeDocument/2006/relationships" xmlns:p="http://schemas.openxmlformats.org/presentationml/2006/main">
-  <p:cSld>
-    <p:spTree>
-      <p:nvGrpSpPr>
-        <p:cNvPr id="1" name=""/>
-        <p:cNvGrpSpPr/>
-        <p:nvPr/>
-      </p:nvGrpSpPr>
-      <p:grpSpPr>
-        <a:xfrm>
-          <a:off x="0" y="0"/>
-          <a:ext cx="0" cy="0"/>
-          <a:chOff x="0" y="0"/>
-          <a:chExt cx="0" cy="0"/>
-        </a:xfrm>
-      </p:grpSpPr>
-      <p:pic>
-        <p:nvPicPr>
-          <p:cNvPr id="5" name="Immagine 4">
-            <a:extLst>
-              <a:ext uri="{FF2B5EF4-FFF2-40B4-BE49-F238E27FC236}">
-                <a16:creationId xmlns:a16="http://schemas.microsoft.com/office/drawing/2014/main" id="{E3D30BB8-45F1-437D-9AD6-E221C734649D}"/>
-              </a:ext>
-            </a:extLst>
-          </p:cNvPr>
-          <p:cNvPicPr>
-            <a:picLocks noChangeAspect="1"/>
-          </p:cNvPicPr>
-          <p:nvPr/>
-        </p:nvPicPr>
-        <p:blipFill>
-          <a:blip r:embed="rId2">
-            <a:extLst>
-              <a:ext uri="{28A0092B-C50C-407E-A947-70E740481C1C}">
-                <a14:useLocalDpi xmlns:a14="http://schemas.microsoft.com/office/drawing/2010/main" val="0"/>
-              </a:ext>
-            </a:extLst>
-          </a:blip>
-          <a:stretch>
-            <a:fillRect/>
-          </a:stretch>
-        </p:blipFill>
-        <p:spPr>
-          <a:xfrm rot="16200000">
-            <a:off x="2938849" y="-780535"/>
-            <a:ext cx="6314302" cy="8419069"/>
-          </a:xfrm>
-          <a:prstGeom prst="rect">
-            <a:avLst/>
-          </a:prstGeom>
-        </p:spPr>
-      </p:pic>
-      <p:sp>
-        <p:nvSpPr>
-          <p:cNvPr id="6" name="CasellaDiTesto 5">
-            <a:extLst>
-              <a:ext uri="{FF2B5EF4-FFF2-40B4-BE49-F238E27FC236}">
-                <a16:creationId xmlns:a16="http://schemas.microsoft.com/office/drawing/2014/main" id="{367023F3-6B9B-4601-8AA6-946F7719EC54}"/>
-              </a:ext>
-            </a:extLst>
-          </p:cNvPr>
-          <p:cNvSpPr txBox="1"/>
-          <p:nvPr/>
-        </p:nvSpPr>
-        <p:spPr>
-          <a:xfrm>
-            <a:off x="5177481" y="2187147"/>
-            <a:ext cx="1454184" cy="646331"/>
-          </a:xfrm>
-          <a:prstGeom prst="rect">
-            <a:avLst/>
-          </a:prstGeom>
-          <a:solidFill>
-            <a:srgbClr val="FFC000"/>
-          </a:solidFill>
-        </p:spPr>
-        <p:txBody>
-          <a:bodyPr wrap="square" rtlCol="0">
-            <a:spAutoFit/>
-          </a:bodyPr>
-          <a:lstStyle/>
-          <a:p>
-            <a:pPr algn="ctr"/>
-            <a:r>
-              <a:rPr lang="it-IT" dirty="0"/>
-              <a:t>T-</a:t>
-            </a:r>
-            <a:r>
-              <a:rPr lang="it-IT" dirty="0" err="1"/>
-              <a:t>junction</a:t>
-            </a:r>
-            <a:r>
-              <a:rPr lang="it-IT" dirty="0"/>
-              <a:t> chip</a:t>
-            </a:r>
-          </a:p>
-        </p:txBody>
-      </p:sp>
-      <p:sp>
-        <p:nvSpPr>
-          <p:cNvPr id="7" name="CasellaDiTesto 6">
-            <a:extLst>
-              <a:ext uri="{FF2B5EF4-FFF2-40B4-BE49-F238E27FC236}">
-                <a16:creationId xmlns:a16="http://schemas.microsoft.com/office/drawing/2014/main" id="{7FBD21D5-04FD-4B3F-919D-22AE5E3F8CD1}"/>
-              </a:ext>
-            </a:extLst>
-          </p:cNvPr>
-          <p:cNvSpPr txBox="1"/>
-          <p:nvPr/>
-        </p:nvSpPr>
-        <p:spPr>
-          <a:xfrm>
-            <a:off x="6540843" y="583166"/>
-            <a:ext cx="1454184" cy="369332"/>
-          </a:xfrm>
-          <a:prstGeom prst="rect">
-            <a:avLst/>
-          </a:prstGeom>
-          <a:solidFill>
-            <a:srgbClr val="FFC000"/>
-          </a:solidFill>
-        </p:spPr>
-        <p:txBody>
-          <a:bodyPr wrap="square" rtlCol="0">
-            <a:spAutoFit/>
-          </a:bodyPr>
-          <a:lstStyle/>
-          <a:p>
-            <a:pPr algn="ctr"/>
-            <a:r>
-              <a:rPr lang="it-IT" dirty="0"/>
-              <a:t>Camera</a:t>
-            </a:r>
-          </a:p>
-        </p:txBody>
-      </p:sp>
-      <p:sp>
-        <p:nvSpPr>
-          <p:cNvPr id="8" name="CasellaDiTesto 7">
-            <a:extLst>
-              <a:ext uri="{FF2B5EF4-FFF2-40B4-BE49-F238E27FC236}">
-                <a16:creationId xmlns:a16="http://schemas.microsoft.com/office/drawing/2014/main" id="{3A7B07AE-4B5F-4166-84BD-647451774E1C}"/>
-              </a:ext>
-            </a:extLst>
-          </p:cNvPr>
-          <p:cNvSpPr txBox="1"/>
-          <p:nvPr/>
-        </p:nvSpPr>
-        <p:spPr>
-          <a:xfrm>
-            <a:off x="7088659" y="5690625"/>
-            <a:ext cx="1454184" cy="646331"/>
-          </a:xfrm>
-          <a:prstGeom prst="rect">
-            <a:avLst/>
-          </a:prstGeom>
-          <a:solidFill>
-            <a:srgbClr val="FFC000"/>
-          </a:solidFill>
-        </p:spPr>
-        <p:txBody>
-          <a:bodyPr wrap="square" rtlCol="0">
-            <a:spAutoFit/>
-          </a:bodyPr>
-          <a:lstStyle/>
-          <a:p>
-            <a:pPr algn="ctr"/>
-            <a:r>
-              <a:rPr lang="it-IT" dirty="0"/>
-              <a:t>Pump</a:t>
-            </a:r>
-          </a:p>
-          <a:p>
-            <a:pPr algn="ctr"/>
-            <a:r>
-              <a:rPr lang="it-IT" dirty="0"/>
-              <a:t>(water)</a:t>
-            </a:r>
-          </a:p>
-        </p:txBody>
-      </p:sp>
-      <p:sp>
-        <p:nvSpPr>
-          <p:cNvPr id="9" name="CasellaDiTesto 8">
-            <a:extLst>
-              <a:ext uri="{FF2B5EF4-FFF2-40B4-BE49-F238E27FC236}">
-                <a16:creationId xmlns:a16="http://schemas.microsoft.com/office/drawing/2014/main" id="{5983A3F8-259A-4596-AC8C-C8046C9FDDB1}"/>
-              </a:ext>
-            </a:extLst>
-          </p:cNvPr>
-          <p:cNvSpPr txBox="1"/>
-          <p:nvPr/>
-        </p:nvSpPr>
-        <p:spPr>
-          <a:xfrm>
-            <a:off x="2508421" y="767832"/>
-            <a:ext cx="1454184" cy="646331"/>
-          </a:xfrm>
-          <a:prstGeom prst="rect">
-            <a:avLst/>
-          </a:prstGeom>
-          <a:solidFill>
-            <a:srgbClr val="FFC000"/>
-          </a:solidFill>
-        </p:spPr>
-        <p:txBody>
-          <a:bodyPr wrap="square" rtlCol="0">
-            <a:spAutoFit/>
-          </a:bodyPr>
-          <a:lstStyle/>
-          <a:p>
-            <a:pPr algn="ctr"/>
-            <a:r>
-              <a:rPr lang="it-IT" dirty="0"/>
-              <a:t>Pump</a:t>
-            </a:r>
-          </a:p>
-          <a:p>
-            <a:pPr algn="ctr"/>
-            <a:r>
-              <a:rPr lang="it-IT" dirty="0"/>
-              <a:t>(oil)</a:t>
-            </a:r>
-          </a:p>
-        </p:txBody>
-      </p:sp>
-      <p:sp>
-        <p:nvSpPr>
-          <p:cNvPr id="10" name="CasellaDiTesto 9">
-            <a:extLst>
-              <a:ext uri="{FF2B5EF4-FFF2-40B4-BE49-F238E27FC236}">
-                <a16:creationId xmlns:a16="http://schemas.microsoft.com/office/drawing/2014/main" id="{1EED04FA-3FFA-474C-8AAF-7B23299178F5}"/>
-              </a:ext>
-            </a:extLst>
-          </p:cNvPr>
-          <p:cNvSpPr txBox="1"/>
-          <p:nvPr/>
-        </p:nvSpPr>
-        <p:spPr>
-          <a:xfrm>
-            <a:off x="8229599" y="3898209"/>
-            <a:ext cx="1887081" cy="646331"/>
-          </a:xfrm>
-          <a:prstGeom prst="rect">
-            <a:avLst/>
-          </a:prstGeom>
-          <a:solidFill>
-            <a:srgbClr val="FFC000"/>
-          </a:solidFill>
-        </p:spPr>
-        <p:txBody>
-          <a:bodyPr wrap="square" rtlCol="0">
-            <a:spAutoFit/>
-          </a:bodyPr>
-          <a:lstStyle/>
-          <a:p>
-            <a:pPr algn="ctr"/>
-            <a:r>
-              <a:rPr lang="it-IT" dirty="0" err="1"/>
-              <a:t>Capillary</a:t>
-            </a:r>
-            <a:r>
-              <a:rPr lang="it-IT" dirty="0"/>
-              <a:t>-optical </a:t>
-            </a:r>
-            <a:r>
-              <a:rPr lang="it-IT" dirty="0" err="1"/>
-              <a:t>fibers</a:t>
-            </a:r>
-            <a:r>
-              <a:rPr lang="it-IT" dirty="0"/>
-              <a:t> joints</a:t>
-            </a:r>
-          </a:p>
-        </p:txBody>
-      </p:sp>
-    </p:spTree>
-    <p:extLst>
-      <p:ext uri="{BB962C8B-B14F-4D97-AF65-F5344CB8AC3E}">
-        <p14:creationId xmlns:p14="http://schemas.microsoft.com/office/powerpoint/2010/main" val="2224213986"/>
-      </p:ext>
-    </p:extLst>
-  </p:cSld>
-  <p:clrMapOvr>
-    <a:masterClrMapping/>
-  </p:clrMapOvr>
-</p:sld>
-</file>
-
 <file path=ppt/theme/theme1.xml><?xml version="1.0" encoding="utf-8"?>
 <a:theme xmlns:a="http://schemas.openxmlformats.org/drawingml/2006/main" name="Tema di Office">
   <a:themeElements>

--- a/Report/Figures.pptx
+++ b/Report/Figures.pptx
@@ -15,6 +15,7 @@
     <p:sldId id="265" r:id="rId9"/>
     <p:sldId id="260" r:id="rId10"/>
     <p:sldId id="262" r:id="rId11"/>
+    <p:sldId id="266" r:id="rId12"/>
   </p:sldIdLst>
   <p:sldSz cx="12192000" cy="6858000"/>
   <p:notesSz cx="6858000" cy="9144000"/>
@@ -268,7 +269,7 @@
           <a:p>
             <a:fld id="{4DAA0097-81A9-445B-865C-4B93A7260298}" type="datetimeFigureOut">
               <a:rPr lang="it-IT" smtClean="0"/>
-              <a:t>10/12/2020</a:t>
+              <a:t>11/12/2020</a:t>
             </a:fld>
             <a:endParaRPr lang="it-IT"/>
           </a:p>
@@ -466,7 +467,7 @@
           <a:p>
             <a:fld id="{4DAA0097-81A9-445B-865C-4B93A7260298}" type="datetimeFigureOut">
               <a:rPr lang="it-IT" smtClean="0"/>
-              <a:t>10/12/2020</a:t>
+              <a:t>11/12/2020</a:t>
             </a:fld>
             <a:endParaRPr lang="it-IT"/>
           </a:p>
@@ -674,7 +675,7 @@
           <a:p>
             <a:fld id="{4DAA0097-81A9-445B-865C-4B93A7260298}" type="datetimeFigureOut">
               <a:rPr lang="it-IT" smtClean="0"/>
-              <a:t>10/12/2020</a:t>
+              <a:t>11/12/2020</a:t>
             </a:fld>
             <a:endParaRPr lang="it-IT"/>
           </a:p>
@@ -872,7 +873,7 @@
           <a:p>
             <a:fld id="{4DAA0097-81A9-445B-865C-4B93A7260298}" type="datetimeFigureOut">
               <a:rPr lang="it-IT" smtClean="0"/>
-              <a:t>10/12/2020</a:t>
+              <a:t>11/12/2020</a:t>
             </a:fld>
             <a:endParaRPr lang="it-IT"/>
           </a:p>
@@ -1147,7 +1148,7 @@
           <a:p>
             <a:fld id="{4DAA0097-81A9-445B-865C-4B93A7260298}" type="datetimeFigureOut">
               <a:rPr lang="it-IT" smtClean="0"/>
-              <a:t>10/12/2020</a:t>
+              <a:t>11/12/2020</a:t>
             </a:fld>
             <a:endParaRPr lang="it-IT"/>
           </a:p>
@@ -1412,7 +1413,7 @@
           <a:p>
             <a:fld id="{4DAA0097-81A9-445B-865C-4B93A7260298}" type="datetimeFigureOut">
               <a:rPr lang="it-IT" smtClean="0"/>
-              <a:t>10/12/2020</a:t>
+              <a:t>11/12/2020</a:t>
             </a:fld>
             <a:endParaRPr lang="it-IT"/>
           </a:p>
@@ -1824,7 +1825,7 @@
           <a:p>
             <a:fld id="{4DAA0097-81A9-445B-865C-4B93A7260298}" type="datetimeFigureOut">
               <a:rPr lang="it-IT" smtClean="0"/>
-              <a:t>10/12/2020</a:t>
+              <a:t>11/12/2020</a:t>
             </a:fld>
             <a:endParaRPr lang="it-IT"/>
           </a:p>
@@ -1965,7 +1966,7 @@
           <a:p>
             <a:fld id="{4DAA0097-81A9-445B-865C-4B93A7260298}" type="datetimeFigureOut">
               <a:rPr lang="it-IT" smtClean="0"/>
-              <a:t>10/12/2020</a:t>
+              <a:t>11/12/2020</a:t>
             </a:fld>
             <a:endParaRPr lang="it-IT"/>
           </a:p>
@@ -2078,7 +2079,7 @@
           <a:p>
             <a:fld id="{4DAA0097-81A9-445B-865C-4B93A7260298}" type="datetimeFigureOut">
               <a:rPr lang="it-IT" smtClean="0"/>
-              <a:t>10/12/2020</a:t>
+              <a:t>11/12/2020</a:t>
             </a:fld>
             <a:endParaRPr lang="it-IT"/>
           </a:p>
@@ -2389,7 +2390,7 @@
           <a:p>
             <a:fld id="{4DAA0097-81A9-445B-865C-4B93A7260298}" type="datetimeFigureOut">
               <a:rPr lang="it-IT" smtClean="0"/>
-              <a:t>10/12/2020</a:t>
+              <a:t>11/12/2020</a:t>
             </a:fld>
             <a:endParaRPr lang="it-IT"/>
           </a:p>
@@ -2677,7 +2678,7 @@
           <a:p>
             <a:fld id="{4DAA0097-81A9-445B-865C-4B93A7260298}" type="datetimeFigureOut">
               <a:rPr lang="it-IT" smtClean="0"/>
-              <a:t>10/12/2020</a:t>
+              <a:t>11/12/2020</a:t>
             </a:fld>
             <a:endParaRPr lang="it-IT"/>
           </a:p>
@@ -2918,7 +2919,7 @@
           <a:p>
             <a:fld id="{4DAA0097-81A9-445B-865C-4B93A7260298}" type="datetimeFigureOut">
               <a:rPr lang="it-IT" smtClean="0"/>
-              <a:t>10/12/2020</a:t>
+              <a:t>11/12/2020</a:t>
             </a:fld>
             <a:endParaRPr lang="it-IT"/>
           </a:p>
@@ -4310,6 +4311,559 @@
 </p:sld>
 </file>
 
+<file path=ppt/slides/slide11.xml><?xml version="1.0" encoding="utf-8"?>
+<p:sld xmlns:a="http://schemas.openxmlformats.org/drawingml/2006/main" xmlns:r="http://schemas.openxmlformats.org/officeDocument/2006/relationships" xmlns:p="http://schemas.openxmlformats.org/presentationml/2006/main">
+  <p:cSld>
+    <p:spTree>
+      <p:nvGrpSpPr>
+        <p:cNvPr id="1" name=""/>
+        <p:cNvGrpSpPr/>
+        <p:nvPr/>
+      </p:nvGrpSpPr>
+      <p:grpSpPr>
+        <a:xfrm>
+          <a:off x="0" y="0"/>
+          <a:ext cx="0" cy="0"/>
+          <a:chOff x="0" y="0"/>
+          <a:chExt cx="0" cy="0"/>
+        </a:xfrm>
+      </p:grpSpPr>
+      <p:pic>
+        <p:nvPicPr>
+          <p:cNvPr id="5" name="Immagine 4">
+            <a:extLst>
+              <a:ext uri="{FF2B5EF4-FFF2-40B4-BE49-F238E27FC236}">
+                <a16:creationId xmlns:a16="http://schemas.microsoft.com/office/drawing/2014/main" id="{57A379BF-DE0F-4C10-86BB-ADAB41EBFD36}"/>
+              </a:ext>
+            </a:extLst>
+          </p:cNvPr>
+          <p:cNvPicPr>
+            <a:picLocks noChangeAspect="1"/>
+          </p:cNvPicPr>
+          <p:nvPr/>
+        </p:nvPicPr>
+        <p:blipFill rotWithShape="1">
+          <a:blip r:embed="rId2">
+            <a:extLst>
+              <a:ext uri="{28A0092B-C50C-407E-A947-70E740481C1C}">
+                <a14:useLocalDpi xmlns:a14="http://schemas.microsoft.com/office/drawing/2010/main" val="0"/>
+              </a:ext>
+            </a:extLst>
+          </a:blip>
+          <a:srcRect l="7197" r="8479"/>
+          <a:stretch/>
+        </p:blipFill>
+        <p:spPr>
+          <a:xfrm>
+            <a:off x="1758778" y="18535"/>
+            <a:ext cx="8674443" cy="3429000"/>
+          </a:xfrm>
+          <a:prstGeom prst="rect">
+            <a:avLst/>
+          </a:prstGeom>
+        </p:spPr>
+      </p:pic>
+      <p:sp>
+        <p:nvSpPr>
+          <p:cNvPr id="6" name="Ovale 5">
+            <a:extLst>
+              <a:ext uri="{FF2B5EF4-FFF2-40B4-BE49-F238E27FC236}">
+                <a16:creationId xmlns:a16="http://schemas.microsoft.com/office/drawing/2014/main" id="{4D80532A-3D65-4C34-9BF2-BB86C0A2E110}"/>
+              </a:ext>
+            </a:extLst>
+          </p:cNvPr>
+          <p:cNvSpPr/>
+          <p:nvPr/>
+        </p:nvSpPr>
+        <p:spPr>
+          <a:xfrm>
+            <a:off x="3025002" y="2145785"/>
+            <a:ext cx="349250" cy="876300"/>
+          </a:xfrm>
+          <a:prstGeom prst="ellipse">
+            <a:avLst/>
+          </a:prstGeom>
+          <a:solidFill>
+            <a:srgbClr val="16F230">
+              <a:alpha val="32157"/>
+            </a:srgbClr>
+          </a:solidFill>
+          <a:ln>
+            <a:solidFill>
+              <a:schemeClr val="accent6"/>
+            </a:solidFill>
+          </a:ln>
+        </p:spPr>
+        <p:style>
+          <a:lnRef idx="2">
+            <a:schemeClr val="accent1">
+              <a:shade val="50000"/>
+            </a:schemeClr>
+          </a:lnRef>
+          <a:fillRef idx="1">
+            <a:schemeClr val="accent1"/>
+          </a:fillRef>
+          <a:effectRef idx="0">
+            <a:schemeClr val="accent1"/>
+          </a:effectRef>
+          <a:fontRef idx="minor">
+            <a:schemeClr val="lt1"/>
+          </a:fontRef>
+        </p:style>
+        <p:txBody>
+          <a:bodyPr rtlCol="0" anchor="ctr"/>
+          <a:lstStyle/>
+          <a:p>
+            <a:pPr algn="ctr"/>
+            <a:endParaRPr lang="it-IT"/>
+          </a:p>
+        </p:txBody>
+      </p:sp>
+      <p:sp>
+        <p:nvSpPr>
+          <p:cNvPr id="7" name="CasellaDiTesto 6">
+            <a:extLst>
+              <a:ext uri="{FF2B5EF4-FFF2-40B4-BE49-F238E27FC236}">
+                <a16:creationId xmlns:a16="http://schemas.microsoft.com/office/drawing/2014/main" id="{0B07E19D-22A1-4134-BA70-FB4F527F385E}"/>
+              </a:ext>
+            </a:extLst>
+          </p:cNvPr>
+          <p:cNvSpPr txBox="1"/>
+          <p:nvPr/>
+        </p:nvSpPr>
+        <p:spPr>
+          <a:xfrm>
+            <a:off x="3298052" y="2202935"/>
+            <a:ext cx="1043876" cy="276999"/>
+          </a:xfrm>
+          <a:prstGeom prst="rect">
+            <a:avLst/>
+          </a:prstGeom>
+          <a:noFill/>
+        </p:spPr>
+        <p:txBody>
+          <a:bodyPr wrap="none" rtlCol="0">
+            <a:spAutoFit/>
+          </a:bodyPr>
+          <a:lstStyle/>
+          <a:p>
+            <a:r>
+              <a:rPr lang="it-IT" sz="1200" dirty="0">
+                <a:solidFill>
+                  <a:schemeClr val="accent6"/>
+                </a:solidFill>
+              </a:rPr>
+              <a:t>Baseline </a:t>
+            </a:r>
+            <a:r>
+              <a:rPr lang="it-IT" sz="1200" dirty="0" err="1">
+                <a:solidFill>
+                  <a:schemeClr val="accent6"/>
+                </a:solidFill>
+              </a:rPr>
+              <a:t>peak</a:t>
+            </a:r>
+            <a:endParaRPr lang="it-IT" dirty="0">
+              <a:solidFill>
+                <a:schemeClr val="accent6"/>
+              </a:solidFill>
+            </a:endParaRPr>
+          </a:p>
+        </p:txBody>
+      </p:sp>
+      <p:sp>
+        <p:nvSpPr>
+          <p:cNvPr id="8" name="Ovale 7">
+            <a:extLst>
+              <a:ext uri="{FF2B5EF4-FFF2-40B4-BE49-F238E27FC236}">
+                <a16:creationId xmlns:a16="http://schemas.microsoft.com/office/drawing/2014/main" id="{75E7B309-9304-42DE-A0C2-12548AA8BBEB}"/>
+              </a:ext>
+            </a:extLst>
+          </p:cNvPr>
+          <p:cNvSpPr/>
+          <p:nvPr/>
+        </p:nvSpPr>
+        <p:spPr>
+          <a:xfrm>
+            <a:off x="8328522" y="2301003"/>
+            <a:ext cx="349250" cy="338951"/>
+          </a:xfrm>
+          <a:prstGeom prst="ellipse">
+            <a:avLst/>
+          </a:prstGeom>
+          <a:solidFill>
+            <a:srgbClr val="E22626">
+              <a:alpha val="32157"/>
+            </a:srgbClr>
+          </a:solidFill>
+          <a:ln>
+            <a:solidFill>
+              <a:srgbClr val="C00000"/>
+            </a:solidFill>
+          </a:ln>
+        </p:spPr>
+        <p:style>
+          <a:lnRef idx="2">
+            <a:schemeClr val="accent1">
+              <a:shade val="50000"/>
+            </a:schemeClr>
+          </a:lnRef>
+          <a:fillRef idx="1">
+            <a:schemeClr val="accent1"/>
+          </a:fillRef>
+          <a:effectRef idx="0">
+            <a:schemeClr val="accent1"/>
+          </a:effectRef>
+          <a:fontRef idx="minor">
+            <a:schemeClr val="lt1"/>
+          </a:fontRef>
+        </p:style>
+        <p:txBody>
+          <a:bodyPr rtlCol="0" anchor="ctr"/>
+          <a:lstStyle/>
+          <a:p>
+            <a:pPr algn="ctr"/>
+            <a:endParaRPr lang="it-IT"/>
+          </a:p>
+        </p:txBody>
+      </p:sp>
+      <p:sp>
+        <p:nvSpPr>
+          <p:cNvPr id="10" name="CasellaDiTesto 9">
+            <a:extLst>
+              <a:ext uri="{FF2B5EF4-FFF2-40B4-BE49-F238E27FC236}">
+                <a16:creationId xmlns:a16="http://schemas.microsoft.com/office/drawing/2014/main" id="{63683146-AA74-4ACB-B64D-C93CCE821295}"/>
+              </a:ext>
+            </a:extLst>
+          </p:cNvPr>
+          <p:cNvSpPr txBox="1"/>
+          <p:nvPr/>
+        </p:nvSpPr>
+        <p:spPr>
+          <a:xfrm>
+            <a:off x="8473521" y="2620763"/>
+            <a:ext cx="875432" cy="276999"/>
+          </a:xfrm>
+          <a:prstGeom prst="rect">
+            <a:avLst/>
+          </a:prstGeom>
+          <a:noFill/>
+        </p:spPr>
+        <p:txBody>
+          <a:bodyPr wrap="none" rtlCol="0">
+            <a:spAutoFit/>
+          </a:bodyPr>
+          <a:lstStyle/>
+          <a:p>
+            <a:r>
+              <a:rPr lang="it-IT" sz="1200" dirty="0" err="1">
+                <a:solidFill>
+                  <a:srgbClr val="C00000"/>
+                </a:solidFill>
+              </a:rPr>
+              <a:t>Signals</a:t>
+            </a:r>
+            <a:r>
+              <a:rPr lang="it-IT" sz="1200" dirty="0">
+                <a:solidFill>
+                  <a:srgbClr val="C00000"/>
+                </a:solidFill>
+              </a:rPr>
+              <a:t> </a:t>
+            </a:r>
+            <a:r>
+              <a:rPr lang="it-IT" sz="1200" dirty="0" err="1">
+                <a:solidFill>
+                  <a:srgbClr val="C00000"/>
+                </a:solidFill>
+              </a:rPr>
+              <a:t>lost</a:t>
+            </a:r>
+            <a:endParaRPr lang="it-IT" dirty="0">
+              <a:solidFill>
+                <a:srgbClr val="C00000"/>
+              </a:solidFill>
+            </a:endParaRPr>
+          </a:p>
+        </p:txBody>
+      </p:sp>
+      <p:sp>
+        <p:nvSpPr>
+          <p:cNvPr id="11" name="Ovale 10">
+            <a:extLst>
+              <a:ext uri="{FF2B5EF4-FFF2-40B4-BE49-F238E27FC236}">
+                <a16:creationId xmlns:a16="http://schemas.microsoft.com/office/drawing/2014/main" id="{E18BBA37-A00E-4A80-8D5D-DCD8D582B690}"/>
+              </a:ext>
+            </a:extLst>
+          </p:cNvPr>
+          <p:cNvSpPr/>
+          <p:nvPr/>
+        </p:nvSpPr>
+        <p:spPr>
+          <a:xfrm>
+            <a:off x="9296198" y="2281812"/>
+            <a:ext cx="349250" cy="338951"/>
+          </a:xfrm>
+          <a:prstGeom prst="ellipse">
+            <a:avLst/>
+          </a:prstGeom>
+          <a:solidFill>
+            <a:srgbClr val="E22626">
+              <a:alpha val="32157"/>
+            </a:srgbClr>
+          </a:solidFill>
+          <a:ln>
+            <a:solidFill>
+              <a:srgbClr val="C00000"/>
+            </a:solidFill>
+          </a:ln>
+        </p:spPr>
+        <p:style>
+          <a:lnRef idx="2">
+            <a:schemeClr val="accent1">
+              <a:shade val="50000"/>
+            </a:schemeClr>
+          </a:lnRef>
+          <a:fillRef idx="1">
+            <a:schemeClr val="accent1"/>
+          </a:fillRef>
+          <a:effectRef idx="0">
+            <a:schemeClr val="accent1"/>
+          </a:effectRef>
+          <a:fontRef idx="minor">
+            <a:schemeClr val="lt1"/>
+          </a:fontRef>
+        </p:style>
+        <p:txBody>
+          <a:bodyPr rtlCol="0" anchor="ctr"/>
+          <a:lstStyle/>
+          <a:p>
+            <a:pPr algn="ctr"/>
+            <a:endParaRPr lang="it-IT"/>
+          </a:p>
+        </p:txBody>
+      </p:sp>
+      <p:pic>
+        <p:nvPicPr>
+          <p:cNvPr id="13" name="Immagine 12">
+            <a:extLst>
+              <a:ext uri="{FF2B5EF4-FFF2-40B4-BE49-F238E27FC236}">
+                <a16:creationId xmlns:a16="http://schemas.microsoft.com/office/drawing/2014/main" id="{8DB8C0C4-F99D-429A-B485-0C499685D09B}"/>
+              </a:ext>
+            </a:extLst>
+          </p:cNvPr>
+          <p:cNvPicPr>
+            <a:picLocks noChangeAspect="1"/>
+          </p:cNvPicPr>
+          <p:nvPr/>
+        </p:nvPicPr>
+        <p:blipFill>
+          <a:blip r:embed="rId3">
+            <a:extLst>
+              <a:ext uri="{28A0092B-C50C-407E-A947-70E740481C1C}">
+                <a14:useLocalDpi xmlns:a14="http://schemas.microsoft.com/office/drawing/2010/main" val="0"/>
+              </a:ext>
+            </a:extLst>
+          </a:blip>
+          <a:stretch>
+            <a:fillRect/>
+          </a:stretch>
+        </p:blipFill>
+        <p:spPr>
+          <a:xfrm>
+            <a:off x="1001926" y="3223700"/>
+            <a:ext cx="10287000" cy="3429000"/>
+          </a:xfrm>
+          <a:prstGeom prst="rect">
+            <a:avLst/>
+          </a:prstGeom>
+        </p:spPr>
+      </p:pic>
+      <p:sp>
+        <p:nvSpPr>
+          <p:cNvPr id="16" name="Ovale 15">
+            <a:extLst>
+              <a:ext uri="{FF2B5EF4-FFF2-40B4-BE49-F238E27FC236}">
+                <a16:creationId xmlns:a16="http://schemas.microsoft.com/office/drawing/2014/main" id="{148967CF-1F54-42EC-B4EA-3FB71231AC12}"/>
+              </a:ext>
+            </a:extLst>
+          </p:cNvPr>
+          <p:cNvSpPr/>
+          <p:nvPr/>
+        </p:nvSpPr>
+        <p:spPr>
+          <a:xfrm>
+            <a:off x="8237111" y="5519451"/>
+            <a:ext cx="349250" cy="338951"/>
+          </a:xfrm>
+          <a:prstGeom prst="ellipse">
+            <a:avLst/>
+          </a:prstGeom>
+          <a:solidFill>
+            <a:srgbClr val="E22626">
+              <a:alpha val="32157"/>
+            </a:srgbClr>
+          </a:solidFill>
+          <a:ln>
+            <a:solidFill>
+              <a:srgbClr val="C00000"/>
+            </a:solidFill>
+          </a:ln>
+        </p:spPr>
+        <p:style>
+          <a:lnRef idx="2">
+            <a:schemeClr val="accent1">
+              <a:shade val="50000"/>
+            </a:schemeClr>
+          </a:lnRef>
+          <a:fillRef idx="1">
+            <a:schemeClr val="accent1"/>
+          </a:fillRef>
+          <a:effectRef idx="0">
+            <a:schemeClr val="accent1"/>
+          </a:effectRef>
+          <a:fontRef idx="minor">
+            <a:schemeClr val="lt1"/>
+          </a:fontRef>
+        </p:style>
+        <p:txBody>
+          <a:bodyPr rtlCol="0" anchor="ctr"/>
+          <a:lstStyle/>
+          <a:p>
+            <a:pPr algn="ctr"/>
+            <a:endParaRPr lang="it-IT"/>
+          </a:p>
+        </p:txBody>
+      </p:sp>
+      <p:sp>
+        <p:nvSpPr>
+          <p:cNvPr id="17" name="Ovale 16">
+            <a:extLst>
+              <a:ext uri="{FF2B5EF4-FFF2-40B4-BE49-F238E27FC236}">
+                <a16:creationId xmlns:a16="http://schemas.microsoft.com/office/drawing/2014/main" id="{A2740044-7099-4C9D-A608-1F1EF24F1C87}"/>
+              </a:ext>
+            </a:extLst>
+          </p:cNvPr>
+          <p:cNvSpPr/>
+          <p:nvPr/>
+        </p:nvSpPr>
+        <p:spPr>
+          <a:xfrm>
+            <a:off x="9193565" y="5519450"/>
+            <a:ext cx="349250" cy="338951"/>
+          </a:xfrm>
+          <a:prstGeom prst="ellipse">
+            <a:avLst/>
+          </a:prstGeom>
+          <a:solidFill>
+            <a:srgbClr val="E22626">
+              <a:alpha val="32157"/>
+            </a:srgbClr>
+          </a:solidFill>
+          <a:ln>
+            <a:solidFill>
+              <a:srgbClr val="C00000"/>
+            </a:solidFill>
+          </a:ln>
+        </p:spPr>
+        <p:style>
+          <a:lnRef idx="2">
+            <a:schemeClr val="accent1">
+              <a:shade val="50000"/>
+            </a:schemeClr>
+          </a:lnRef>
+          <a:fillRef idx="1">
+            <a:schemeClr val="accent1"/>
+          </a:fillRef>
+          <a:effectRef idx="0">
+            <a:schemeClr val="accent1"/>
+          </a:effectRef>
+          <a:fontRef idx="minor">
+            <a:schemeClr val="lt1"/>
+          </a:fontRef>
+        </p:style>
+        <p:txBody>
+          <a:bodyPr rtlCol="0" anchor="ctr"/>
+          <a:lstStyle/>
+          <a:p>
+            <a:pPr algn="ctr"/>
+            <a:endParaRPr lang="it-IT"/>
+          </a:p>
+        </p:txBody>
+      </p:sp>
+      <p:sp>
+        <p:nvSpPr>
+          <p:cNvPr id="19" name="CasellaDiTesto 18">
+            <a:extLst>
+              <a:ext uri="{FF2B5EF4-FFF2-40B4-BE49-F238E27FC236}">
+                <a16:creationId xmlns:a16="http://schemas.microsoft.com/office/drawing/2014/main" id="{7BC8DDD7-BB82-4C67-A23B-CFECCF81BAAA}"/>
+              </a:ext>
+            </a:extLst>
+          </p:cNvPr>
+          <p:cNvSpPr txBox="1"/>
+          <p:nvPr/>
+        </p:nvSpPr>
+        <p:spPr>
+          <a:xfrm>
+            <a:off x="8503147" y="5861967"/>
+            <a:ext cx="1204945" cy="276999"/>
+          </a:xfrm>
+          <a:prstGeom prst="rect">
+            <a:avLst/>
+          </a:prstGeom>
+          <a:noFill/>
+        </p:spPr>
+        <p:txBody>
+          <a:bodyPr wrap="none" rtlCol="0">
+            <a:spAutoFit/>
+          </a:bodyPr>
+          <a:lstStyle/>
+          <a:p>
+            <a:r>
+              <a:rPr lang="it-IT" sz="1200" dirty="0" err="1">
+                <a:solidFill>
+                  <a:srgbClr val="C00000"/>
+                </a:solidFill>
+              </a:rPr>
+              <a:t>Signals</a:t>
+            </a:r>
+            <a:r>
+              <a:rPr lang="it-IT" sz="1200" dirty="0">
+                <a:solidFill>
+                  <a:srgbClr val="C00000"/>
+                </a:solidFill>
+              </a:rPr>
+              <a:t> </a:t>
+            </a:r>
+            <a:r>
+              <a:rPr lang="it-IT" sz="1200" dirty="0" err="1">
+                <a:solidFill>
+                  <a:srgbClr val="C00000"/>
+                </a:solidFill>
+              </a:rPr>
+              <a:t>captured</a:t>
+            </a:r>
+            <a:endParaRPr lang="it-IT" dirty="0">
+              <a:solidFill>
+                <a:srgbClr val="C00000"/>
+              </a:solidFill>
+            </a:endParaRPr>
+          </a:p>
+        </p:txBody>
+      </p:sp>
+    </p:spTree>
+    <p:extLst>
+      <p:ext uri="{BB962C8B-B14F-4D97-AF65-F5344CB8AC3E}">
+        <p14:creationId xmlns:p14="http://schemas.microsoft.com/office/powerpoint/2010/main" val="3276906685"/>
+      </p:ext>
+    </p:extLst>
+  </p:cSld>
+  <p:clrMapOvr>
+    <a:masterClrMapping/>
+  </p:clrMapOvr>
+</p:sld>
+</file>
+
 <file path=ppt/slides/slide2.xml><?xml version="1.0" encoding="utf-8"?>
 <p:sld xmlns:a="http://schemas.openxmlformats.org/drawingml/2006/main" xmlns:r="http://schemas.openxmlformats.org/officeDocument/2006/relationships" xmlns:p="http://schemas.openxmlformats.org/presentationml/2006/main">
   <p:cSld>

--- a/Report/Figures.pptx
+++ b/Report/Figures.pptx
@@ -269,7 +269,7 @@
           <a:p>
             <a:fld id="{4DAA0097-81A9-445B-865C-4B93A7260298}" type="datetimeFigureOut">
               <a:rPr lang="it-IT" smtClean="0"/>
-              <a:t>11/12/2020</a:t>
+              <a:t>12/12/2020</a:t>
             </a:fld>
             <a:endParaRPr lang="it-IT"/>
           </a:p>
@@ -467,7 +467,7 @@
           <a:p>
             <a:fld id="{4DAA0097-81A9-445B-865C-4B93A7260298}" type="datetimeFigureOut">
               <a:rPr lang="it-IT" smtClean="0"/>
-              <a:t>11/12/2020</a:t>
+              <a:t>12/12/2020</a:t>
             </a:fld>
             <a:endParaRPr lang="it-IT"/>
           </a:p>
@@ -675,7 +675,7 @@
           <a:p>
             <a:fld id="{4DAA0097-81A9-445B-865C-4B93A7260298}" type="datetimeFigureOut">
               <a:rPr lang="it-IT" smtClean="0"/>
-              <a:t>11/12/2020</a:t>
+              <a:t>12/12/2020</a:t>
             </a:fld>
             <a:endParaRPr lang="it-IT"/>
           </a:p>
@@ -873,7 +873,7 @@
           <a:p>
             <a:fld id="{4DAA0097-81A9-445B-865C-4B93A7260298}" type="datetimeFigureOut">
               <a:rPr lang="it-IT" smtClean="0"/>
-              <a:t>11/12/2020</a:t>
+              <a:t>12/12/2020</a:t>
             </a:fld>
             <a:endParaRPr lang="it-IT"/>
           </a:p>
@@ -1148,7 +1148,7 @@
           <a:p>
             <a:fld id="{4DAA0097-81A9-445B-865C-4B93A7260298}" type="datetimeFigureOut">
               <a:rPr lang="it-IT" smtClean="0"/>
-              <a:t>11/12/2020</a:t>
+              <a:t>12/12/2020</a:t>
             </a:fld>
             <a:endParaRPr lang="it-IT"/>
           </a:p>
@@ -1413,7 +1413,7 @@
           <a:p>
             <a:fld id="{4DAA0097-81A9-445B-865C-4B93A7260298}" type="datetimeFigureOut">
               <a:rPr lang="it-IT" smtClean="0"/>
-              <a:t>11/12/2020</a:t>
+              <a:t>12/12/2020</a:t>
             </a:fld>
             <a:endParaRPr lang="it-IT"/>
           </a:p>
@@ -1825,7 +1825,7 @@
           <a:p>
             <a:fld id="{4DAA0097-81A9-445B-865C-4B93A7260298}" type="datetimeFigureOut">
               <a:rPr lang="it-IT" smtClean="0"/>
-              <a:t>11/12/2020</a:t>
+              <a:t>12/12/2020</a:t>
             </a:fld>
             <a:endParaRPr lang="it-IT"/>
           </a:p>
@@ -1966,7 +1966,7 @@
           <a:p>
             <a:fld id="{4DAA0097-81A9-445B-865C-4B93A7260298}" type="datetimeFigureOut">
               <a:rPr lang="it-IT" smtClean="0"/>
-              <a:t>11/12/2020</a:t>
+              <a:t>12/12/2020</a:t>
             </a:fld>
             <a:endParaRPr lang="it-IT"/>
           </a:p>
@@ -2079,7 +2079,7 @@
           <a:p>
             <a:fld id="{4DAA0097-81A9-445B-865C-4B93A7260298}" type="datetimeFigureOut">
               <a:rPr lang="it-IT" smtClean="0"/>
-              <a:t>11/12/2020</a:t>
+              <a:t>12/12/2020</a:t>
             </a:fld>
             <a:endParaRPr lang="it-IT"/>
           </a:p>
@@ -2390,7 +2390,7 @@
           <a:p>
             <a:fld id="{4DAA0097-81A9-445B-865C-4B93A7260298}" type="datetimeFigureOut">
               <a:rPr lang="it-IT" smtClean="0"/>
-              <a:t>11/12/2020</a:t>
+              <a:t>12/12/2020</a:t>
             </a:fld>
             <a:endParaRPr lang="it-IT"/>
           </a:p>
@@ -2678,7 +2678,7 @@
           <a:p>
             <a:fld id="{4DAA0097-81A9-445B-865C-4B93A7260298}" type="datetimeFigureOut">
               <a:rPr lang="it-IT" smtClean="0"/>
-              <a:t>11/12/2020</a:t>
+              <a:t>12/12/2020</a:t>
             </a:fld>
             <a:endParaRPr lang="it-IT"/>
           </a:p>
@@ -2919,7 +2919,7 @@
           <a:p>
             <a:fld id="{4DAA0097-81A9-445B-865C-4B93A7260298}" type="datetimeFigureOut">
               <a:rPr lang="it-IT" smtClean="0"/>
-              <a:t>11/12/2020</a:t>
+              <a:t>12/12/2020</a:t>
             </a:fld>
             <a:endParaRPr lang="it-IT"/>
           </a:p>
@@ -4342,7 +4342,7 @@
           </p:cNvPicPr>
           <p:nvPr/>
         </p:nvPicPr>
-        <p:blipFill rotWithShape="1">
+        <p:blipFill>
           <a:blip r:embed="rId2">
             <a:extLst>
               <a:ext uri="{28A0092B-C50C-407E-A947-70E740481C1C}">
@@ -4350,7 +4350,7 @@
               </a:ext>
             </a:extLst>
           </a:blip>
-          <a:srcRect l="7197" r="8479"/>
+          <a:srcRect l="7838" r="7838"/>
           <a:stretch/>
         </p:blipFill>
         <p:spPr>
@@ -4377,7 +4377,7 @@
         </p:nvSpPr>
         <p:spPr>
           <a:xfrm>
-            <a:off x="3025002" y="2145785"/>
+            <a:off x="2959957" y="2166851"/>
             <a:ext cx="349250" cy="876300"/>
           </a:xfrm>
           <a:prstGeom prst="ellipse">
@@ -4452,6 +4452,8 @@
                 <a:solidFill>
                   <a:schemeClr val="accent6"/>
                 </a:solidFill>
+                <a:latin typeface="Times New Roman" panose="02020603050405020304" pitchFamily="18" charset="0"/>
+                <a:cs typeface="Times New Roman" panose="02020603050405020304" pitchFamily="18" charset="0"/>
               </a:rPr>
               <a:t>Baseline </a:t>
             </a:r>
@@ -4460,6 +4462,8 @@
                 <a:solidFill>
                   <a:schemeClr val="accent6"/>
                 </a:solidFill>
+                <a:latin typeface="Times New Roman" panose="02020603050405020304" pitchFamily="18" charset="0"/>
+                <a:cs typeface="Times New Roman" panose="02020603050405020304" pitchFamily="18" charset="0"/>
               </a:rPr>
               <a:t>peak</a:t>
             </a:r>
@@ -4467,6 +4471,8 @@
               <a:solidFill>
                 <a:schemeClr val="accent6"/>
               </a:solidFill>
+              <a:latin typeface="Times New Roman" panose="02020603050405020304" pitchFamily="18" charset="0"/>
+              <a:cs typeface="Times New Roman" panose="02020603050405020304" pitchFamily="18" charset="0"/>
             </a:endParaRPr>
           </a:p>
         </p:txBody>
@@ -4485,7 +4491,7 @@
         </p:nvSpPr>
         <p:spPr>
           <a:xfrm>
-            <a:off x="8328522" y="2301003"/>
+            <a:off x="8745709" y="2202935"/>
             <a:ext cx="349250" cy="338951"/>
           </a:xfrm>
           <a:prstGeom prst="ellipse">
@@ -4541,8 +4547,8 @@
         </p:nvSpPr>
         <p:spPr>
           <a:xfrm>
-            <a:off x="8473521" y="2620763"/>
-            <a:ext cx="875432" cy="276999"/>
+            <a:off x="8884860" y="2605001"/>
+            <a:ext cx="925253" cy="276999"/>
           </a:xfrm>
           <a:prstGeom prst="rect">
             <a:avLst/>
@@ -4556,33 +4562,31 @@
           <a:lstStyle/>
           <a:p>
             <a:r>
+              <a:rPr lang="it-IT" sz="1200" dirty="0">
+                <a:solidFill>
+                  <a:srgbClr val="C00000"/>
+                </a:solidFill>
+                <a:latin typeface="Times New Roman" panose="02020603050405020304" pitchFamily="18" charset="0"/>
+                <a:cs typeface="Times New Roman" panose="02020603050405020304" pitchFamily="18" charset="0"/>
+              </a:rPr>
+              <a:t>Lost </a:t>
+            </a:r>
+            <a:r>
               <a:rPr lang="it-IT" sz="1200" dirty="0" err="1">
                 <a:solidFill>
                   <a:srgbClr val="C00000"/>
                 </a:solidFill>
+                <a:latin typeface="Times New Roman" panose="02020603050405020304" pitchFamily="18" charset="0"/>
+                <a:cs typeface="Times New Roman" panose="02020603050405020304" pitchFamily="18" charset="0"/>
               </a:rPr>
-              <a:t>Signals</a:t>
-            </a:r>
-            <a:r>
-              <a:rPr lang="it-IT" sz="1200" dirty="0">
-                <a:solidFill>
-                  <a:srgbClr val="C00000"/>
-                </a:solidFill>
-              </a:rPr>
-              <a:t> </a:t>
-            </a:r>
-            <a:r>
-              <a:rPr lang="it-IT" sz="1200" dirty="0" err="1">
-                <a:solidFill>
-                  <a:srgbClr val="C00000"/>
-                </a:solidFill>
-              </a:rPr>
-              <a:t>lost</a:t>
+              <a:t>signals</a:t>
             </a:r>
             <a:endParaRPr lang="it-IT" dirty="0">
               <a:solidFill>
                 <a:srgbClr val="C00000"/>
               </a:solidFill>
+              <a:latin typeface="Times New Roman" panose="02020603050405020304" pitchFamily="18" charset="0"/>
+              <a:cs typeface="Times New Roman" panose="02020603050405020304" pitchFamily="18" charset="0"/>
             </a:endParaRPr>
           </a:p>
         </p:txBody>
@@ -4601,7 +4605,7 @@
         </p:nvSpPr>
         <p:spPr>
           <a:xfrm>
-            <a:off x="9296198" y="2281812"/>
+            <a:off x="9533467" y="2202935"/>
             <a:ext cx="349250" cy="338951"/>
           </a:xfrm>
           <a:prstGeom prst="ellipse">
@@ -4665,13 +4669,12 @@
               </a:ext>
             </a:extLst>
           </a:blip>
-          <a:stretch>
-            <a:fillRect/>
-          </a:stretch>
+          <a:srcRect/>
+          <a:stretch/>
         </p:blipFill>
         <p:spPr>
           <a:xfrm>
-            <a:off x="1001926" y="3223700"/>
+            <a:off x="964854" y="3351900"/>
             <a:ext cx="10287000" cy="3429000"/>
           </a:xfrm>
           <a:prstGeom prst="rect">
@@ -4693,7 +4696,7 @@
         </p:nvSpPr>
         <p:spPr>
           <a:xfrm>
-            <a:off x="8237111" y="5519451"/>
+            <a:off x="8745709" y="5504508"/>
             <a:ext cx="349250" cy="338951"/>
           </a:xfrm>
           <a:prstGeom prst="ellipse">
@@ -4749,7 +4752,7 @@
         </p:nvSpPr>
         <p:spPr>
           <a:xfrm>
-            <a:off x="9193565" y="5519450"/>
+            <a:off x="9599211" y="5498446"/>
             <a:ext cx="349250" cy="338951"/>
           </a:xfrm>
           <a:prstGeom prst="ellipse">
@@ -4805,8 +4808,8 @@
         </p:nvSpPr>
         <p:spPr>
           <a:xfrm>
-            <a:off x="8503147" y="5861967"/>
-            <a:ext cx="1204945" cy="276999"/>
+            <a:off x="8741166" y="5869367"/>
+            <a:ext cx="1212640" cy="276999"/>
           </a:xfrm>
           <a:prstGeom prst="rect">
             <a:avLst/>
@@ -4825,7 +4828,7 @@
                   <a:srgbClr val="C00000"/>
                 </a:solidFill>
               </a:rPr>
-              <a:t>Signals</a:t>
+              <a:t>Captured</a:t>
             </a:r>
             <a:r>
               <a:rPr lang="it-IT" sz="1200" dirty="0">
@@ -4841,7 +4844,7 @@
                   <a:srgbClr val="C00000"/>
                 </a:solidFill>
               </a:rPr>
-              <a:t>captured</a:t>
+              <a:t>signals</a:t>
             </a:r>
             <a:endParaRPr lang="it-IT" dirty="0">
               <a:solidFill>

--- a/Report/Figures.pptx
+++ b/Report/Figures.pptx
@@ -269,7 +269,7 @@
           <a:p>
             <a:fld id="{4DAA0097-81A9-445B-865C-4B93A7260298}" type="datetimeFigureOut">
               <a:rPr lang="it-IT" smtClean="0"/>
-              <a:t>12/12/2020</a:t>
+              <a:t>18/12/2020</a:t>
             </a:fld>
             <a:endParaRPr lang="it-IT"/>
           </a:p>
@@ -467,7 +467,7 @@
           <a:p>
             <a:fld id="{4DAA0097-81A9-445B-865C-4B93A7260298}" type="datetimeFigureOut">
               <a:rPr lang="it-IT" smtClean="0"/>
-              <a:t>12/12/2020</a:t>
+              <a:t>18/12/2020</a:t>
             </a:fld>
             <a:endParaRPr lang="it-IT"/>
           </a:p>
@@ -675,7 +675,7 @@
           <a:p>
             <a:fld id="{4DAA0097-81A9-445B-865C-4B93A7260298}" type="datetimeFigureOut">
               <a:rPr lang="it-IT" smtClean="0"/>
-              <a:t>12/12/2020</a:t>
+              <a:t>18/12/2020</a:t>
             </a:fld>
             <a:endParaRPr lang="it-IT"/>
           </a:p>
@@ -873,7 +873,7 @@
           <a:p>
             <a:fld id="{4DAA0097-81A9-445B-865C-4B93A7260298}" type="datetimeFigureOut">
               <a:rPr lang="it-IT" smtClean="0"/>
-              <a:t>12/12/2020</a:t>
+              <a:t>18/12/2020</a:t>
             </a:fld>
             <a:endParaRPr lang="it-IT"/>
           </a:p>
@@ -1148,7 +1148,7 @@
           <a:p>
             <a:fld id="{4DAA0097-81A9-445B-865C-4B93A7260298}" type="datetimeFigureOut">
               <a:rPr lang="it-IT" smtClean="0"/>
-              <a:t>12/12/2020</a:t>
+              <a:t>18/12/2020</a:t>
             </a:fld>
             <a:endParaRPr lang="it-IT"/>
           </a:p>
@@ -1413,7 +1413,7 @@
           <a:p>
             <a:fld id="{4DAA0097-81A9-445B-865C-4B93A7260298}" type="datetimeFigureOut">
               <a:rPr lang="it-IT" smtClean="0"/>
-              <a:t>12/12/2020</a:t>
+              <a:t>18/12/2020</a:t>
             </a:fld>
             <a:endParaRPr lang="it-IT"/>
           </a:p>
@@ -1825,7 +1825,7 @@
           <a:p>
             <a:fld id="{4DAA0097-81A9-445B-865C-4B93A7260298}" type="datetimeFigureOut">
               <a:rPr lang="it-IT" smtClean="0"/>
-              <a:t>12/12/2020</a:t>
+              <a:t>18/12/2020</a:t>
             </a:fld>
             <a:endParaRPr lang="it-IT"/>
           </a:p>
@@ -1966,7 +1966,7 @@
           <a:p>
             <a:fld id="{4DAA0097-81A9-445B-865C-4B93A7260298}" type="datetimeFigureOut">
               <a:rPr lang="it-IT" smtClean="0"/>
-              <a:t>12/12/2020</a:t>
+              <a:t>18/12/2020</a:t>
             </a:fld>
             <a:endParaRPr lang="it-IT"/>
           </a:p>
@@ -2079,7 +2079,7 @@
           <a:p>
             <a:fld id="{4DAA0097-81A9-445B-865C-4B93A7260298}" type="datetimeFigureOut">
               <a:rPr lang="it-IT" smtClean="0"/>
-              <a:t>12/12/2020</a:t>
+              <a:t>18/12/2020</a:t>
             </a:fld>
             <a:endParaRPr lang="it-IT"/>
           </a:p>
@@ -2390,7 +2390,7 @@
           <a:p>
             <a:fld id="{4DAA0097-81A9-445B-865C-4B93A7260298}" type="datetimeFigureOut">
               <a:rPr lang="it-IT" smtClean="0"/>
-              <a:t>12/12/2020</a:t>
+              <a:t>18/12/2020</a:t>
             </a:fld>
             <a:endParaRPr lang="it-IT"/>
           </a:p>
@@ -2678,7 +2678,7 @@
           <a:p>
             <a:fld id="{4DAA0097-81A9-445B-865C-4B93A7260298}" type="datetimeFigureOut">
               <a:rPr lang="it-IT" smtClean="0"/>
-              <a:t>12/12/2020</a:t>
+              <a:t>18/12/2020</a:t>
             </a:fld>
             <a:endParaRPr lang="it-IT"/>
           </a:p>
@@ -2919,7 +2919,7 @@
           <a:p>
             <a:fld id="{4DAA0097-81A9-445B-865C-4B93A7260298}" type="datetimeFigureOut">
               <a:rPr lang="it-IT" smtClean="0"/>
-              <a:t>12/12/2020</a:t>
+              <a:t>18/12/2020</a:t>
             </a:fld>
             <a:endParaRPr lang="it-IT"/>
           </a:p>
@@ -4330,10 +4330,10 @@
       </p:grpSpPr>
       <p:pic>
         <p:nvPicPr>
-          <p:cNvPr id="5" name="Immagine 4">
-            <a:extLst>
-              <a:ext uri="{FF2B5EF4-FFF2-40B4-BE49-F238E27FC236}">
-                <a16:creationId xmlns:a16="http://schemas.microsoft.com/office/drawing/2014/main" id="{57A379BF-DE0F-4C10-86BB-ADAB41EBFD36}"/>
+          <p:cNvPr id="3" name="Immagine 2">
+            <a:extLst>
+              <a:ext uri="{FF2B5EF4-FFF2-40B4-BE49-F238E27FC236}">
+                <a16:creationId xmlns:a16="http://schemas.microsoft.com/office/drawing/2014/main" id="{735A8E83-B03E-4ABF-A471-5E46EE8B1E85}"/>
               </a:ext>
             </a:extLst>
           </p:cNvPr>
@@ -4350,13 +4350,14 @@
               </a:ext>
             </a:extLst>
           </a:blip>
-          <a:srcRect l="7838" r="7838"/>
-          <a:stretch/>
+          <a:stretch>
+            <a:fillRect/>
+          </a:stretch>
         </p:blipFill>
         <p:spPr>
           <a:xfrm>
-            <a:off x="1758778" y="18535"/>
-            <a:ext cx="8674443" cy="3429000"/>
+            <a:off x="2769350" y="476234"/>
+            <a:ext cx="6653300" cy="2880000"/>
           </a:xfrm>
           <a:prstGeom prst="rect">
             <a:avLst/>
@@ -4377,8 +4378,8 @@
         </p:nvSpPr>
         <p:spPr>
           <a:xfrm>
-            <a:off x="2959957" y="2166851"/>
-            <a:ext cx="349250" cy="876300"/>
+            <a:off x="3967334" y="1916233"/>
+            <a:ext cx="247135" cy="876394"/>
           </a:xfrm>
           <a:prstGeom prst="ellipse">
             <a:avLst/>
@@ -4433,7 +4434,7 @@
         </p:nvSpPr>
         <p:spPr>
           <a:xfrm>
-            <a:off x="3298052" y="2202935"/>
+            <a:off x="4090902" y="1777734"/>
             <a:ext cx="1043876" cy="276999"/>
           </a:xfrm>
           <a:prstGeom prst="rect">
@@ -4477,182 +4478,12 @@
           </a:p>
         </p:txBody>
       </p:sp>
-      <p:sp>
-        <p:nvSpPr>
-          <p:cNvPr id="8" name="Ovale 7">
-            <a:extLst>
-              <a:ext uri="{FF2B5EF4-FFF2-40B4-BE49-F238E27FC236}">
-                <a16:creationId xmlns:a16="http://schemas.microsoft.com/office/drawing/2014/main" id="{75E7B309-9304-42DE-A0C2-12548AA8BBEB}"/>
-              </a:ext>
-            </a:extLst>
-          </p:cNvPr>
-          <p:cNvSpPr/>
-          <p:nvPr/>
-        </p:nvSpPr>
-        <p:spPr>
-          <a:xfrm>
-            <a:off x="8745709" y="2202935"/>
-            <a:ext cx="349250" cy="338951"/>
-          </a:xfrm>
-          <a:prstGeom prst="ellipse">
-            <a:avLst/>
-          </a:prstGeom>
-          <a:solidFill>
-            <a:srgbClr val="E22626">
-              <a:alpha val="32157"/>
-            </a:srgbClr>
-          </a:solidFill>
-          <a:ln>
-            <a:solidFill>
-              <a:srgbClr val="C00000"/>
-            </a:solidFill>
-          </a:ln>
-        </p:spPr>
-        <p:style>
-          <a:lnRef idx="2">
-            <a:schemeClr val="accent1">
-              <a:shade val="50000"/>
-            </a:schemeClr>
-          </a:lnRef>
-          <a:fillRef idx="1">
-            <a:schemeClr val="accent1"/>
-          </a:fillRef>
-          <a:effectRef idx="0">
-            <a:schemeClr val="accent1"/>
-          </a:effectRef>
-          <a:fontRef idx="minor">
-            <a:schemeClr val="lt1"/>
-          </a:fontRef>
-        </p:style>
-        <p:txBody>
-          <a:bodyPr rtlCol="0" anchor="ctr"/>
-          <a:lstStyle/>
-          <a:p>
-            <a:pPr algn="ctr"/>
-            <a:endParaRPr lang="it-IT"/>
-          </a:p>
-        </p:txBody>
-      </p:sp>
-      <p:sp>
-        <p:nvSpPr>
-          <p:cNvPr id="10" name="CasellaDiTesto 9">
-            <a:extLst>
-              <a:ext uri="{FF2B5EF4-FFF2-40B4-BE49-F238E27FC236}">
-                <a16:creationId xmlns:a16="http://schemas.microsoft.com/office/drawing/2014/main" id="{63683146-AA74-4ACB-B64D-C93CCE821295}"/>
-              </a:ext>
-            </a:extLst>
-          </p:cNvPr>
-          <p:cNvSpPr txBox="1"/>
-          <p:nvPr/>
-        </p:nvSpPr>
-        <p:spPr>
-          <a:xfrm>
-            <a:off x="8884860" y="2605001"/>
-            <a:ext cx="925253" cy="276999"/>
-          </a:xfrm>
-          <a:prstGeom prst="rect">
-            <a:avLst/>
-          </a:prstGeom>
-          <a:noFill/>
-        </p:spPr>
-        <p:txBody>
-          <a:bodyPr wrap="none" rtlCol="0">
-            <a:spAutoFit/>
-          </a:bodyPr>
-          <a:lstStyle/>
-          <a:p>
-            <a:r>
-              <a:rPr lang="it-IT" sz="1200" dirty="0">
-                <a:solidFill>
-                  <a:srgbClr val="C00000"/>
-                </a:solidFill>
-                <a:latin typeface="Times New Roman" panose="02020603050405020304" pitchFamily="18" charset="0"/>
-                <a:cs typeface="Times New Roman" panose="02020603050405020304" pitchFamily="18" charset="0"/>
-              </a:rPr>
-              <a:t>Lost </a:t>
-            </a:r>
-            <a:r>
-              <a:rPr lang="it-IT" sz="1200" dirty="0" err="1">
-                <a:solidFill>
-                  <a:srgbClr val="C00000"/>
-                </a:solidFill>
-                <a:latin typeface="Times New Roman" panose="02020603050405020304" pitchFamily="18" charset="0"/>
-                <a:cs typeface="Times New Roman" panose="02020603050405020304" pitchFamily="18" charset="0"/>
-              </a:rPr>
-              <a:t>signals</a:t>
-            </a:r>
-            <a:endParaRPr lang="it-IT" dirty="0">
-              <a:solidFill>
-                <a:srgbClr val="C00000"/>
-              </a:solidFill>
-              <a:latin typeface="Times New Roman" panose="02020603050405020304" pitchFamily="18" charset="0"/>
-              <a:cs typeface="Times New Roman" panose="02020603050405020304" pitchFamily="18" charset="0"/>
-            </a:endParaRPr>
-          </a:p>
-        </p:txBody>
-      </p:sp>
-      <p:sp>
-        <p:nvSpPr>
-          <p:cNvPr id="11" name="Ovale 10">
-            <a:extLst>
-              <a:ext uri="{FF2B5EF4-FFF2-40B4-BE49-F238E27FC236}">
-                <a16:creationId xmlns:a16="http://schemas.microsoft.com/office/drawing/2014/main" id="{E18BBA37-A00E-4A80-8D5D-DCD8D582B690}"/>
-              </a:ext>
-            </a:extLst>
-          </p:cNvPr>
-          <p:cNvSpPr/>
-          <p:nvPr/>
-        </p:nvSpPr>
-        <p:spPr>
-          <a:xfrm>
-            <a:off x="9533467" y="2202935"/>
-            <a:ext cx="349250" cy="338951"/>
-          </a:xfrm>
-          <a:prstGeom prst="ellipse">
-            <a:avLst/>
-          </a:prstGeom>
-          <a:solidFill>
-            <a:srgbClr val="E22626">
-              <a:alpha val="32157"/>
-            </a:srgbClr>
-          </a:solidFill>
-          <a:ln>
-            <a:solidFill>
-              <a:srgbClr val="C00000"/>
-            </a:solidFill>
-          </a:ln>
-        </p:spPr>
-        <p:style>
-          <a:lnRef idx="2">
-            <a:schemeClr val="accent1">
-              <a:shade val="50000"/>
-            </a:schemeClr>
-          </a:lnRef>
-          <a:fillRef idx="1">
-            <a:schemeClr val="accent1"/>
-          </a:fillRef>
-          <a:effectRef idx="0">
-            <a:schemeClr val="accent1"/>
-          </a:effectRef>
-          <a:fontRef idx="minor">
-            <a:schemeClr val="lt1"/>
-          </a:fontRef>
-        </p:style>
-        <p:txBody>
-          <a:bodyPr rtlCol="0" anchor="ctr"/>
-          <a:lstStyle/>
-          <a:p>
-            <a:pPr algn="ctr"/>
-            <a:endParaRPr lang="it-IT"/>
-          </a:p>
-        </p:txBody>
-      </p:sp>
       <p:pic>
         <p:nvPicPr>
-          <p:cNvPr id="13" name="Immagine 12">
-            <a:extLst>
-              <a:ext uri="{FF2B5EF4-FFF2-40B4-BE49-F238E27FC236}">
-                <a16:creationId xmlns:a16="http://schemas.microsoft.com/office/drawing/2014/main" id="{8DB8C0C4-F99D-429A-B485-0C499685D09B}"/>
+          <p:cNvPr id="9" name="Immagine 8">
+            <a:extLst>
+              <a:ext uri="{FF2B5EF4-FFF2-40B4-BE49-F238E27FC236}">
+                <a16:creationId xmlns:a16="http://schemas.microsoft.com/office/drawing/2014/main" id="{D4A22D11-208C-4688-88DB-E2199835EF83}"/>
               </a:ext>
             </a:extLst>
           </p:cNvPr>
@@ -4669,191 +4500,20 @@
               </a:ext>
             </a:extLst>
           </a:blip>
-          <a:srcRect/>
-          <a:stretch/>
+          <a:stretch>
+            <a:fillRect/>
+          </a:stretch>
         </p:blipFill>
         <p:spPr>
           <a:xfrm>
-            <a:off x="964854" y="3351900"/>
-            <a:ext cx="10287000" cy="3429000"/>
+            <a:off x="2769350" y="3642935"/>
+            <a:ext cx="6653300" cy="2880000"/>
           </a:xfrm>
           <a:prstGeom prst="rect">
             <a:avLst/>
           </a:prstGeom>
         </p:spPr>
       </p:pic>
-      <p:sp>
-        <p:nvSpPr>
-          <p:cNvPr id="16" name="Ovale 15">
-            <a:extLst>
-              <a:ext uri="{FF2B5EF4-FFF2-40B4-BE49-F238E27FC236}">
-                <a16:creationId xmlns:a16="http://schemas.microsoft.com/office/drawing/2014/main" id="{148967CF-1F54-42EC-B4EA-3FB71231AC12}"/>
-              </a:ext>
-            </a:extLst>
-          </p:cNvPr>
-          <p:cNvSpPr/>
-          <p:nvPr/>
-        </p:nvSpPr>
-        <p:spPr>
-          <a:xfrm>
-            <a:off x="8745709" y="5504508"/>
-            <a:ext cx="349250" cy="338951"/>
-          </a:xfrm>
-          <a:prstGeom prst="ellipse">
-            <a:avLst/>
-          </a:prstGeom>
-          <a:solidFill>
-            <a:srgbClr val="E22626">
-              <a:alpha val="32157"/>
-            </a:srgbClr>
-          </a:solidFill>
-          <a:ln>
-            <a:solidFill>
-              <a:srgbClr val="C00000"/>
-            </a:solidFill>
-          </a:ln>
-        </p:spPr>
-        <p:style>
-          <a:lnRef idx="2">
-            <a:schemeClr val="accent1">
-              <a:shade val="50000"/>
-            </a:schemeClr>
-          </a:lnRef>
-          <a:fillRef idx="1">
-            <a:schemeClr val="accent1"/>
-          </a:fillRef>
-          <a:effectRef idx="0">
-            <a:schemeClr val="accent1"/>
-          </a:effectRef>
-          <a:fontRef idx="minor">
-            <a:schemeClr val="lt1"/>
-          </a:fontRef>
-        </p:style>
-        <p:txBody>
-          <a:bodyPr rtlCol="0" anchor="ctr"/>
-          <a:lstStyle/>
-          <a:p>
-            <a:pPr algn="ctr"/>
-            <a:endParaRPr lang="it-IT"/>
-          </a:p>
-        </p:txBody>
-      </p:sp>
-      <p:sp>
-        <p:nvSpPr>
-          <p:cNvPr id="17" name="Ovale 16">
-            <a:extLst>
-              <a:ext uri="{FF2B5EF4-FFF2-40B4-BE49-F238E27FC236}">
-                <a16:creationId xmlns:a16="http://schemas.microsoft.com/office/drawing/2014/main" id="{A2740044-7099-4C9D-A608-1F1EF24F1C87}"/>
-              </a:ext>
-            </a:extLst>
-          </p:cNvPr>
-          <p:cNvSpPr/>
-          <p:nvPr/>
-        </p:nvSpPr>
-        <p:spPr>
-          <a:xfrm>
-            <a:off x="9599211" y="5498446"/>
-            <a:ext cx="349250" cy="338951"/>
-          </a:xfrm>
-          <a:prstGeom prst="ellipse">
-            <a:avLst/>
-          </a:prstGeom>
-          <a:solidFill>
-            <a:srgbClr val="E22626">
-              <a:alpha val="32157"/>
-            </a:srgbClr>
-          </a:solidFill>
-          <a:ln>
-            <a:solidFill>
-              <a:srgbClr val="C00000"/>
-            </a:solidFill>
-          </a:ln>
-        </p:spPr>
-        <p:style>
-          <a:lnRef idx="2">
-            <a:schemeClr val="accent1">
-              <a:shade val="50000"/>
-            </a:schemeClr>
-          </a:lnRef>
-          <a:fillRef idx="1">
-            <a:schemeClr val="accent1"/>
-          </a:fillRef>
-          <a:effectRef idx="0">
-            <a:schemeClr val="accent1"/>
-          </a:effectRef>
-          <a:fontRef idx="minor">
-            <a:schemeClr val="lt1"/>
-          </a:fontRef>
-        </p:style>
-        <p:txBody>
-          <a:bodyPr rtlCol="0" anchor="ctr"/>
-          <a:lstStyle/>
-          <a:p>
-            <a:pPr algn="ctr"/>
-            <a:endParaRPr lang="it-IT"/>
-          </a:p>
-        </p:txBody>
-      </p:sp>
-      <p:sp>
-        <p:nvSpPr>
-          <p:cNvPr id="19" name="CasellaDiTesto 18">
-            <a:extLst>
-              <a:ext uri="{FF2B5EF4-FFF2-40B4-BE49-F238E27FC236}">
-                <a16:creationId xmlns:a16="http://schemas.microsoft.com/office/drawing/2014/main" id="{7BC8DDD7-BB82-4C67-A23B-CFECCF81BAAA}"/>
-              </a:ext>
-            </a:extLst>
-          </p:cNvPr>
-          <p:cNvSpPr txBox="1"/>
-          <p:nvPr/>
-        </p:nvSpPr>
-        <p:spPr>
-          <a:xfrm>
-            <a:off x="8741166" y="5869367"/>
-            <a:ext cx="1212640" cy="276999"/>
-          </a:xfrm>
-          <a:prstGeom prst="rect">
-            <a:avLst/>
-          </a:prstGeom>
-          <a:noFill/>
-        </p:spPr>
-        <p:txBody>
-          <a:bodyPr wrap="none" rtlCol="0">
-            <a:spAutoFit/>
-          </a:bodyPr>
-          <a:lstStyle/>
-          <a:p>
-            <a:r>
-              <a:rPr lang="it-IT" sz="1200" dirty="0" err="1">
-                <a:solidFill>
-                  <a:srgbClr val="C00000"/>
-                </a:solidFill>
-              </a:rPr>
-              <a:t>Captured</a:t>
-            </a:r>
-            <a:r>
-              <a:rPr lang="it-IT" sz="1200" dirty="0">
-                <a:solidFill>
-                  <a:srgbClr val="C00000"/>
-                </a:solidFill>
-              </a:rPr>
-              <a:t> </a:t>
-            </a:r>
-            <a:r>
-              <a:rPr lang="it-IT" sz="1200" dirty="0" err="1">
-                <a:solidFill>
-                  <a:srgbClr val="C00000"/>
-                </a:solidFill>
-              </a:rPr>
-              <a:t>signals</a:t>
-            </a:r>
-            <a:endParaRPr lang="it-IT" dirty="0">
-              <a:solidFill>
-                <a:srgbClr val="C00000"/>
-              </a:solidFill>
-            </a:endParaRPr>
-          </a:p>
-        </p:txBody>
-      </p:sp>
     </p:spTree>
     <p:extLst>
       <p:ext uri="{BB962C8B-B14F-4D97-AF65-F5344CB8AC3E}">

--- a/Report/Figures.pptx
+++ b/Report/Figures.pptx
@@ -16,6 +16,7 @@
     <p:sldId id="260" r:id="rId10"/>
     <p:sldId id="262" r:id="rId11"/>
     <p:sldId id="266" r:id="rId12"/>
+    <p:sldId id="267" r:id="rId13"/>
   </p:sldIdLst>
   <p:sldSz cx="12192000" cy="6858000"/>
   <p:notesSz cx="6858000" cy="9144000"/>
@@ -269,7 +270,7 @@
           <a:p>
             <a:fld id="{4DAA0097-81A9-445B-865C-4B93A7260298}" type="datetimeFigureOut">
               <a:rPr lang="it-IT" smtClean="0"/>
-              <a:t>18/12/2020</a:t>
+              <a:t>19/12/2020</a:t>
             </a:fld>
             <a:endParaRPr lang="it-IT"/>
           </a:p>
@@ -467,7 +468,7 @@
           <a:p>
             <a:fld id="{4DAA0097-81A9-445B-865C-4B93A7260298}" type="datetimeFigureOut">
               <a:rPr lang="it-IT" smtClean="0"/>
-              <a:t>18/12/2020</a:t>
+              <a:t>19/12/2020</a:t>
             </a:fld>
             <a:endParaRPr lang="it-IT"/>
           </a:p>
@@ -675,7 +676,7 @@
           <a:p>
             <a:fld id="{4DAA0097-81A9-445B-865C-4B93A7260298}" type="datetimeFigureOut">
               <a:rPr lang="it-IT" smtClean="0"/>
-              <a:t>18/12/2020</a:t>
+              <a:t>19/12/2020</a:t>
             </a:fld>
             <a:endParaRPr lang="it-IT"/>
           </a:p>
@@ -873,7 +874,7 @@
           <a:p>
             <a:fld id="{4DAA0097-81A9-445B-865C-4B93A7260298}" type="datetimeFigureOut">
               <a:rPr lang="it-IT" smtClean="0"/>
-              <a:t>18/12/2020</a:t>
+              <a:t>19/12/2020</a:t>
             </a:fld>
             <a:endParaRPr lang="it-IT"/>
           </a:p>
@@ -1148,7 +1149,7 @@
           <a:p>
             <a:fld id="{4DAA0097-81A9-445B-865C-4B93A7260298}" type="datetimeFigureOut">
               <a:rPr lang="it-IT" smtClean="0"/>
-              <a:t>18/12/2020</a:t>
+              <a:t>19/12/2020</a:t>
             </a:fld>
             <a:endParaRPr lang="it-IT"/>
           </a:p>
@@ -1413,7 +1414,7 @@
           <a:p>
             <a:fld id="{4DAA0097-81A9-445B-865C-4B93A7260298}" type="datetimeFigureOut">
               <a:rPr lang="it-IT" smtClean="0"/>
-              <a:t>18/12/2020</a:t>
+              <a:t>19/12/2020</a:t>
             </a:fld>
             <a:endParaRPr lang="it-IT"/>
           </a:p>
@@ -1825,7 +1826,7 @@
           <a:p>
             <a:fld id="{4DAA0097-81A9-445B-865C-4B93A7260298}" type="datetimeFigureOut">
               <a:rPr lang="it-IT" smtClean="0"/>
-              <a:t>18/12/2020</a:t>
+              <a:t>19/12/2020</a:t>
             </a:fld>
             <a:endParaRPr lang="it-IT"/>
           </a:p>
@@ -1966,7 +1967,7 @@
           <a:p>
             <a:fld id="{4DAA0097-81A9-445B-865C-4B93A7260298}" type="datetimeFigureOut">
               <a:rPr lang="it-IT" smtClean="0"/>
-              <a:t>18/12/2020</a:t>
+              <a:t>19/12/2020</a:t>
             </a:fld>
             <a:endParaRPr lang="it-IT"/>
           </a:p>
@@ -2079,7 +2080,7 @@
           <a:p>
             <a:fld id="{4DAA0097-81A9-445B-865C-4B93A7260298}" type="datetimeFigureOut">
               <a:rPr lang="it-IT" smtClean="0"/>
-              <a:t>18/12/2020</a:t>
+              <a:t>19/12/2020</a:t>
             </a:fld>
             <a:endParaRPr lang="it-IT"/>
           </a:p>
@@ -2390,7 +2391,7 @@
           <a:p>
             <a:fld id="{4DAA0097-81A9-445B-865C-4B93A7260298}" type="datetimeFigureOut">
               <a:rPr lang="it-IT" smtClean="0"/>
-              <a:t>18/12/2020</a:t>
+              <a:t>19/12/2020</a:t>
             </a:fld>
             <a:endParaRPr lang="it-IT"/>
           </a:p>
@@ -2678,7 +2679,7 @@
           <a:p>
             <a:fld id="{4DAA0097-81A9-445B-865C-4B93A7260298}" type="datetimeFigureOut">
               <a:rPr lang="it-IT" smtClean="0"/>
-              <a:t>18/12/2020</a:t>
+              <a:t>19/12/2020</a:t>
             </a:fld>
             <a:endParaRPr lang="it-IT"/>
           </a:p>
@@ -2919,7 +2920,7 @@
           <a:p>
             <a:fld id="{4DAA0097-81A9-445B-865C-4B93A7260298}" type="datetimeFigureOut">
               <a:rPr lang="it-IT" smtClean="0"/>
-              <a:t>18/12/2020</a:t>
+              <a:t>19/12/2020</a:t>
             </a:fld>
             <a:endParaRPr lang="it-IT"/>
           </a:p>
@@ -4527,6 +4528,257 @@
 </p:sld>
 </file>
 
+<file path=ppt/slides/slide12.xml><?xml version="1.0" encoding="utf-8"?>
+<p:sld xmlns:a="http://schemas.openxmlformats.org/drawingml/2006/main" xmlns:r="http://schemas.openxmlformats.org/officeDocument/2006/relationships" xmlns:p="http://schemas.openxmlformats.org/presentationml/2006/main">
+  <p:cSld>
+    <p:spTree>
+      <p:nvGrpSpPr>
+        <p:cNvPr id="1" name=""/>
+        <p:cNvGrpSpPr/>
+        <p:nvPr/>
+      </p:nvGrpSpPr>
+      <p:grpSpPr>
+        <a:xfrm>
+          <a:off x="0" y="0"/>
+          <a:ext cx="0" cy="0"/>
+          <a:chOff x="0" y="0"/>
+          <a:chExt cx="0" cy="0"/>
+        </a:xfrm>
+      </p:grpSpPr>
+      <p:pic>
+        <p:nvPicPr>
+          <p:cNvPr id="5" name="Immagine 4">
+            <a:extLst>
+              <a:ext uri="{FF2B5EF4-FFF2-40B4-BE49-F238E27FC236}">
+                <a16:creationId xmlns:a16="http://schemas.microsoft.com/office/drawing/2014/main" id="{B144F11E-D387-4F16-B168-D7B391BA644A}"/>
+              </a:ext>
+            </a:extLst>
+          </p:cNvPr>
+          <p:cNvPicPr>
+            <a:picLocks noChangeAspect="1"/>
+          </p:cNvPicPr>
+          <p:nvPr/>
+        </p:nvPicPr>
+        <p:blipFill>
+          <a:blip r:embed="rId2">
+            <a:extLst>
+              <a:ext uri="{28A0092B-C50C-407E-A947-70E740481C1C}">
+                <a14:useLocalDpi xmlns:a14="http://schemas.microsoft.com/office/drawing/2010/main" val="0"/>
+              </a:ext>
+            </a:extLst>
+          </a:blip>
+          <a:srcRect/>
+          <a:stretch/>
+        </p:blipFill>
+        <p:spPr>
+          <a:xfrm>
+            <a:off x="359377" y="1890585"/>
+            <a:ext cx="10935726" cy="4374290"/>
+          </a:xfrm>
+          <a:prstGeom prst="rect">
+            <a:avLst/>
+          </a:prstGeom>
+        </p:spPr>
+      </p:pic>
+      <p:pic>
+        <p:nvPicPr>
+          <p:cNvPr id="7" name="Immagine 6">
+            <a:extLst>
+              <a:ext uri="{FF2B5EF4-FFF2-40B4-BE49-F238E27FC236}">
+                <a16:creationId xmlns:a16="http://schemas.microsoft.com/office/drawing/2014/main" id="{8B18B1F2-4A84-41C8-99E7-C78F8CE788C7}"/>
+              </a:ext>
+            </a:extLst>
+          </p:cNvPr>
+          <p:cNvPicPr>
+            <a:picLocks noChangeAspect="1"/>
+          </p:cNvPicPr>
+          <p:nvPr/>
+        </p:nvPicPr>
+        <p:blipFill>
+          <a:blip r:embed="rId3">
+            <a:extLst>
+              <a:ext uri="{28A0092B-C50C-407E-A947-70E740481C1C}">
+                <a14:useLocalDpi xmlns:a14="http://schemas.microsoft.com/office/drawing/2010/main" val="0"/>
+              </a:ext>
+            </a:extLst>
+          </a:blip>
+          <a:srcRect/>
+          <a:stretch/>
+        </p:blipFill>
+        <p:spPr>
+          <a:xfrm>
+            <a:off x="5011696" y="798247"/>
+            <a:ext cx="6666469" cy="2666587"/>
+          </a:xfrm>
+          <a:prstGeom prst="rect">
+            <a:avLst/>
+          </a:prstGeom>
+          <a:ln w="19050">
+            <a:solidFill>
+              <a:srgbClr val="E22626"/>
+            </a:solidFill>
+          </a:ln>
+        </p:spPr>
+      </p:pic>
+      <p:sp>
+        <p:nvSpPr>
+          <p:cNvPr id="8" name="Ovale 7">
+            <a:extLst>
+              <a:ext uri="{FF2B5EF4-FFF2-40B4-BE49-F238E27FC236}">
+                <a16:creationId xmlns:a16="http://schemas.microsoft.com/office/drawing/2014/main" id="{ABB5A745-53C2-4E83-9053-08281DC6EB49}"/>
+              </a:ext>
+            </a:extLst>
+          </p:cNvPr>
+          <p:cNvSpPr/>
+          <p:nvPr/>
+        </p:nvSpPr>
+        <p:spPr>
+          <a:xfrm>
+            <a:off x="1952367" y="1890585"/>
+            <a:ext cx="1507525" cy="815546"/>
+          </a:xfrm>
+          <a:prstGeom prst="ellipse">
+            <a:avLst/>
+          </a:prstGeom>
+          <a:solidFill>
+            <a:srgbClr val="C00000">
+              <a:alpha val="20000"/>
+            </a:srgbClr>
+          </a:solidFill>
+          <a:ln>
+            <a:solidFill>
+              <a:srgbClr val="E22626"/>
+            </a:solidFill>
+          </a:ln>
+        </p:spPr>
+        <p:style>
+          <a:lnRef idx="2">
+            <a:schemeClr val="accent1">
+              <a:shade val="50000"/>
+            </a:schemeClr>
+          </a:lnRef>
+          <a:fillRef idx="1">
+            <a:schemeClr val="accent1"/>
+          </a:fillRef>
+          <a:effectRef idx="0">
+            <a:schemeClr val="accent1"/>
+          </a:effectRef>
+          <a:fontRef idx="minor">
+            <a:schemeClr val="lt1"/>
+          </a:fontRef>
+        </p:style>
+        <p:txBody>
+          <a:bodyPr rtlCol="0" anchor="ctr"/>
+          <a:lstStyle/>
+          <a:p>
+            <a:pPr algn="ctr"/>
+            <a:endParaRPr lang="it-IT"/>
+          </a:p>
+        </p:txBody>
+      </p:sp>
+      <p:cxnSp>
+        <p:nvCxnSpPr>
+          <p:cNvPr id="10" name="Connettore 2 9">
+            <a:extLst>
+              <a:ext uri="{FF2B5EF4-FFF2-40B4-BE49-F238E27FC236}">
+                <a16:creationId xmlns:a16="http://schemas.microsoft.com/office/drawing/2014/main" id="{36414C21-301A-4500-96E0-F54376C71BBD}"/>
+              </a:ext>
+            </a:extLst>
+          </p:cNvPr>
+          <p:cNvCxnSpPr>
+            <a:cxnSpLocks/>
+            <a:stCxn id="8" idx="0"/>
+          </p:cNvCxnSpPr>
+          <p:nvPr/>
+        </p:nvCxnSpPr>
+        <p:spPr>
+          <a:xfrm flipV="1">
+            <a:off x="2706130" y="798247"/>
+            <a:ext cx="2305566" cy="1092338"/>
+          </a:xfrm>
+          <a:prstGeom prst="straightConnector1">
+            <a:avLst/>
+          </a:prstGeom>
+          <a:ln>
+            <a:solidFill>
+              <a:srgbClr val="E22626"/>
+            </a:solidFill>
+            <a:tailEnd type="triangle"/>
+          </a:ln>
+        </p:spPr>
+        <p:style>
+          <a:lnRef idx="1">
+            <a:schemeClr val="accent1"/>
+          </a:lnRef>
+          <a:fillRef idx="0">
+            <a:schemeClr val="accent1"/>
+          </a:fillRef>
+          <a:effectRef idx="0">
+            <a:schemeClr val="accent1"/>
+          </a:effectRef>
+          <a:fontRef idx="minor">
+            <a:schemeClr val="tx1"/>
+          </a:fontRef>
+        </p:style>
+      </p:cxnSp>
+      <p:cxnSp>
+        <p:nvCxnSpPr>
+          <p:cNvPr id="11" name="Connettore 2 10">
+            <a:extLst>
+              <a:ext uri="{FF2B5EF4-FFF2-40B4-BE49-F238E27FC236}">
+                <a16:creationId xmlns:a16="http://schemas.microsoft.com/office/drawing/2014/main" id="{5C5A7DCF-200B-401F-A57B-E7599D14C60E}"/>
+              </a:ext>
+            </a:extLst>
+          </p:cNvPr>
+          <p:cNvCxnSpPr>
+            <a:cxnSpLocks/>
+            <a:stCxn id="8" idx="4"/>
+          </p:cNvCxnSpPr>
+          <p:nvPr/>
+        </p:nvCxnSpPr>
+        <p:spPr>
+          <a:xfrm>
+            <a:off x="2706130" y="2706131"/>
+            <a:ext cx="2305566" cy="758703"/>
+          </a:xfrm>
+          <a:prstGeom prst="straightConnector1">
+            <a:avLst/>
+          </a:prstGeom>
+          <a:ln>
+            <a:solidFill>
+              <a:srgbClr val="E22626"/>
+            </a:solidFill>
+            <a:tailEnd type="triangle"/>
+          </a:ln>
+        </p:spPr>
+        <p:style>
+          <a:lnRef idx="1">
+            <a:schemeClr val="accent1"/>
+          </a:lnRef>
+          <a:fillRef idx="0">
+            <a:schemeClr val="accent1"/>
+          </a:fillRef>
+          <a:effectRef idx="0">
+            <a:schemeClr val="accent1"/>
+          </a:effectRef>
+          <a:fontRef idx="minor">
+            <a:schemeClr val="tx1"/>
+          </a:fontRef>
+        </p:style>
+      </p:cxnSp>
+    </p:spTree>
+    <p:extLst>
+      <p:ext uri="{BB962C8B-B14F-4D97-AF65-F5344CB8AC3E}">
+        <p14:creationId xmlns:p14="http://schemas.microsoft.com/office/powerpoint/2010/main" val="1177065193"/>
+      </p:ext>
+    </p:extLst>
+  </p:cSld>
+  <p:clrMapOvr>
+    <a:masterClrMapping/>
+  </p:clrMapOvr>
+</p:sld>
+</file>
+
 <file path=ppt/slides/slide2.xml><?xml version="1.0" encoding="utf-8"?>
 <p:sld xmlns:a="http://schemas.openxmlformats.org/drawingml/2006/main" xmlns:r="http://schemas.openxmlformats.org/officeDocument/2006/relationships" xmlns:p="http://schemas.openxmlformats.org/presentationml/2006/main">
   <p:cSld>

--- a/Report/Figures.pptx
+++ b/Report/Figures.pptx
@@ -275,7 +275,7 @@
           <a:p>
             <a:fld id="{4DAA0097-81A9-445B-865C-4B93A7260298}" type="datetimeFigureOut">
               <a:rPr lang="it-IT" smtClean="0"/>
-              <a:t>21/12/2020</a:t>
+              <a:t>22/12/2020</a:t>
             </a:fld>
             <a:endParaRPr lang="it-IT"/>
           </a:p>
@@ -473,7 +473,7 @@
           <a:p>
             <a:fld id="{4DAA0097-81A9-445B-865C-4B93A7260298}" type="datetimeFigureOut">
               <a:rPr lang="it-IT" smtClean="0"/>
-              <a:t>21/12/2020</a:t>
+              <a:t>22/12/2020</a:t>
             </a:fld>
             <a:endParaRPr lang="it-IT"/>
           </a:p>
@@ -681,7 +681,7 @@
           <a:p>
             <a:fld id="{4DAA0097-81A9-445B-865C-4B93A7260298}" type="datetimeFigureOut">
               <a:rPr lang="it-IT" smtClean="0"/>
-              <a:t>21/12/2020</a:t>
+              <a:t>22/12/2020</a:t>
             </a:fld>
             <a:endParaRPr lang="it-IT"/>
           </a:p>
@@ -879,7 +879,7 @@
           <a:p>
             <a:fld id="{4DAA0097-81A9-445B-865C-4B93A7260298}" type="datetimeFigureOut">
               <a:rPr lang="it-IT" smtClean="0"/>
-              <a:t>21/12/2020</a:t>
+              <a:t>22/12/2020</a:t>
             </a:fld>
             <a:endParaRPr lang="it-IT"/>
           </a:p>
@@ -1154,7 +1154,7 @@
           <a:p>
             <a:fld id="{4DAA0097-81A9-445B-865C-4B93A7260298}" type="datetimeFigureOut">
               <a:rPr lang="it-IT" smtClean="0"/>
-              <a:t>21/12/2020</a:t>
+              <a:t>22/12/2020</a:t>
             </a:fld>
             <a:endParaRPr lang="it-IT"/>
           </a:p>
@@ -1419,7 +1419,7 @@
           <a:p>
             <a:fld id="{4DAA0097-81A9-445B-865C-4B93A7260298}" type="datetimeFigureOut">
               <a:rPr lang="it-IT" smtClean="0"/>
-              <a:t>21/12/2020</a:t>
+              <a:t>22/12/2020</a:t>
             </a:fld>
             <a:endParaRPr lang="it-IT"/>
           </a:p>
@@ -1831,7 +1831,7 @@
           <a:p>
             <a:fld id="{4DAA0097-81A9-445B-865C-4B93A7260298}" type="datetimeFigureOut">
               <a:rPr lang="it-IT" smtClean="0"/>
-              <a:t>21/12/2020</a:t>
+              <a:t>22/12/2020</a:t>
             </a:fld>
             <a:endParaRPr lang="it-IT"/>
           </a:p>
@@ -1972,7 +1972,7 @@
           <a:p>
             <a:fld id="{4DAA0097-81A9-445B-865C-4B93A7260298}" type="datetimeFigureOut">
               <a:rPr lang="it-IT" smtClean="0"/>
-              <a:t>21/12/2020</a:t>
+              <a:t>22/12/2020</a:t>
             </a:fld>
             <a:endParaRPr lang="it-IT"/>
           </a:p>
@@ -2085,7 +2085,7 @@
           <a:p>
             <a:fld id="{4DAA0097-81A9-445B-865C-4B93A7260298}" type="datetimeFigureOut">
               <a:rPr lang="it-IT" smtClean="0"/>
-              <a:t>21/12/2020</a:t>
+              <a:t>22/12/2020</a:t>
             </a:fld>
             <a:endParaRPr lang="it-IT"/>
           </a:p>
@@ -2396,7 +2396,7 @@
           <a:p>
             <a:fld id="{4DAA0097-81A9-445B-865C-4B93A7260298}" type="datetimeFigureOut">
               <a:rPr lang="it-IT" smtClean="0"/>
-              <a:t>21/12/2020</a:t>
+              <a:t>22/12/2020</a:t>
             </a:fld>
             <a:endParaRPr lang="it-IT"/>
           </a:p>
@@ -2684,7 +2684,7 @@
           <a:p>
             <a:fld id="{4DAA0097-81A9-445B-865C-4B93A7260298}" type="datetimeFigureOut">
               <a:rPr lang="it-IT" smtClean="0"/>
-              <a:t>21/12/2020</a:t>
+              <a:t>22/12/2020</a:t>
             </a:fld>
             <a:endParaRPr lang="it-IT"/>
           </a:p>
@@ -2925,7 +2925,7 @@
           <a:p>
             <a:fld id="{4DAA0097-81A9-445B-865C-4B93A7260298}" type="datetimeFigureOut">
               <a:rPr lang="it-IT" smtClean="0"/>
-              <a:t>21/12/2020</a:t>
+              <a:t>22/12/2020</a:t>
             </a:fld>
             <a:endParaRPr lang="it-IT"/>
           </a:p>
@@ -5159,7 +5159,7 @@
         </p:nvSpPr>
         <p:spPr>
           <a:xfrm flipH="1">
-            <a:off x="305157" y="1653042"/>
+            <a:off x="368197" y="637146"/>
             <a:ext cx="3800559" cy="2862322"/>
           </a:xfrm>
           <a:prstGeom prst="rect">

--- a/Report/Figures.pptx
+++ b/Report/Figures.pptx
@@ -17,11 +17,13 @@
     <p:sldId id="262" r:id="rId11"/>
     <p:sldId id="266" r:id="rId12"/>
     <p:sldId id="267" r:id="rId13"/>
-    <p:sldId id="269" r:id="rId14"/>
-    <p:sldId id="271" r:id="rId15"/>
-    <p:sldId id="268" r:id="rId16"/>
-    <p:sldId id="273" r:id="rId17"/>
-    <p:sldId id="272" r:id="rId18"/>
+    <p:sldId id="272" r:id="rId14"/>
+    <p:sldId id="275" r:id="rId15"/>
+    <p:sldId id="274" r:id="rId16"/>
+    <p:sldId id="269" r:id="rId17"/>
+    <p:sldId id="271" r:id="rId18"/>
+    <p:sldId id="268" r:id="rId19"/>
+    <p:sldId id="273" r:id="rId20"/>
   </p:sldIdLst>
   <p:sldSz cx="12192000" cy="6858000"/>
   <p:notesSz cx="6858000" cy="9144000"/>
@@ -275,7 +277,7 @@
           <a:p>
             <a:fld id="{4DAA0097-81A9-445B-865C-4B93A7260298}" type="datetimeFigureOut">
               <a:rPr lang="it-IT" smtClean="0"/>
-              <a:t>22/12/2020</a:t>
+              <a:t>30/12/2020</a:t>
             </a:fld>
             <a:endParaRPr lang="it-IT"/>
           </a:p>
@@ -473,7 +475,7 @@
           <a:p>
             <a:fld id="{4DAA0097-81A9-445B-865C-4B93A7260298}" type="datetimeFigureOut">
               <a:rPr lang="it-IT" smtClean="0"/>
-              <a:t>22/12/2020</a:t>
+              <a:t>30/12/2020</a:t>
             </a:fld>
             <a:endParaRPr lang="it-IT"/>
           </a:p>
@@ -681,7 +683,7 @@
           <a:p>
             <a:fld id="{4DAA0097-81A9-445B-865C-4B93A7260298}" type="datetimeFigureOut">
               <a:rPr lang="it-IT" smtClean="0"/>
-              <a:t>22/12/2020</a:t>
+              <a:t>30/12/2020</a:t>
             </a:fld>
             <a:endParaRPr lang="it-IT"/>
           </a:p>
@@ -879,7 +881,7 @@
           <a:p>
             <a:fld id="{4DAA0097-81A9-445B-865C-4B93A7260298}" type="datetimeFigureOut">
               <a:rPr lang="it-IT" smtClean="0"/>
-              <a:t>22/12/2020</a:t>
+              <a:t>30/12/2020</a:t>
             </a:fld>
             <a:endParaRPr lang="it-IT"/>
           </a:p>
@@ -1154,7 +1156,7 @@
           <a:p>
             <a:fld id="{4DAA0097-81A9-445B-865C-4B93A7260298}" type="datetimeFigureOut">
               <a:rPr lang="it-IT" smtClean="0"/>
-              <a:t>22/12/2020</a:t>
+              <a:t>30/12/2020</a:t>
             </a:fld>
             <a:endParaRPr lang="it-IT"/>
           </a:p>
@@ -1419,7 +1421,7 @@
           <a:p>
             <a:fld id="{4DAA0097-81A9-445B-865C-4B93A7260298}" type="datetimeFigureOut">
               <a:rPr lang="it-IT" smtClean="0"/>
-              <a:t>22/12/2020</a:t>
+              <a:t>30/12/2020</a:t>
             </a:fld>
             <a:endParaRPr lang="it-IT"/>
           </a:p>
@@ -1831,7 +1833,7 @@
           <a:p>
             <a:fld id="{4DAA0097-81A9-445B-865C-4B93A7260298}" type="datetimeFigureOut">
               <a:rPr lang="it-IT" smtClean="0"/>
-              <a:t>22/12/2020</a:t>
+              <a:t>30/12/2020</a:t>
             </a:fld>
             <a:endParaRPr lang="it-IT"/>
           </a:p>
@@ -1972,7 +1974,7 @@
           <a:p>
             <a:fld id="{4DAA0097-81A9-445B-865C-4B93A7260298}" type="datetimeFigureOut">
               <a:rPr lang="it-IT" smtClean="0"/>
-              <a:t>22/12/2020</a:t>
+              <a:t>30/12/2020</a:t>
             </a:fld>
             <a:endParaRPr lang="it-IT"/>
           </a:p>
@@ -2085,7 +2087,7 @@
           <a:p>
             <a:fld id="{4DAA0097-81A9-445B-865C-4B93A7260298}" type="datetimeFigureOut">
               <a:rPr lang="it-IT" smtClean="0"/>
-              <a:t>22/12/2020</a:t>
+              <a:t>30/12/2020</a:t>
             </a:fld>
             <a:endParaRPr lang="it-IT"/>
           </a:p>
@@ -2396,7 +2398,7 @@
           <a:p>
             <a:fld id="{4DAA0097-81A9-445B-865C-4B93A7260298}" type="datetimeFigureOut">
               <a:rPr lang="it-IT" smtClean="0"/>
-              <a:t>22/12/2020</a:t>
+              <a:t>30/12/2020</a:t>
             </a:fld>
             <a:endParaRPr lang="it-IT"/>
           </a:p>
@@ -2684,7 +2686,7 @@
           <a:p>
             <a:fld id="{4DAA0097-81A9-445B-865C-4B93A7260298}" type="datetimeFigureOut">
               <a:rPr lang="it-IT" smtClean="0"/>
-              <a:t>22/12/2020</a:t>
+              <a:t>30/12/2020</a:t>
             </a:fld>
             <a:endParaRPr lang="it-IT"/>
           </a:p>
@@ -2925,7 +2927,7 @@
           <a:p>
             <a:fld id="{4DAA0097-81A9-445B-865C-4B93A7260298}" type="datetimeFigureOut">
               <a:rPr lang="it-IT" smtClean="0"/>
-              <a:t>22/12/2020</a:t>
+              <a:t>30/12/2020</a:t>
             </a:fld>
             <a:endParaRPr lang="it-IT"/>
           </a:p>
@@ -4803,6 +4805,2877 @@
       </p:grpSpPr>
       <p:pic>
         <p:nvPicPr>
+          <p:cNvPr id="110" name="Immagine 109">
+            <a:extLst>
+              <a:ext uri="{FF2B5EF4-FFF2-40B4-BE49-F238E27FC236}">
+                <a16:creationId xmlns:a16="http://schemas.microsoft.com/office/drawing/2014/main" id="{107C7B05-E030-40EF-A3AB-47E3F5039D89}"/>
+              </a:ext>
+            </a:extLst>
+          </p:cNvPr>
+          <p:cNvPicPr>
+            <a:picLocks noChangeAspect="1"/>
+          </p:cNvPicPr>
+          <p:nvPr/>
+        </p:nvPicPr>
+        <p:blipFill rotWithShape="1">
+          <a:blip r:embed="rId2">
+            <a:extLst>
+              <a:ext uri="{28A0092B-C50C-407E-A947-70E740481C1C}">
+                <a14:useLocalDpi xmlns:a14="http://schemas.microsoft.com/office/drawing/2010/main" val="0"/>
+              </a:ext>
+            </a:extLst>
+          </a:blip>
+          <a:srcRect l="10455" r="6483"/>
+          <a:stretch/>
+        </p:blipFill>
+        <p:spPr>
+          <a:xfrm>
+            <a:off x="8133579" y="4037771"/>
+            <a:ext cx="3904736" cy="2644346"/>
+          </a:xfrm>
+          <a:prstGeom prst="rect">
+            <a:avLst/>
+          </a:prstGeom>
+        </p:spPr>
+      </p:pic>
+      <p:pic>
+        <p:nvPicPr>
+          <p:cNvPr id="108" name="Immagine 107">
+            <a:extLst>
+              <a:ext uri="{FF2B5EF4-FFF2-40B4-BE49-F238E27FC236}">
+                <a16:creationId xmlns:a16="http://schemas.microsoft.com/office/drawing/2014/main" id="{E43175E4-CF7A-4242-999C-0F8D19BC955D}"/>
+              </a:ext>
+            </a:extLst>
+          </p:cNvPr>
+          <p:cNvPicPr>
+            <a:picLocks noChangeAspect="1"/>
+          </p:cNvPicPr>
+          <p:nvPr/>
+        </p:nvPicPr>
+        <p:blipFill>
+          <a:blip r:embed="rId3">
+            <a:extLst>
+              <a:ext uri="{28A0092B-C50C-407E-A947-70E740481C1C}">
+                <a14:useLocalDpi xmlns:a14="http://schemas.microsoft.com/office/drawing/2010/main" val="0"/>
+              </a:ext>
+            </a:extLst>
+          </a:blip>
+          <a:stretch>
+            <a:fillRect/>
+          </a:stretch>
+        </p:blipFill>
+        <p:spPr>
+          <a:xfrm>
+            <a:off x="8211197" y="2242218"/>
+            <a:ext cx="2700000" cy="1800000"/>
+          </a:xfrm>
+          <a:prstGeom prst="rect">
+            <a:avLst/>
+          </a:prstGeom>
+        </p:spPr>
+      </p:pic>
+      <p:pic>
+        <p:nvPicPr>
+          <p:cNvPr id="104" name="Immagine 103">
+            <a:extLst>
+              <a:ext uri="{FF2B5EF4-FFF2-40B4-BE49-F238E27FC236}">
+                <a16:creationId xmlns:a16="http://schemas.microsoft.com/office/drawing/2014/main" id="{D010261E-52A5-401D-96B2-35A50A3B6103}"/>
+              </a:ext>
+            </a:extLst>
+          </p:cNvPr>
+          <p:cNvPicPr>
+            <a:picLocks noChangeAspect="1"/>
+          </p:cNvPicPr>
+          <p:nvPr/>
+        </p:nvPicPr>
+        <p:blipFill>
+          <a:blip r:embed="rId4">
+            <a:extLst>
+              <a:ext uri="{28A0092B-C50C-407E-A947-70E740481C1C}">
+                <a14:useLocalDpi xmlns:a14="http://schemas.microsoft.com/office/drawing/2010/main" val="0"/>
+              </a:ext>
+            </a:extLst>
+          </a:blip>
+          <a:stretch>
+            <a:fillRect/>
+          </a:stretch>
+        </p:blipFill>
+        <p:spPr>
+          <a:xfrm>
+            <a:off x="2811197" y="4088289"/>
+            <a:ext cx="2700000" cy="1800000"/>
+          </a:xfrm>
+          <a:prstGeom prst="rect">
+            <a:avLst/>
+          </a:prstGeom>
+        </p:spPr>
+      </p:pic>
+      <p:pic>
+        <p:nvPicPr>
+          <p:cNvPr id="100" name="Immagine 99">
+            <a:extLst>
+              <a:ext uri="{FF2B5EF4-FFF2-40B4-BE49-F238E27FC236}">
+                <a16:creationId xmlns:a16="http://schemas.microsoft.com/office/drawing/2014/main" id="{08C20FD0-6C33-4A5E-AB91-AA92EE582C1F}"/>
+              </a:ext>
+            </a:extLst>
+          </p:cNvPr>
+          <p:cNvPicPr>
+            <a:picLocks noChangeAspect="1"/>
+          </p:cNvPicPr>
+          <p:nvPr/>
+        </p:nvPicPr>
+        <p:blipFill>
+          <a:blip r:embed="rId5">
+            <a:extLst>
+              <a:ext uri="{28A0092B-C50C-407E-A947-70E740481C1C}">
+                <a14:useLocalDpi xmlns:a14="http://schemas.microsoft.com/office/drawing/2010/main" val="0"/>
+              </a:ext>
+            </a:extLst>
+          </a:blip>
+          <a:stretch>
+            <a:fillRect/>
+          </a:stretch>
+        </p:blipFill>
+        <p:spPr>
+          <a:xfrm>
+            <a:off x="111197" y="4088289"/>
+            <a:ext cx="2700000" cy="1800000"/>
+          </a:xfrm>
+          <a:prstGeom prst="rect">
+            <a:avLst/>
+          </a:prstGeom>
+        </p:spPr>
+      </p:pic>
+      <p:pic>
+        <p:nvPicPr>
+          <p:cNvPr id="96" name="Immagine 95">
+            <a:extLst>
+              <a:ext uri="{FF2B5EF4-FFF2-40B4-BE49-F238E27FC236}">
+                <a16:creationId xmlns:a16="http://schemas.microsoft.com/office/drawing/2014/main" id="{D8A1B604-A505-4F42-A37E-7408326392B6}"/>
+              </a:ext>
+            </a:extLst>
+          </p:cNvPr>
+          <p:cNvPicPr>
+            <a:picLocks noChangeAspect="1"/>
+          </p:cNvPicPr>
+          <p:nvPr/>
+        </p:nvPicPr>
+        <p:blipFill>
+          <a:blip r:embed="rId6">
+            <a:extLst>
+              <a:ext uri="{28A0092B-C50C-407E-A947-70E740481C1C}">
+                <a14:useLocalDpi xmlns:a14="http://schemas.microsoft.com/office/drawing/2010/main" val="0"/>
+              </a:ext>
+            </a:extLst>
+          </a:blip>
+          <a:stretch>
+            <a:fillRect/>
+          </a:stretch>
+        </p:blipFill>
+        <p:spPr>
+          <a:xfrm>
+            <a:off x="5511197" y="2242218"/>
+            <a:ext cx="2700000" cy="1800000"/>
+          </a:xfrm>
+          <a:prstGeom prst="rect">
+            <a:avLst/>
+          </a:prstGeom>
+        </p:spPr>
+      </p:pic>
+      <p:pic>
+        <p:nvPicPr>
+          <p:cNvPr id="72" name="Immagine 71">
+            <a:extLst>
+              <a:ext uri="{FF2B5EF4-FFF2-40B4-BE49-F238E27FC236}">
+                <a16:creationId xmlns:a16="http://schemas.microsoft.com/office/drawing/2014/main" id="{DFBC07E1-4D42-40B0-A252-D4854C5EA414}"/>
+              </a:ext>
+            </a:extLst>
+          </p:cNvPr>
+          <p:cNvPicPr>
+            <a:picLocks noChangeAspect="1"/>
+          </p:cNvPicPr>
+          <p:nvPr/>
+        </p:nvPicPr>
+        <p:blipFill>
+          <a:blip r:embed="rId7">
+            <a:extLst>
+              <a:ext uri="{28A0092B-C50C-407E-A947-70E740481C1C}">
+                <a14:useLocalDpi xmlns:a14="http://schemas.microsoft.com/office/drawing/2010/main" val="0"/>
+              </a:ext>
+            </a:extLst>
+          </a:blip>
+          <a:stretch>
+            <a:fillRect/>
+          </a:stretch>
+        </p:blipFill>
+        <p:spPr>
+          <a:xfrm>
+            <a:off x="111197" y="2242218"/>
+            <a:ext cx="2700000" cy="1800000"/>
+          </a:xfrm>
+          <a:prstGeom prst="rect">
+            <a:avLst/>
+          </a:prstGeom>
+        </p:spPr>
+      </p:pic>
+      <p:pic>
+        <p:nvPicPr>
+          <p:cNvPr id="70" name="Immagine 69">
+            <a:extLst>
+              <a:ext uri="{FF2B5EF4-FFF2-40B4-BE49-F238E27FC236}">
+                <a16:creationId xmlns:a16="http://schemas.microsoft.com/office/drawing/2014/main" id="{B8FD7F96-AD1F-4DF8-992B-C6C71CFC3143}"/>
+              </a:ext>
+            </a:extLst>
+          </p:cNvPr>
+          <p:cNvPicPr>
+            <a:picLocks noChangeAspect="1"/>
+          </p:cNvPicPr>
+          <p:nvPr/>
+        </p:nvPicPr>
+        <p:blipFill>
+          <a:blip r:embed="rId8">
+            <a:extLst>
+              <a:ext uri="{28A0092B-C50C-407E-A947-70E740481C1C}">
+                <a14:useLocalDpi xmlns:a14="http://schemas.microsoft.com/office/drawing/2010/main" val="0"/>
+              </a:ext>
+            </a:extLst>
+          </a:blip>
+          <a:stretch>
+            <a:fillRect/>
+          </a:stretch>
+        </p:blipFill>
+        <p:spPr>
+          <a:xfrm>
+            <a:off x="8211197" y="394834"/>
+            <a:ext cx="2700000" cy="1800000"/>
+          </a:xfrm>
+          <a:prstGeom prst="rect">
+            <a:avLst/>
+          </a:prstGeom>
+        </p:spPr>
+      </p:pic>
+      <p:pic>
+        <p:nvPicPr>
+          <p:cNvPr id="64" name="Immagine 63">
+            <a:extLst>
+              <a:ext uri="{FF2B5EF4-FFF2-40B4-BE49-F238E27FC236}">
+                <a16:creationId xmlns:a16="http://schemas.microsoft.com/office/drawing/2014/main" id="{63C0E11D-4768-4558-B648-C0E619E87EB0}"/>
+              </a:ext>
+            </a:extLst>
+          </p:cNvPr>
+          <p:cNvPicPr>
+            <a:picLocks noChangeAspect="1"/>
+          </p:cNvPicPr>
+          <p:nvPr/>
+        </p:nvPicPr>
+        <p:blipFill>
+          <a:blip r:embed="rId9">
+            <a:extLst>
+              <a:ext uri="{28A0092B-C50C-407E-A947-70E740481C1C}">
+                <a14:useLocalDpi xmlns:a14="http://schemas.microsoft.com/office/drawing/2010/main" val="0"/>
+              </a:ext>
+            </a:extLst>
+          </a:blip>
+          <a:stretch>
+            <a:fillRect/>
+          </a:stretch>
+        </p:blipFill>
+        <p:spPr>
+          <a:xfrm>
+            <a:off x="5511197" y="394834"/>
+            <a:ext cx="2700000" cy="1800000"/>
+          </a:xfrm>
+          <a:prstGeom prst="rect">
+            <a:avLst/>
+          </a:prstGeom>
+        </p:spPr>
+      </p:pic>
+      <p:pic>
+        <p:nvPicPr>
+          <p:cNvPr id="61" name="Immagine 60">
+            <a:extLst>
+              <a:ext uri="{FF2B5EF4-FFF2-40B4-BE49-F238E27FC236}">
+                <a16:creationId xmlns:a16="http://schemas.microsoft.com/office/drawing/2014/main" id="{40A62A63-3159-43C8-AE6A-1C1D281A80B6}"/>
+              </a:ext>
+            </a:extLst>
+          </p:cNvPr>
+          <p:cNvPicPr>
+            <a:picLocks noChangeAspect="1"/>
+          </p:cNvPicPr>
+          <p:nvPr/>
+        </p:nvPicPr>
+        <p:blipFill>
+          <a:blip r:embed="rId10">
+            <a:extLst>
+              <a:ext uri="{28A0092B-C50C-407E-A947-70E740481C1C}">
+                <a14:useLocalDpi xmlns:a14="http://schemas.microsoft.com/office/drawing/2010/main" val="0"/>
+              </a:ext>
+            </a:extLst>
+          </a:blip>
+          <a:stretch>
+            <a:fillRect/>
+          </a:stretch>
+        </p:blipFill>
+        <p:spPr>
+          <a:xfrm>
+            <a:off x="2811197" y="394834"/>
+            <a:ext cx="2700000" cy="1800000"/>
+          </a:xfrm>
+          <a:prstGeom prst="rect">
+            <a:avLst/>
+          </a:prstGeom>
+        </p:spPr>
+      </p:pic>
+      <p:pic>
+        <p:nvPicPr>
+          <p:cNvPr id="57" name="Immagine 56">
+            <a:extLst>
+              <a:ext uri="{FF2B5EF4-FFF2-40B4-BE49-F238E27FC236}">
+                <a16:creationId xmlns:a16="http://schemas.microsoft.com/office/drawing/2014/main" id="{FEAA3D45-0136-4A9F-9C0B-A92C65436C68}"/>
+              </a:ext>
+            </a:extLst>
+          </p:cNvPr>
+          <p:cNvPicPr>
+            <a:picLocks noChangeAspect="1"/>
+          </p:cNvPicPr>
+          <p:nvPr/>
+        </p:nvPicPr>
+        <p:blipFill>
+          <a:blip r:embed="rId11">
+            <a:extLst>
+              <a:ext uri="{28A0092B-C50C-407E-A947-70E740481C1C}">
+                <a14:useLocalDpi xmlns:a14="http://schemas.microsoft.com/office/drawing/2010/main" val="0"/>
+              </a:ext>
+            </a:extLst>
+          </a:blip>
+          <a:stretch>
+            <a:fillRect/>
+          </a:stretch>
+        </p:blipFill>
+        <p:spPr>
+          <a:xfrm>
+            <a:off x="111197" y="396147"/>
+            <a:ext cx="2700000" cy="1800000"/>
+          </a:xfrm>
+          <a:prstGeom prst="rect">
+            <a:avLst/>
+          </a:prstGeom>
+        </p:spPr>
+      </p:pic>
+      <p:sp>
+        <p:nvSpPr>
+          <p:cNvPr id="22" name="Rettangolo con angoli arrotondati 21">
+            <a:extLst>
+              <a:ext uri="{FF2B5EF4-FFF2-40B4-BE49-F238E27FC236}">
+                <a16:creationId xmlns:a16="http://schemas.microsoft.com/office/drawing/2014/main" id="{43869FBE-34AD-4B7F-A206-62CEDDC65414}"/>
+              </a:ext>
+            </a:extLst>
+          </p:cNvPr>
+          <p:cNvSpPr/>
+          <p:nvPr/>
+        </p:nvSpPr>
+        <p:spPr>
+          <a:xfrm>
+            <a:off x="2279482" y="347450"/>
+            <a:ext cx="420129" cy="407773"/>
+          </a:xfrm>
+          <a:prstGeom prst="roundRect">
+            <a:avLst/>
+          </a:prstGeom>
+          <a:solidFill>
+            <a:srgbClr val="FF0000">
+              <a:alpha val="50196"/>
+            </a:srgbClr>
+          </a:solidFill>
+          <a:ln>
+            <a:solidFill>
+              <a:schemeClr val="tx1"/>
+            </a:solidFill>
+          </a:ln>
+        </p:spPr>
+        <p:style>
+          <a:lnRef idx="2">
+            <a:schemeClr val="accent1">
+              <a:shade val="50000"/>
+            </a:schemeClr>
+          </a:lnRef>
+          <a:fillRef idx="1">
+            <a:schemeClr val="accent1"/>
+          </a:fillRef>
+          <a:effectRef idx="0">
+            <a:schemeClr val="accent1"/>
+          </a:effectRef>
+          <a:fontRef idx="minor">
+            <a:schemeClr val="lt1"/>
+          </a:fontRef>
+        </p:style>
+        <p:txBody>
+          <a:bodyPr rtlCol="0" anchor="ctr"/>
+          <a:lstStyle/>
+          <a:p>
+            <a:pPr algn="ctr"/>
+            <a:r>
+              <a:rPr lang="it-IT" sz="1400" dirty="0">
+                <a:solidFill>
+                  <a:schemeClr val="tx1"/>
+                </a:solidFill>
+              </a:rPr>
+              <a:t>1</a:t>
+            </a:r>
+            <a:endParaRPr lang="it-IT" sz="1200" dirty="0">
+              <a:solidFill>
+                <a:schemeClr val="tx1"/>
+              </a:solidFill>
+            </a:endParaRPr>
+          </a:p>
+        </p:txBody>
+      </p:sp>
+      <p:pic>
+        <p:nvPicPr>
+          <p:cNvPr id="74" name="Immagine 73">
+            <a:extLst>
+              <a:ext uri="{FF2B5EF4-FFF2-40B4-BE49-F238E27FC236}">
+                <a16:creationId xmlns:a16="http://schemas.microsoft.com/office/drawing/2014/main" id="{9EEBE507-C2E4-41A1-B6AD-88B215741E8F}"/>
+              </a:ext>
+            </a:extLst>
+          </p:cNvPr>
+          <p:cNvPicPr>
+            <a:picLocks noChangeAspect="1"/>
+          </p:cNvPicPr>
+          <p:nvPr/>
+        </p:nvPicPr>
+        <p:blipFill>
+          <a:blip r:embed="rId12">
+            <a:extLst>
+              <a:ext uri="{28A0092B-C50C-407E-A947-70E740481C1C}">
+                <a14:useLocalDpi xmlns:a14="http://schemas.microsoft.com/office/drawing/2010/main" val="0"/>
+              </a:ext>
+            </a:extLst>
+          </a:blip>
+          <a:stretch>
+            <a:fillRect/>
+          </a:stretch>
+        </p:blipFill>
+        <p:spPr>
+          <a:xfrm>
+            <a:off x="2811197" y="2242218"/>
+            <a:ext cx="2700000" cy="1800000"/>
+          </a:xfrm>
+          <a:prstGeom prst="rect">
+            <a:avLst/>
+          </a:prstGeom>
+        </p:spPr>
+      </p:pic>
+      <p:sp>
+        <p:nvSpPr>
+          <p:cNvPr id="78" name="Rettangolo con angoli arrotondati 77">
+            <a:extLst>
+              <a:ext uri="{FF2B5EF4-FFF2-40B4-BE49-F238E27FC236}">
+                <a16:creationId xmlns:a16="http://schemas.microsoft.com/office/drawing/2014/main" id="{9B91D818-58A8-4EF7-9E1D-EDE3578AD334}"/>
+              </a:ext>
+            </a:extLst>
+          </p:cNvPr>
+          <p:cNvSpPr/>
+          <p:nvPr/>
+        </p:nvSpPr>
+        <p:spPr>
+          <a:xfrm>
+            <a:off x="4979482" y="347450"/>
+            <a:ext cx="420129" cy="407773"/>
+          </a:xfrm>
+          <a:prstGeom prst="roundRect">
+            <a:avLst/>
+          </a:prstGeom>
+          <a:solidFill>
+            <a:srgbClr val="FF0000">
+              <a:alpha val="50196"/>
+            </a:srgbClr>
+          </a:solidFill>
+          <a:ln>
+            <a:solidFill>
+              <a:schemeClr val="tx1"/>
+            </a:solidFill>
+          </a:ln>
+        </p:spPr>
+        <p:style>
+          <a:lnRef idx="2">
+            <a:schemeClr val="accent1">
+              <a:shade val="50000"/>
+            </a:schemeClr>
+          </a:lnRef>
+          <a:fillRef idx="1">
+            <a:schemeClr val="accent1"/>
+          </a:fillRef>
+          <a:effectRef idx="0">
+            <a:schemeClr val="accent1"/>
+          </a:effectRef>
+          <a:fontRef idx="minor">
+            <a:schemeClr val="lt1"/>
+          </a:fontRef>
+        </p:style>
+        <p:txBody>
+          <a:bodyPr rtlCol="0" anchor="ctr"/>
+          <a:lstStyle/>
+          <a:p>
+            <a:pPr algn="ctr"/>
+            <a:r>
+              <a:rPr lang="it-IT" sz="1400" dirty="0">
+                <a:solidFill>
+                  <a:schemeClr val="tx1"/>
+                </a:solidFill>
+              </a:rPr>
+              <a:t>2</a:t>
+            </a:r>
+            <a:endParaRPr lang="it-IT" sz="1200" dirty="0">
+              <a:solidFill>
+                <a:schemeClr val="tx1"/>
+              </a:solidFill>
+            </a:endParaRPr>
+          </a:p>
+        </p:txBody>
+      </p:sp>
+      <p:sp>
+        <p:nvSpPr>
+          <p:cNvPr id="79" name="Rettangolo con angoli arrotondati 78">
+            <a:extLst>
+              <a:ext uri="{FF2B5EF4-FFF2-40B4-BE49-F238E27FC236}">
+                <a16:creationId xmlns:a16="http://schemas.microsoft.com/office/drawing/2014/main" id="{F8765F61-FFCE-45CD-940E-EBB001C8A56A}"/>
+              </a:ext>
+            </a:extLst>
+          </p:cNvPr>
+          <p:cNvSpPr/>
+          <p:nvPr/>
+        </p:nvSpPr>
+        <p:spPr>
+          <a:xfrm>
+            <a:off x="7679482" y="344034"/>
+            <a:ext cx="420129" cy="407773"/>
+          </a:xfrm>
+          <a:prstGeom prst="roundRect">
+            <a:avLst/>
+          </a:prstGeom>
+          <a:solidFill>
+            <a:srgbClr val="FF0000">
+              <a:alpha val="50196"/>
+            </a:srgbClr>
+          </a:solidFill>
+          <a:ln>
+            <a:solidFill>
+              <a:schemeClr val="tx1"/>
+            </a:solidFill>
+          </a:ln>
+        </p:spPr>
+        <p:style>
+          <a:lnRef idx="2">
+            <a:schemeClr val="accent1">
+              <a:shade val="50000"/>
+            </a:schemeClr>
+          </a:lnRef>
+          <a:fillRef idx="1">
+            <a:schemeClr val="accent1"/>
+          </a:fillRef>
+          <a:effectRef idx="0">
+            <a:schemeClr val="accent1"/>
+          </a:effectRef>
+          <a:fontRef idx="minor">
+            <a:schemeClr val="lt1"/>
+          </a:fontRef>
+        </p:style>
+        <p:txBody>
+          <a:bodyPr rtlCol="0" anchor="ctr"/>
+          <a:lstStyle/>
+          <a:p>
+            <a:pPr algn="ctr"/>
+            <a:r>
+              <a:rPr lang="it-IT" sz="1400" dirty="0">
+                <a:solidFill>
+                  <a:schemeClr val="tx1"/>
+                </a:solidFill>
+              </a:rPr>
+              <a:t>3</a:t>
+            </a:r>
+            <a:endParaRPr lang="it-IT" sz="1200" dirty="0">
+              <a:solidFill>
+                <a:schemeClr val="tx1"/>
+              </a:solidFill>
+            </a:endParaRPr>
+          </a:p>
+        </p:txBody>
+      </p:sp>
+      <p:sp>
+        <p:nvSpPr>
+          <p:cNvPr id="80" name="Rettangolo con angoli arrotondati 79">
+            <a:extLst>
+              <a:ext uri="{FF2B5EF4-FFF2-40B4-BE49-F238E27FC236}">
+                <a16:creationId xmlns:a16="http://schemas.microsoft.com/office/drawing/2014/main" id="{3ACEA4E8-AE83-4714-ACF3-6CAAEDC0599B}"/>
+              </a:ext>
+            </a:extLst>
+          </p:cNvPr>
+          <p:cNvSpPr/>
+          <p:nvPr/>
+        </p:nvSpPr>
+        <p:spPr>
+          <a:xfrm>
+            <a:off x="10379482" y="344034"/>
+            <a:ext cx="420129" cy="407773"/>
+          </a:xfrm>
+          <a:prstGeom prst="roundRect">
+            <a:avLst/>
+          </a:prstGeom>
+          <a:solidFill>
+            <a:srgbClr val="FF0000">
+              <a:alpha val="50196"/>
+            </a:srgbClr>
+          </a:solidFill>
+          <a:ln>
+            <a:solidFill>
+              <a:schemeClr val="tx1"/>
+            </a:solidFill>
+          </a:ln>
+        </p:spPr>
+        <p:style>
+          <a:lnRef idx="2">
+            <a:schemeClr val="accent1">
+              <a:shade val="50000"/>
+            </a:schemeClr>
+          </a:lnRef>
+          <a:fillRef idx="1">
+            <a:schemeClr val="accent1"/>
+          </a:fillRef>
+          <a:effectRef idx="0">
+            <a:schemeClr val="accent1"/>
+          </a:effectRef>
+          <a:fontRef idx="minor">
+            <a:schemeClr val="lt1"/>
+          </a:fontRef>
+        </p:style>
+        <p:txBody>
+          <a:bodyPr rtlCol="0" anchor="ctr"/>
+          <a:lstStyle/>
+          <a:p>
+            <a:pPr algn="ctr"/>
+            <a:r>
+              <a:rPr lang="it-IT" sz="1400" dirty="0">
+                <a:solidFill>
+                  <a:schemeClr val="tx1"/>
+                </a:solidFill>
+              </a:rPr>
+              <a:t>4</a:t>
+            </a:r>
+            <a:endParaRPr lang="it-IT" sz="1200" dirty="0">
+              <a:solidFill>
+                <a:schemeClr val="tx1"/>
+              </a:solidFill>
+            </a:endParaRPr>
+          </a:p>
+        </p:txBody>
+      </p:sp>
+      <p:sp>
+        <p:nvSpPr>
+          <p:cNvPr id="81" name="Rettangolo con angoli arrotondati 80">
+            <a:extLst>
+              <a:ext uri="{FF2B5EF4-FFF2-40B4-BE49-F238E27FC236}">
+                <a16:creationId xmlns:a16="http://schemas.microsoft.com/office/drawing/2014/main" id="{D83D9459-E35C-4D0C-AB93-FE2EED64087A}"/>
+              </a:ext>
+            </a:extLst>
+          </p:cNvPr>
+          <p:cNvSpPr/>
+          <p:nvPr/>
+        </p:nvSpPr>
+        <p:spPr>
+          <a:xfrm>
+            <a:off x="2307865" y="2191418"/>
+            <a:ext cx="420129" cy="407773"/>
+          </a:xfrm>
+          <a:prstGeom prst="roundRect">
+            <a:avLst/>
+          </a:prstGeom>
+          <a:solidFill>
+            <a:srgbClr val="FF0000">
+              <a:alpha val="50196"/>
+            </a:srgbClr>
+          </a:solidFill>
+          <a:ln>
+            <a:solidFill>
+              <a:schemeClr val="tx1"/>
+            </a:solidFill>
+          </a:ln>
+        </p:spPr>
+        <p:style>
+          <a:lnRef idx="2">
+            <a:schemeClr val="accent1">
+              <a:shade val="50000"/>
+            </a:schemeClr>
+          </a:lnRef>
+          <a:fillRef idx="1">
+            <a:schemeClr val="accent1"/>
+          </a:fillRef>
+          <a:effectRef idx="0">
+            <a:schemeClr val="accent1"/>
+          </a:effectRef>
+          <a:fontRef idx="minor">
+            <a:schemeClr val="lt1"/>
+          </a:fontRef>
+        </p:style>
+        <p:txBody>
+          <a:bodyPr rtlCol="0" anchor="ctr"/>
+          <a:lstStyle/>
+          <a:p>
+            <a:pPr algn="ctr"/>
+            <a:r>
+              <a:rPr lang="it-IT" sz="1400" dirty="0">
+                <a:solidFill>
+                  <a:schemeClr val="tx1"/>
+                </a:solidFill>
+              </a:rPr>
+              <a:t>5</a:t>
+            </a:r>
+            <a:endParaRPr lang="it-IT" sz="1200" dirty="0">
+              <a:solidFill>
+                <a:schemeClr val="tx1"/>
+              </a:solidFill>
+            </a:endParaRPr>
+          </a:p>
+        </p:txBody>
+      </p:sp>
+      <p:sp>
+        <p:nvSpPr>
+          <p:cNvPr id="82" name="Rettangolo con angoli arrotondati 81">
+            <a:extLst>
+              <a:ext uri="{FF2B5EF4-FFF2-40B4-BE49-F238E27FC236}">
+                <a16:creationId xmlns:a16="http://schemas.microsoft.com/office/drawing/2014/main" id="{C56592D7-0D4E-4EFA-B3F8-990310D432E6}"/>
+              </a:ext>
+            </a:extLst>
+          </p:cNvPr>
+          <p:cNvSpPr/>
+          <p:nvPr/>
+        </p:nvSpPr>
+        <p:spPr>
+          <a:xfrm>
+            <a:off x="4993539" y="2202805"/>
+            <a:ext cx="420129" cy="407773"/>
+          </a:xfrm>
+          <a:prstGeom prst="roundRect">
+            <a:avLst/>
+          </a:prstGeom>
+          <a:solidFill>
+            <a:srgbClr val="FF0000">
+              <a:alpha val="50196"/>
+            </a:srgbClr>
+          </a:solidFill>
+          <a:ln>
+            <a:solidFill>
+              <a:schemeClr val="tx1"/>
+            </a:solidFill>
+          </a:ln>
+        </p:spPr>
+        <p:style>
+          <a:lnRef idx="2">
+            <a:schemeClr val="accent1">
+              <a:shade val="50000"/>
+            </a:schemeClr>
+          </a:lnRef>
+          <a:fillRef idx="1">
+            <a:schemeClr val="accent1"/>
+          </a:fillRef>
+          <a:effectRef idx="0">
+            <a:schemeClr val="accent1"/>
+          </a:effectRef>
+          <a:fontRef idx="minor">
+            <a:schemeClr val="lt1"/>
+          </a:fontRef>
+        </p:style>
+        <p:txBody>
+          <a:bodyPr rtlCol="0" anchor="ctr"/>
+          <a:lstStyle/>
+          <a:p>
+            <a:pPr algn="ctr"/>
+            <a:r>
+              <a:rPr lang="it-IT" sz="1400" dirty="0">
+                <a:solidFill>
+                  <a:schemeClr val="tx1"/>
+                </a:solidFill>
+              </a:rPr>
+              <a:t>6</a:t>
+            </a:r>
+            <a:endParaRPr lang="it-IT" sz="1200" dirty="0">
+              <a:solidFill>
+                <a:schemeClr val="tx1"/>
+              </a:solidFill>
+            </a:endParaRPr>
+          </a:p>
+        </p:txBody>
+      </p:sp>
+      <p:sp>
+        <p:nvSpPr>
+          <p:cNvPr id="85" name="Rettangolo con angoli arrotondati 84">
+            <a:extLst>
+              <a:ext uri="{FF2B5EF4-FFF2-40B4-BE49-F238E27FC236}">
+                <a16:creationId xmlns:a16="http://schemas.microsoft.com/office/drawing/2014/main" id="{24E46A42-F4F3-4F24-939C-8F08DD046A96}"/>
+              </a:ext>
+            </a:extLst>
+          </p:cNvPr>
+          <p:cNvSpPr/>
+          <p:nvPr/>
+        </p:nvSpPr>
+        <p:spPr>
+          <a:xfrm>
+            <a:off x="7702630" y="2191417"/>
+            <a:ext cx="420129" cy="407773"/>
+          </a:xfrm>
+          <a:prstGeom prst="roundRect">
+            <a:avLst/>
+          </a:prstGeom>
+          <a:solidFill>
+            <a:srgbClr val="FF0000">
+              <a:alpha val="50196"/>
+            </a:srgbClr>
+          </a:solidFill>
+          <a:ln>
+            <a:solidFill>
+              <a:schemeClr val="tx1"/>
+            </a:solidFill>
+          </a:ln>
+        </p:spPr>
+        <p:style>
+          <a:lnRef idx="2">
+            <a:schemeClr val="accent1">
+              <a:shade val="50000"/>
+            </a:schemeClr>
+          </a:lnRef>
+          <a:fillRef idx="1">
+            <a:schemeClr val="accent1"/>
+          </a:fillRef>
+          <a:effectRef idx="0">
+            <a:schemeClr val="accent1"/>
+          </a:effectRef>
+          <a:fontRef idx="minor">
+            <a:schemeClr val="lt1"/>
+          </a:fontRef>
+        </p:style>
+        <p:txBody>
+          <a:bodyPr rtlCol="0" anchor="ctr"/>
+          <a:lstStyle/>
+          <a:p>
+            <a:pPr algn="ctr"/>
+            <a:r>
+              <a:rPr lang="it-IT" sz="1400" dirty="0">
+                <a:solidFill>
+                  <a:schemeClr val="tx1"/>
+                </a:solidFill>
+              </a:rPr>
+              <a:t>7</a:t>
+            </a:r>
+            <a:endParaRPr lang="it-IT" sz="1200" dirty="0">
+              <a:solidFill>
+                <a:schemeClr val="tx1"/>
+              </a:solidFill>
+            </a:endParaRPr>
+          </a:p>
+        </p:txBody>
+      </p:sp>
+      <p:sp>
+        <p:nvSpPr>
+          <p:cNvPr id="90" name="Rettangolo con angoli arrotondati 89">
+            <a:extLst>
+              <a:ext uri="{FF2B5EF4-FFF2-40B4-BE49-F238E27FC236}">
+                <a16:creationId xmlns:a16="http://schemas.microsoft.com/office/drawing/2014/main" id="{B601E75B-D968-4D5D-848B-D4AE161A78E6}"/>
+              </a:ext>
+            </a:extLst>
+          </p:cNvPr>
+          <p:cNvSpPr/>
+          <p:nvPr/>
+        </p:nvSpPr>
+        <p:spPr>
+          <a:xfrm>
+            <a:off x="4999393" y="4037771"/>
+            <a:ext cx="420129" cy="407773"/>
+          </a:xfrm>
+          <a:prstGeom prst="roundRect">
+            <a:avLst/>
+          </a:prstGeom>
+          <a:solidFill>
+            <a:srgbClr val="FF0000">
+              <a:alpha val="50196"/>
+            </a:srgbClr>
+          </a:solidFill>
+          <a:ln>
+            <a:solidFill>
+              <a:schemeClr val="tx1"/>
+            </a:solidFill>
+          </a:ln>
+        </p:spPr>
+        <p:style>
+          <a:lnRef idx="2">
+            <a:schemeClr val="accent1">
+              <a:shade val="50000"/>
+            </a:schemeClr>
+          </a:lnRef>
+          <a:fillRef idx="1">
+            <a:schemeClr val="accent1"/>
+          </a:fillRef>
+          <a:effectRef idx="0">
+            <a:schemeClr val="accent1"/>
+          </a:effectRef>
+          <a:fontRef idx="minor">
+            <a:schemeClr val="lt1"/>
+          </a:fontRef>
+        </p:style>
+        <p:txBody>
+          <a:bodyPr rtlCol="0" anchor="ctr"/>
+          <a:lstStyle/>
+          <a:p>
+            <a:pPr algn="ctr"/>
+            <a:r>
+              <a:rPr lang="it-IT" sz="1200" dirty="0">
+                <a:solidFill>
+                  <a:schemeClr val="tx1"/>
+                </a:solidFill>
+              </a:rPr>
+              <a:t>10</a:t>
+            </a:r>
+          </a:p>
+        </p:txBody>
+      </p:sp>
+      <p:pic>
+        <p:nvPicPr>
+          <p:cNvPr id="92" name="Immagine 91">
+            <a:extLst>
+              <a:ext uri="{FF2B5EF4-FFF2-40B4-BE49-F238E27FC236}">
+                <a16:creationId xmlns:a16="http://schemas.microsoft.com/office/drawing/2014/main" id="{42B015C6-09E8-4C4F-805F-31480B39EA4F}"/>
+              </a:ext>
+            </a:extLst>
+          </p:cNvPr>
+          <p:cNvPicPr>
+            <a:picLocks noChangeAspect="1"/>
+          </p:cNvPicPr>
+          <p:nvPr/>
+        </p:nvPicPr>
+        <p:blipFill>
+          <a:blip r:embed="rId13">
+            <a:extLst>
+              <a:ext uri="{28A0092B-C50C-407E-A947-70E740481C1C}">
+                <a14:useLocalDpi xmlns:a14="http://schemas.microsoft.com/office/drawing/2010/main" val="0"/>
+              </a:ext>
+            </a:extLst>
+          </a:blip>
+          <a:stretch>
+            <a:fillRect/>
+          </a:stretch>
+        </p:blipFill>
+        <p:spPr>
+          <a:xfrm>
+            <a:off x="5511197" y="4088289"/>
+            <a:ext cx="2700000" cy="1800000"/>
+          </a:xfrm>
+          <a:prstGeom prst="rect">
+            <a:avLst/>
+          </a:prstGeom>
+        </p:spPr>
+      </p:pic>
+      <p:sp>
+        <p:nvSpPr>
+          <p:cNvPr id="93" name="Rettangolo con angoli arrotondati 92">
+            <a:extLst>
+              <a:ext uri="{FF2B5EF4-FFF2-40B4-BE49-F238E27FC236}">
+                <a16:creationId xmlns:a16="http://schemas.microsoft.com/office/drawing/2014/main" id="{8B653414-8CB1-44E1-B501-F681DD03DA33}"/>
+              </a:ext>
+            </a:extLst>
+          </p:cNvPr>
+          <p:cNvSpPr/>
+          <p:nvPr/>
+        </p:nvSpPr>
+        <p:spPr>
+          <a:xfrm>
+            <a:off x="7713450" y="4037771"/>
+            <a:ext cx="420129" cy="407773"/>
+          </a:xfrm>
+          <a:prstGeom prst="roundRect">
+            <a:avLst/>
+          </a:prstGeom>
+          <a:solidFill>
+            <a:srgbClr val="FF0000">
+              <a:alpha val="50196"/>
+            </a:srgbClr>
+          </a:solidFill>
+          <a:ln>
+            <a:solidFill>
+              <a:schemeClr val="tx1"/>
+            </a:solidFill>
+          </a:ln>
+        </p:spPr>
+        <p:style>
+          <a:lnRef idx="2">
+            <a:schemeClr val="accent1">
+              <a:shade val="50000"/>
+            </a:schemeClr>
+          </a:lnRef>
+          <a:fillRef idx="1">
+            <a:schemeClr val="accent1"/>
+          </a:fillRef>
+          <a:effectRef idx="0">
+            <a:schemeClr val="accent1"/>
+          </a:effectRef>
+          <a:fontRef idx="minor">
+            <a:schemeClr val="lt1"/>
+          </a:fontRef>
+        </p:style>
+        <p:txBody>
+          <a:bodyPr rtlCol="0" anchor="ctr"/>
+          <a:lstStyle/>
+          <a:p>
+            <a:pPr algn="ctr"/>
+            <a:r>
+              <a:rPr lang="it-IT" sz="1200" dirty="0">
+                <a:solidFill>
+                  <a:schemeClr val="tx1"/>
+                </a:solidFill>
+              </a:rPr>
+              <a:t>11</a:t>
+            </a:r>
+          </a:p>
+        </p:txBody>
+      </p:sp>
+      <p:sp>
+        <p:nvSpPr>
+          <p:cNvPr id="94" name="Rettangolo con angoli arrotondati 93">
+            <a:extLst>
+              <a:ext uri="{FF2B5EF4-FFF2-40B4-BE49-F238E27FC236}">
+                <a16:creationId xmlns:a16="http://schemas.microsoft.com/office/drawing/2014/main" id="{28E879A5-39DF-4424-81B2-03E1E5DE0111}"/>
+              </a:ext>
+            </a:extLst>
+          </p:cNvPr>
+          <p:cNvSpPr/>
+          <p:nvPr/>
+        </p:nvSpPr>
+        <p:spPr>
+          <a:xfrm>
+            <a:off x="10379482" y="2191417"/>
+            <a:ext cx="420129" cy="407773"/>
+          </a:xfrm>
+          <a:prstGeom prst="roundRect">
+            <a:avLst/>
+          </a:prstGeom>
+          <a:solidFill>
+            <a:srgbClr val="FF0000">
+              <a:alpha val="50196"/>
+            </a:srgbClr>
+          </a:solidFill>
+          <a:ln>
+            <a:solidFill>
+              <a:schemeClr val="tx1"/>
+            </a:solidFill>
+          </a:ln>
+        </p:spPr>
+        <p:style>
+          <a:lnRef idx="2">
+            <a:schemeClr val="accent1">
+              <a:shade val="50000"/>
+            </a:schemeClr>
+          </a:lnRef>
+          <a:fillRef idx="1">
+            <a:schemeClr val="accent1"/>
+          </a:fillRef>
+          <a:effectRef idx="0">
+            <a:schemeClr val="accent1"/>
+          </a:effectRef>
+          <a:fontRef idx="minor">
+            <a:schemeClr val="lt1"/>
+          </a:fontRef>
+        </p:style>
+        <p:txBody>
+          <a:bodyPr rtlCol="0" anchor="ctr"/>
+          <a:lstStyle/>
+          <a:p>
+            <a:pPr algn="ctr"/>
+            <a:r>
+              <a:rPr lang="it-IT" sz="1400" dirty="0">
+                <a:solidFill>
+                  <a:schemeClr val="tx1"/>
+                </a:solidFill>
+              </a:rPr>
+              <a:t>8</a:t>
+            </a:r>
+            <a:endParaRPr lang="it-IT" sz="1200" dirty="0">
+              <a:solidFill>
+                <a:schemeClr val="tx1"/>
+              </a:solidFill>
+            </a:endParaRPr>
+          </a:p>
+        </p:txBody>
+      </p:sp>
+      <p:sp>
+        <p:nvSpPr>
+          <p:cNvPr id="101" name="Rettangolo con angoli arrotondati 100">
+            <a:extLst>
+              <a:ext uri="{FF2B5EF4-FFF2-40B4-BE49-F238E27FC236}">
+                <a16:creationId xmlns:a16="http://schemas.microsoft.com/office/drawing/2014/main" id="{3954D80E-5AF2-4D2B-83D5-7F44CFBFDB39}"/>
+              </a:ext>
+            </a:extLst>
+          </p:cNvPr>
+          <p:cNvSpPr/>
+          <p:nvPr/>
+        </p:nvSpPr>
+        <p:spPr>
+          <a:xfrm>
+            <a:off x="2299393" y="4038861"/>
+            <a:ext cx="420129" cy="407773"/>
+          </a:xfrm>
+          <a:prstGeom prst="roundRect">
+            <a:avLst/>
+          </a:prstGeom>
+          <a:solidFill>
+            <a:srgbClr val="FF0000">
+              <a:alpha val="50196"/>
+            </a:srgbClr>
+          </a:solidFill>
+          <a:ln>
+            <a:solidFill>
+              <a:schemeClr val="tx1"/>
+            </a:solidFill>
+          </a:ln>
+        </p:spPr>
+        <p:style>
+          <a:lnRef idx="2">
+            <a:schemeClr val="accent1">
+              <a:shade val="50000"/>
+            </a:schemeClr>
+          </a:lnRef>
+          <a:fillRef idx="1">
+            <a:schemeClr val="accent1"/>
+          </a:fillRef>
+          <a:effectRef idx="0">
+            <a:schemeClr val="accent1"/>
+          </a:effectRef>
+          <a:fontRef idx="minor">
+            <a:schemeClr val="lt1"/>
+          </a:fontRef>
+        </p:style>
+        <p:txBody>
+          <a:bodyPr rtlCol="0" anchor="ctr"/>
+          <a:lstStyle/>
+          <a:p>
+            <a:pPr algn="ctr"/>
+            <a:r>
+              <a:rPr lang="it-IT" sz="1200" dirty="0">
+                <a:solidFill>
+                  <a:schemeClr val="tx1"/>
+                </a:solidFill>
+              </a:rPr>
+              <a:t>9</a:t>
+            </a:r>
+          </a:p>
+        </p:txBody>
+      </p:sp>
+    </p:spTree>
+    <p:extLst>
+      <p:ext uri="{BB962C8B-B14F-4D97-AF65-F5344CB8AC3E}">
+        <p14:creationId xmlns:p14="http://schemas.microsoft.com/office/powerpoint/2010/main" val="1317942680"/>
+      </p:ext>
+    </p:extLst>
+  </p:cSld>
+  <p:clrMapOvr>
+    <a:masterClrMapping/>
+  </p:clrMapOvr>
+</p:sld>
+</file>
+
+<file path=ppt/slides/slide14.xml><?xml version="1.0" encoding="utf-8"?>
+<p:sld xmlns:a="http://schemas.openxmlformats.org/drawingml/2006/main" xmlns:r="http://schemas.openxmlformats.org/officeDocument/2006/relationships" xmlns:p="http://schemas.openxmlformats.org/presentationml/2006/main">
+  <p:cSld>
+    <p:spTree>
+      <p:nvGrpSpPr>
+        <p:cNvPr id="1" name=""/>
+        <p:cNvGrpSpPr/>
+        <p:nvPr/>
+      </p:nvGrpSpPr>
+      <p:grpSpPr>
+        <a:xfrm>
+          <a:off x="0" y="0"/>
+          <a:ext cx="0" cy="0"/>
+          <a:chOff x="0" y="0"/>
+          <a:chExt cx="0" cy="0"/>
+        </a:xfrm>
+      </p:grpSpPr>
+      <p:pic>
+        <p:nvPicPr>
+          <p:cNvPr id="3" name="Immagine 2">
+            <a:extLst>
+              <a:ext uri="{FF2B5EF4-FFF2-40B4-BE49-F238E27FC236}">
+                <a16:creationId xmlns:a16="http://schemas.microsoft.com/office/drawing/2014/main" id="{310D64EE-F4C6-49AF-8EF4-E889ED9AF37F}"/>
+              </a:ext>
+            </a:extLst>
+          </p:cNvPr>
+          <p:cNvPicPr>
+            <a:picLocks noChangeAspect="1"/>
+          </p:cNvPicPr>
+          <p:nvPr/>
+        </p:nvPicPr>
+        <p:blipFill>
+          <a:blip r:embed="rId2">
+            <a:extLst>
+              <a:ext uri="{28A0092B-C50C-407E-A947-70E740481C1C}">
+                <a14:useLocalDpi xmlns:a14="http://schemas.microsoft.com/office/drawing/2010/main" val="0"/>
+              </a:ext>
+            </a:extLst>
+          </a:blip>
+          <a:stretch>
+            <a:fillRect/>
+          </a:stretch>
+        </p:blipFill>
+        <p:spPr>
+          <a:xfrm>
+            <a:off x="952500" y="0"/>
+            <a:ext cx="10287000" cy="6858000"/>
+          </a:xfrm>
+          <a:prstGeom prst="rect">
+            <a:avLst/>
+          </a:prstGeom>
+        </p:spPr>
+      </p:pic>
+      <p:sp>
+        <p:nvSpPr>
+          <p:cNvPr id="8" name="Ovale 7">
+            <a:extLst>
+              <a:ext uri="{FF2B5EF4-FFF2-40B4-BE49-F238E27FC236}">
+                <a16:creationId xmlns:a16="http://schemas.microsoft.com/office/drawing/2014/main" id="{57BF5D35-C8D0-4353-8FA0-B4AC0332B8CA}"/>
+              </a:ext>
+            </a:extLst>
+          </p:cNvPr>
+          <p:cNvSpPr/>
+          <p:nvPr/>
+        </p:nvSpPr>
+        <p:spPr>
+          <a:xfrm>
+            <a:off x="2997516" y="4497860"/>
+            <a:ext cx="185351" cy="197708"/>
+          </a:xfrm>
+          <a:prstGeom prst="ellipse">
+            <a:avLst/>
+          </a:prstGeom>
+          <a:solidFill>
+            <a:srgbClr val="FF0000">
+              <a:alpha val="50196"/>
+            </a:srgbClr>
+          </a:solidFill>
+        </p:spPr>
+        <p:style>
+          <a:lnRef idx="2">
+            <a:schemeClr val="accent1">
+              <a:shade val="50000"/>
+            </a:schemeClr>
+          </a:lnRef>
+          <a:fillRef idx="1">
+            <a:schemeClr val="accent1"/>
+          </a:fillRef>
+          <a:effectRef idx="0">
+            <a:schemeClr val="accent1"/>
+          </a:effectRef>
+          <a:fontRef idx="minor">
+            <a:schemeClr val="lt1"/>
+          </a:fontRef>
+        </p:style>
+        <p:txBody>
+          <a:bodyPr rtlCol="0" anchor="ctr"/>
+          <a:lstStyle/>
+          <a:p>
+            <a:pPr algn="ctr"/>
+            <a:endParaRPr lang="it-IT"/>
+          </a:p>
+        </p:txBody>
+      </p:sp>
+      <p:sp>
+        <p:nvSpPr>
+          <p:cNvPr id="10" name="CasellaDiTesto 9">
+            <a:extLst>
+              <a:ext uri="{FF2B5EF4-FFF2-40B4-BE49-F238E27FC236}">
+                <a16:creationId xmlns:a16="http://schemas.microsoft.com/office/drawing/2014/main" id="{E4CC30AF-D8D8-4DF8-BCB2-B372AB6BE160}"/>
+              </a:ext>
+            </a:extLst>
+          </p:cNvPr>
+          <p:cNvSpPr txBox="1"/>
+          <p:nvPr/>
+        </p:nvSpPr>
+        <p:spPr>
+          <a:xfrm>
+            <a:off x="2918965" y="4022124"/>
+            <a:ext cx="367408" cy="523220"/>
+          </a:xfrm>
+          <a:prstGeom prst="rect">
+            <a:avLst/>
+          </a:prstGeom>
+          <a:noFill/>
+        </p:spPr>
+        <p:txBody>
+          <a:bodyPr wrap="none" rtlCol="0">
+            <a:spAutoFit/>
+          </a:bodyPr>
+          <a:lstStyle/>
+          <a:p>
+            <a:r>
+              <a:rPr lang="it-IT" sz="2800" dirty="0"/>
+              <a:t>1</a:t>
+            </a:r>
+          </a:p>
+        </p:txBody>
+      </p:sp>
+      <p:sp>
+        <p:nvSpPr>
+          <p:cNvPr id="11" name="CasellaDiTesto 10">
+            <a:extLst>
+              <a:ext uri="{FF2B5EF4-FFF2-40B4-BE49-F238E27FC236}">
+                <a16:creationId xmlns:a16="http://schemas.microsoft.com/office/drawing/2014/main" id="{F73F5D0D-E6D0-4AF1-AB6E-E4BAE492F062}"/>
+              </a:ext>
+            </a:extLst>
+          </p:cNvPr>
+          <p:cNvSpPr txBox="1"/>
+          <p:nvPr/>
+        </p:nvSpPr>
+        <p:spPr>
+          <a:xfrm>
+            <a:off x="3975281" y="3365842"/>
+            <a:ext cx="367408" cy="523220"/>
+          </a:xfrm>
+          <a:prstGeom prst="rect">
+            <a:avLst/>
+          </a:prstGeom>
+          <a:noFill/>
+        </p:spPr>
+        <p:txBody>
+          <a:bodyPr wrap="none" rtlCol="0">
+            <a:spAutoFit/>
+          </a:bodyPr>
+          <a:lstStyle/>
+          <a:p>
+            <a:r>
+              <a:rPr lang="it-IT" sz="2800" dirty="0"/>
+              <a:t>2</a:t>
+            </a:r>
+          </a:p>
+        </p:txBody>
+      </p:sp>
+      <p:sp>
+        <p:nvSpPr>
+          <p:cNvPr id="12" name="Ovale 11">
+            <a:extLst>
+              <a:ext uri="{FF2B5EF4-FFF2-40B4-BE49-F238E27FC236}">
+                <a16:creationId xmlns:a16="http://schemas.microsoft.com/office/drawing/2014/main" id="{07A93A18-49DA-47FA-A1A9-4B4586BE2AAC}"/>
+              </a:ext>
+            </a:extLst>
+          </p:cNvPr>
+          <p:cNvSpPr/>
+          <p:nvPr/>
+        </p:nvSpPr>
+        <p:spPr>
+          <a:xfrm>
+            <a:off x="4068934" y="3824416"/>
+            <a:ext cx="185351" cy="197708"/>
+          </a:xfrm>
+          <a:prstGeom prst="ellipse">
+            <a:avLst/>
+          </a:prstGeom>
+          <a:solidFill>
+            <a:srgbClr val="FF0000">
+              <a:alpha val="50196"/>
+            </a:srgbClr>
+          </a:solidFill>
+        </p:spPr>
+        <p:style>
+          <a:lnRef idx="2">
+            <a:schemeClr val="accent1">
+              <a:shade val="50000"/>
+            </a:schemeClr>
+          </a:lnRef>
+          <a:fillRef idx="1">
+            <a:schemeClr val="accent1"/>
+          </a:fillRef>
+          <a:effectRef idx="0">
+            <a:schemeClr val="accent1"/>
+          </a:effectRef>
+          <a:fontRef idx="minor">
+            <a:schemeClr val="lt1"/>
+          </a:fontRef>
+        </p:style>
+        <p:txBody>
+          <a:bodyPr rtlCol="0" anchor="ctr"/>
+          <a:lstStyle/>
+          <a:p>
+            <a:pPr algn="ctr"/>
+            <a:endParaRPr lang="it-IT"/>
+          </a:p>
+        </p:txBody>
+      </p:sp>
+      <p:sp>
+        <p:nvSpPr>
+          <p:cNvPr id="13" name="Ovale 12">
+            <a:extLst>
+              <a:ext uri="{FF2B5EF4-FFF2-40B4-BE49-F238E27FC236}">
+                <a16:creationId xmlns:a16="http://schemas.microsoft.com/office/drawing/2014/main" id="{BD26BBBB-B248-4B79-BE95-57FFEC1B3B3D}"/>
+              </a:ext>
+            </a:extLst>
+          </p:cNvPr>
+          <p:cNvSpPr/>
+          <p:nvPr/>
+        </p:nvSpPr>
+        <p:spPr>
+          <a:xfrm>
+            <a:off x="4373235" y="4977713"/>
+            <a:ext cx="185351" cy="197708"/>
+          </a:xfrm>
+          <a:prstGeom prst="ellipse">
+            <a:avLst/>
+          </a:prstGeom>
+          <a:solidFill>
+            <a:srgbClr val="FF0000">
+              <a:alpha val="50196"/>
+            </a:srgbClr>
+          </a:solidFill>
+        </p:spPr>
+        <p:style>
+          <a:lnRef idx="2">
+            <a:schemeClr val="accent1">
+              <a:shade val="50000"/>
+            </a:schemeClr>
+          </a:lnRef>
+          <a:fillRef idx="1">
+            <a:schemeClr val="accent1"/>
+          </a:fillRef>
+          <a:effectRef idx="0">
+            <a:schemeClr val="accent1"/>
+          </a:effectRef>
+          <a:fontRef idx="minor">
+            <a:schemeClr val="lt1"/>
+          </a:fontRef>
+        </p:style>
+        <p:txBody>
+          <a:bodyPr rtlCol="0" anchor="ctr"/>
+          <a:lstStyle/>
+          <a:p>
+            <a:pPr algn="ctr"/>
+            <a:endParaRPr lang="it-IT"/>
+          </a:p>
+        </p:txBody>
+      </p:sp>
+      <p:sp>
+        <p:nvSpPr>
+          <p:cNvPr id="15" name="Ovale 14">
+            <a:extLst>
+              <a:ext uri="{FF2B5EF4-FFF2-40B4-BE49-F238E27FC236}">
+                <a16:creationId xmlns:a16="http://schemas.microsoft.com/office/drawing/2014/main" id="{482395B3-44F8-4813-8622-61C4308C8348}"/>
+              </a:ext>
+            </a:extLst>
+          </p:cNvPr>
+          <p:cNvSpPr/>
+          <p:nvPr/>
+        </p:nvSpPr>
+        <p:spPr>
+          <a:xfrm>
+            <a:off x="4785127" y="2861960"/>
+            <a:ext cx="639489" cy="369332"/>
+          </a:xfrm>
+          <a:prstGeom prst="ellipse">
+            <a:avLst/>
+          </a:prstGeom>
+          <a:solidFill>
+            <a:srgbClr val="FF0000">
+              <a:alpha val="50196"/>
+            </a:srgbClr>
+          </a:solidFill>
+        </p:spPr>
+        <p:style>
+          <a:lnRef idx="2">
+            <a:schemeClr val="accent1">
+              <a:shade val="50000"/>
+            </a:schemeClr>
+          </a:lnRef>
+          <a:fillRef idx="1">
+            <a:schemeClr val="accent1"/>
+          </a:fillRef>
+          <a:effectRef idx="0">
+            <a:schemeClr val="accent1"/>
+          </a:effectRef>
+          <a:fontRef idx="minor">
+            <a:schemeClr val="lt1"/>
+          </a:fontRef>
+        </p:style>
+        <p:txBody>
+          <a:bodyPr rtlCol="0" anchor="ctr"/>
+          <a:lstStyle/>
+          <a:p>
+            <a:pPr algn="ctr"/>
+            <a:endParaRPr lang="it-IT"/>
+          </a:p>
+        </p:txBody>
+      </p:sp>
+      <p:sp>
+        <p:nvSpPr>
+          <p:cNvPr id="16" name="Ovale 15">
+            <a:extLst>
+              <a:ext uri="{FF2B5EF4-FFF2-40B4-BE49-F238E27FC236}">
+                <a16:creationId xmlns:a16="http://schemas.microsoft.com/office/drawing/2014/main" id="{65FC01CF-2022-4F09-B244-B5A3AB5E5C24}"/>
+              </a:ext>
+            </a:extLst>
+          </p:cNvPr>
+          <p:cNvSpPr/>
+          <p:nvPr/>
+        </p:nvSpPr>
+        <p:spPr>
+          <a:xfrm>
+            <a:off x="5625388" y="1155356"/>
+            <a:ext cx="185351" cy="197708"/>
+          </a:xfrm>
+          <a:prstGeom prst="ellipse">
+            <a:avLst/>
+          </a:prstGeom>
+          <a:solidFill>
+            <a:srgbClr val="FF0000">
+              <a:alpha val="50196"/>
+            </a:srgbClr>
+          </a:solidFill>
+        </p:spPr>
+        <p:style>
+          <a:lnRef idx="2">
+            <a:schemeClr val="accent1">
+              <a:shade val="50000"/>
+            </a:schemeClr>
+          </a:lnRef>
+          <a:fillRef idx="1">
+            <a:schemeClr val="accent1"/>
+          </a:fillRef>
+          <a:effectRef idx="0">
+            <a:schemeClr val="accent1"/>
+          </a:effectRef>
+          <a:fontRef idx="minor">
+            <a:schemeClr val="lt1"/>
+          </a:fontRef>
+        </p:style>
+        <p:txBody>
+          <a:bodyPr rtlCol="0" anchor="ctr"/>
+          <a:lstStyle/>
+          <a:p>
+            <a:pPr algn="ctr"/>
+            <a:endParaRPr lang="it-IT"/>
+          </a:p>
+        </p:txBody>
+      </p:sp>
+      <p:sp>
+        <p:nvSpPr>
+          <p:cNvPr id="17" name="Ovale 16">
+            <a:extLst>
+              <a:ext uri="{FF2B5EF4-FFF2-40B4-BE49-F238E27FC236}">
+                <a16:creationId xmlns:a16="http://schemas.microsoft.com/office/drawing/2014/main" id="{8B7D32E4-98DF-4CF1-A4BB-52B649F6B789}"/>
+              </a:ext>
+            </a:extLst>
+          </p:cNvPr>
+          <p:cNvSpPr/>
+          <p:nvPr/>
+        </p:nvSpPr>
+        <p:spPr>
+          <a:xfrm>
+            <a:off x="6870357" y="786025"/>
+            <a:ext cx="707397" cy="553997"/>
+          </a:xfrm>
+          <a:prstGeom prst="ellipse">
+            <a:avLst/>
+          </a:prstGeom>
+          <a:solidFill>
+            <a:srgbClr val="FF0000">
+              <a:alpha val="50196"/>
+            </a:srgbClr>
+          </a:solidFill>
+        </p:spPr>
+        <p:style>
+          <a:lnRef idx="2">
+            <a:schemeClr val="accent1">
+              <a:shade val="50000"/>
+            </a:schemeClr>
+          </a:lnRef>
+          <a:fillRef idx="1">
+            <a:schemeClr val="accent1"/>
+          </a:fillRef>
+          <a:effectRef idx="0">
+            <a:schemeClr val="accent1"/>
+          </a:effectRef>
+          <a:fontRef idx="minor">
+            <a:schemeClr val="lt1"/>
+          </a:fontRef>
+        </p:style>
+        <p:txBody>
+          <a:bodyPr rtlCol="0" anchor="ctr"/>
+          <a:lstStyle/>
+          <a:p>
+            <a:pPr algn="ctr"/>
+            <a:endParaRPr lang="it-IT"/>
+          </a:p>
+        </p:txBody>
+      </p:sp>
+      <p:sp>
+        <p:nvSpPr>
+          <p:cNvPr id="18" name="Ovale 17">
+            <a:extLst>
+              <a:ext uri="{FF2B5EF4-FFF2-40B4-BE49-F238E27FC236}">
+                <a16:creationId xmlns:a16="http://schemas.microsoft.com/office/drawing/2014/main" id="{A4596EC6-229E-4B42-A59A-A4D461D2BEA0}"/>
+              </a:ext>
+            </a:extLst>
+          </p:cNvPr>
+          <p:cNvSpPr/>
+          <p:nvPr/>
+        </p:nvSpPr>
+        <p:spPr>
+          <a:xfrm>
+            <a:off x="7493818" y="3923270"/>
+            <a:ext cx="840259" cy="740034"/>
+          </a:xfrm>
+          <a:prstGeom prst="ellipse">
+            <a:avLst/>
+          </a:prstGeom>
+          <a:solidFill>
+            <a:srgbClr val="FF0000">
+              <a:alpha val="50196"/>
+            </a:srgbClr>
+          </a:solidFill>
+        </p:spPr>
+        <p:style>
+          <a:lnRef idx="2">
+            <a:schemeClr val="accent1">
+              <a:shade val="50000"/>
+            </a:schemeClr>
+          </a:lnRef>
+          <a:fillRef idx="1">
+            <a:schemeClr val="accent1"/>
+          </a:fillRef>
+          <a:effectRef idx="0">
+            <a:schemeClr val="accent1"/>
+          </a:effectRef>
+          <a:fontRef idx="minor">
+            <a:schemeClr val="lt1"/>
+          </a:fontRef>
+        </p:style>
+        <p:txBody>
+          <a:bodyPr rtlCol="0" anchor="ctr"/>
+          <a:lstStyle/>
+          <a:p>
+            <a:pPr algn="ctr"/>
+            <a:endParaRPr lang="it-IT"/>
+          </a:p>
+        </p:txBody>
+      </p:sp>
+      <p:sp>
+        <p:nvSpPr>
+          <p:cNvPr id="20" name="Ovale 19">
+            <a:extLst>
+              <a:ext uri="{FF2B5EF4-FFF2-40B4-BE49-F238E27FC236}">
+                <a16:creationId xmlns:a16="http://schemas.microsoft.com/office/drawing/2014/main" id="{722C6EA7-95FF-4958-ACC3-B19B508F902B}"/>
+              </a:ext>
+            </a:extLst>
+          </p:cNvPr>
+          <p:cNvSpPr/>
+          <p:nvPr/>
+        </p:nvSpPr>
+        <p:spPr>
+          <a:xfrm>
+            <a:off x="8405657" y="5261233"/>
+            <a:ext cx="185351" cy="197708"/>
+          </a:xfrm>
+          <a:prstGeom prst="ellipse">
+            <a:avLst/>
+          </a:prstGeom>
+          <a:solidFill>
+            <a:srgbClr val="FF0000">
+              <a:alpha val="50196"/>
+            </a:srgbClr>
+          </a:solidFill>
+        </p:spPr>
+        <p:style>
+          <a:lnRef idx="2">
+            <a:schemeClr val="accent1">
+              <a:shade val="50000"/>
+            </a:schemeClr>
+          </a:lnRef>
+          <a:fillRef idx="1">
+            <a:schemeClr val="accent1"/>
+          </a:fillRef>
+          <a:effectRef idx="0">
+            <a:schemeClr val="accent1"/>
+          </a:effectRef>
+          <a:fontRef idx="minor">
+            <a:schemeClr val="lt1"/>
+          </a:fontRef>
+        </p:style>
+        <p:txBody>
+          <a:bodyPr rtlCol="0" anchor="ctr"/>
+          <a:lstStyle/>
+          <a:p>
+            <a:pPr algn="ctr"/>
+            <a:endParaRPr lang="it-IT"/>
+          </a:p>
+        </p:txBody>
+      </p:sp>
+      <p:sp>
+        <p:nvSpPr>
+          <p:cNvPr id="26" name="Ovale 25">
+            <a:extLst>
+              <a:ext uri="{FF2B5EF4-FFF2-40B4-BE49-F238E27FC236}">
+                <a16:creationId xmlns:a16="http://schemas.microsoft.com/office/drawing/2014/main" id="{2884126A-0C09-456F-9502-C0E984FBCF00}"/>
+              </a:ext>
+            </a:extLst>
+          </p:cNvPr>
+          <p:cNvSpPr/>
+          <p:nvPr/>
+        </p:nvSpPr>
+        <p:spPr>
+          <a:xfrm>
+            <a:off x="8755765" y="4194433"/>
+            <a:ext cx="185351" cy="197708"/>
+          </a:xfrm>
+          <a:prstGeom prst="ellipse">
+            <a:avLst/>
+          </a:prstGeom>
+          <a:solidFill>
+            <a:srgbClr val="FF0000">
+              <a:alpha val="50196"/>
+            </a:srgbClr>
+          </a:solidFill>
+        </p:spPr>
+        <p:style>
+          <a:lnRef idx="2">
+            <a:schemeClr val="accent1">
+              <a:shade val="50000"/>
+            </a:schemeClr>
+          </a:lnRef>
+          <a:fillRef idx="1">
+            <a:schemeClr val="accent1"/>
+          </a:fillRef>
+          <a:effectRef idx="0">
+            <a:schemeClr val="accent1"/>
+          </a:effectRef>
+          <a:fontRef idx="minor">
+            <a:schemeClr val="lt1"/>
+          </a:fontRef>
+        </p:style>
+        <p:txBody>
+          <a:bodyPr rtlCol="0" anchor="ctr"/>
+          <a:lstStyle/>
+          <a:p>
+            <a:pPr algn="ctr"/>
+            <a:endParaRPr lang="it-IT"/>
+          </a:p>
+        </p:txBody>
+      </p:sp>
+      <p:sp>
+        <p:nvSpPr>
+          <p:cNvPr id="30" name="Ovale 29">
+            <a:extLst>
+              <a:ext uri="{FF2B5EF4-FFF2-40B4-BE49-F238E27FC236}">
+                <a16:creationId xmlns:a16="http://schemas.microsoft.com/office/drawing/2014/main" id="{BE099F04-14EF-4C41-9991-A79B7234429F}"/>
+              </a:ext>
+            </a:extLst>
+          </p:cNvPr>
+          <p:cNvSpPr/>
+          <p:nvPr/>
+        </p:nvSpPr>
+        <p:spPr>
+          <a:xfrm>
+            <a:off x="9631509" y="4564450"/>
+            <a:ext cx="185351" cy="197708"/>
+          </a:xfrm>
+          <a:prstGeom prst="ellipse">
+            <a:avLst/>
+          </a:prstGeom>
+          <a:solidFill>
+            <a:srgbClr val="FF0000">
+              <a:alpha val="50196"/>
+            </a:srgbClr>
+          </a:solidFill>
+        </p:spPr>
+        <p:style>
+          <a:lnRef idx="2">
+            <a:schemeClr val="accent1">
+              <a:shade val="50000"/>
+            </a:schemeClr>
+          </a:lnRef>
+          <a:fillRef idx="1">
+            <a:schemeClr val="accent1"/>
+          </a:fillRef>
+          <a:effectRef idx="0">
+            <a:schemeClr val="accent1"/>
+          </a:effectRef>
+          <a:fontRef idx="minor">
+            <a:schemeClr val="lt1"/>
+          </a:fontRef>
+        </p:style>
+        <p:txBody>
+          <a:bodyPr rtlCol="0" anchor="ctr"/>
+          <a:lstStyle/>
+          <a:p>
+            <a:pPr algn="ctr"/>
+            <a:endParaRPr lang="it-IT"/>
+          </a:p>
+        </p:txBody>
+      </p:sp>
+      <p:sp>
+        <p:nvSpPr>
+          <p:cNvPr id="32" name="CasellaDiTesto 31">
+            <a:extLst>
+              <a:ext uri="{FF2B5EF4-FFF2-40B4-BE49-F238E27FC236}">
+                <a16:creationId xmlns:a16="http://schemas.microsoft.com/office/drawing/2014/main" id="{997579BA-966A-486D-8071-FA10390E17B7}"/>
+              </a:ext>
+            </a:extLst>
+          </p:cNvPr>
+          <p:cNvSpPr txBox="1"/>
+          <p:nvPr/>
+        </p:nvSpPr>
+        <p:spPr>
+          <a:xfrm>
+            <a:off x="4282206" y="5110262"/>
+            <a:ext cx="367408" cy="523220"/>
+          </a:xfrm>
+          <a:prstGeom prst="rect">
+            <a:avLst/>
+          </a:prstGeom>
+          <a:noFill/>
+        </p:spPr>
+        <p:txBody>
+          <a:bodyPr wrap="none" rtlCol="0">
+            <a:spAutoFit/>
+          </a:bodyPr>
+          <a:lstStyle/>
+          <a:p>
+            <a:r>
+              <a:rPr lang="it-IT" sz="2800" dirty="0"/>
+              <a:t>3</a:t>
+            </a:r>
+          </a:p>
+        </p:txBody>
+      </p:sp>
+      <p:sp>
+        <p:nvSpPr>
+          <p:cNvPr id="33" name="CasellaDiTesto 32">
+            <a:extLst>
+              <a:ext uri="{FF2B5EF4-FFF2-40B4-BE49-F238E27FC236}">
+                <a16:creationId xmlns:a16="http://schemas.microsoft.com/office/drawing/2014/main" id="{9ECDC8F3-E799-46A3-BCC6-42B6E9D4BB61}"/>
+              </a:ext>
+            </a:extLst>
+          </p:cNvPr>
+          <p:cNvSpPr txBox="1"/>
+          <p:nvPr/>
+        </p:nvSpPr>
+        <p:spPr>
+          <a:xfrm>
+            <a:off x="5534359" y="2785016"/>
+            <a:ext cx="367408" cy="523220"/>
+          </a:xfrm>
+          <a:prstGeom prst="rect">
+            <a:avLst/>
+          </a:prstGeom>
+          <a:noFill/>
+        </p:spPr>
+        <p:txBody>
+          <a:bodyPr wrap="none" rtlCol="0">
+            <a:spAutoFit/>
+          </a:bodyPr>
+          <a:lstStyle/>
+          <a:p>
+            <a:r>
+              <a:rPr lang="it-IT" sz="2800" dirty="0"/>
+              <a:t>4</a:t>
+            </a:r>
+          </a:p>
+        </p:txBody>
+      </p:sp>
+      <p:sp>
+        <p:nvSpPr>
+          <p:cNvPr id="34" name="CasellaDiTesto 33">
+            <a:extLst>
+              <a:ext uri="{FF2B5EF4-FFF2-40B4-BE49-F238E27FC236}">
+                <a16:creationId xmlns:a16="http://schemas.microsoft.com/office/drawing/2014/main" id="{4022A1C6-C577-4285-97A2-DBFF2B5F0EB6}"/>
+              </a:ext>
+            </a:extLst>
+          </p:cNvPr>
+          <p:cNvSpPr txBox="1"/>
+          <p:nvPr/>
+        </p:nvSpPr>
+        <p:spPr>
+          <a:xfrm>
+            <a:off x="5715181" y="1286270"/>
+            <a:ext cx="367408" cy="523220"/>
+          </a:xfrm>
+          <a:prstGeom prst="rect">
+            <a:avLst/>
+          </a:prstGeom>
+          <a:noFill/>
+        </p:spPr>
+        <p:txBody>
+          <a:bodyPr wrap="none" rtlCol="0">
+            <a:spAutoFit/>
+          </a:bodyPr>
+          <a:lstStyle/>
+          <a:p>
+            <a:r>
+              <a:rPr lang="it-IT" sz="2800" dirty="0"/>
+              <a:t>5</a:t>
+            </a:r>
+          </a:p>
+        </p:txBody>
+      </p:sp>
+      <p:sp>
+        <p:nvSpPr>
+          <p:cNvPr id="35" name="CasellaDiTesto 34">
+            <a:extLst>
+              <a:ext uri="{FF2B5EF4-FFF2-40B4-BE49-F238E27FC236}">
+                <a16:creationId xmlns:a16="http://schemas.microsoft.com/office/drawing/2014/main" id="{0BA4DF40-97F1-4781-9292-85C7052208DD}"/>
+              </a:ext>
+            </a:extLst>
+          </p:cNvPr>
+          <p:cNvSpPr txBox="1"/>
+          <p:nvPr/>
+        </p:nvSpPr>
+        <p:spPr>
+          <a:xfrm>
+            <a:off x="7577754" y="831904"/>
+            <a:ext cx="367408" cy="523220"/>
+          </a:xfrm>
+          <a:prstGeom prst="rect">
+            <a:avLst/>
+          </a:prstGeom>
+          <a:noFill/>
+        </p:spPr>
+        <p:txBody>
+          <a:bodyPr wrap="none" rtlCol="0">
+            <a:spAutoFit/>
+          </a:bodyPr>
+          <a:lstStyle/>
+          <a:p>
+            <a:r>
+              <a:rPr lang="it-IT" sz="2800" dirty="0"/>
+              <a:t>6</a:t>
+            </a:r>
+          </a:p>
+        </p:txBody>
+      </p:sp>
+      <p:sp>
+        <p:nvSpPr>
+          <p:cNvPr id="36" name="CasellaDiTesto 35">
+            <a:extLst>
+              <a:ext uri="{FF2B5EF4-FFF2-40B4-BE49-F238E27FC236}">
+                <a16:creationId xmlns:a16="http://schemas.microsoft.com/office/drawing/2014/main" id="{AE2BC232-32D5-4D9B-8AC3-B313E3589DB5}"/>
+              </a:ext>
+            </a:extLst>
+          </p:cNvPr>
+          <p:cNvSpPr txBox="1"/>
+          <p:nvPr/>
+        </p:nvSpPr>
+        <p:spPr>
+          <a:xfrm>
+            <a:off x="7587527" y="2190461"/>
+            <a:ext cx="367408" cy="523220"/>
+          </a:xfrm>
+          <a:prstGeom prst="rect">
+            <a:avLst/>
+          </a:prstGeom>
+          <a:noFill/>
+        </p:spPr>
+        <p:txBody>
+          <a:bodyPr wrap="square" rtlCol="0">
+            <a:spAutoFit/>
+          </a:bodyPr>
+          <a:lstStyle/>
+          <a:p>
+            <a:r>
+              <a:rPr lang="it-IT" sz="2800" dirty="0"/>
+              <a:t>7</a:t>
+            </a:r>
+          </a:p>
+        </p:txBody>
+      </p:sp>
+      <p:sp>
+        <p:nvSpPr>
+          <p:cNvPr id="37" name="CasellaDiTesto 36">
+            <a:extLst>
+              <a:ext uri="{FF2B5EF4-FFF2-40B4-BE49-F238E27FC236}">
+                <a16:creationId xmlns:a16="http://schemas.microsoft.com/office/drawing/2014/main" id="{B2939632-E148-4011-BCA0-A50C7C8A27B4}"/>
+              </a:ext>
+            </a:extLst>
+          </p:cNvPr>
+          <p:cNvSpPr txBox="1"/>
+          <p:nvPr/>
+        </p:nvSpPr>
+        <p:spPr>
+          <a:xfrm>
+            <a:off x="8591008" y="5116727"/>
+            <a:ext cx="367408" cy="523220"/>
+          </a:xfrm>
+          <a:prstGeom prst="rect">
+            <a:avLst/>
+          </a:prstGeom>
+          <a:noFill/>
+        </p:spPr>
+        <p:txBody>
+          <a:bodyPr wrap="none" rtlCol="0">
+            <a:spAutoFit/>
+          </a:bodyPr>
+          <a:lstStyle/>
+          <a:p>
+            <a:r>
+              <a:rPr lang="it-IT" sz="2800" dirty="0"/>
+              <a:t>9</a:t>
+            </a:r>
+          </a:p>
+        </p:txBody>
+      </p:sp>
+      <p:sp>
+        <p:nvSpPr>
+          <p:cNvPr id="38" name="CasellaDiTesto 37">
+            <a:extLst>
+              <a:ext uri="{FF2B5EF4-FFF2-40B4-BE49-F238E27FC236}">
+                <a16:creationId xmlns:a16="http://schemas.microsoft.com/office/drawing/2014/main" id="{49EA32F1-FDB9-4690-8467-6B503BEB6668}"/>
+              </a:ext>
+            </a:extLst>
+          </p:cNvPr>
+          <p:cNvSpPr txBox="1"/>
+          <p:nvPr/>
+        </p:nvSpPr>
+        <p:spPr>
+          <a:xfrm>
+            <a:off x="8917616" y="3813776"/>
+            <a:ext cx="550151" cy="523220"/>
+          </a:xfrm>
+          <a:prstGeom prst="rect">
+            <a:avLst/>
+          </a:prstGeom>
+          <a:noFill/>
+        </p:spPr>
+        <p:txBody>
+          <a:bodyPr wrap="none" rtlCol="0">
+            <a:spAutoFit/>
+          </a:bodyPr>
+          <a:lstStyle/>
+          <a:p>
+            <a:r>
+              <a:rPr lang="it-IT" sz="2800" dirty="0"/>
+              <a:t>10</a:t>
+            </a:r>
+          </a:p>
+        </p:txBody>
+      </p:sp>
+      <p:sp>
+        <p:nvSpPr>
+          <p:cNvPr id="39" name="CasellaDiTesto 38">
+            <a:extLst>
+              <a:ext uri="{FF2B5EF4-FFF2-40B4-BE49-F238E27FC236}">
+                <a16:creationId xmlns:a16="http://schemas.microsoft.com/office/drawing/2014/main" id="{4B1733E6-8B45-4899-9C9D-0A120BD6420B}"/>
+              </a:ext>
+            </a:extLst>
+          </p:cNvPr>
+          <p:cNvSpPr txBox="1"/>
+          <p:nvPr/>
+        </p:nvSpPr>
+        <p:spPr>
+          <a:xfrm>
+            <a:off x="9449108" y="4738013"/>
+            <a:ext cx="550151" cy="523220"/>
+          </a:xfrm>
+          <a:prstGeom prst="rect">
+            <a:avLst/>
+          </a:prstGeom>
+          <a:noFill/>
+        </p:spPr>
+        <p:txBody>
+          <a:bodyPr wrap="none" rtlCol="0">
+            <a:spAutoFit/>
+          </a:bodyPr>
+          <a:lstStyle/>
+          <a:p>
+            <a:r>
+              <a:rPr lang="it-IT" sz="2800" dirty="0"/>
+              <a:t>11</a:t>
+            </a:r>
+          </a:p>
+        </p:txBody>
+      </p:sp>
+      <p:sp>
+        <p:nvSpPr>
+          <p:cNvPr id="40" name="Ovale 39">
+            <a:extLst>
+              <a:ext uri="{FF2B5EF4-FFF2-40B4-BE49-F238E27FC236}">
+                <a16:creationId xmlns:a16="http://schemas.microsoft.com/office/drawing/2014/main" id="{2175DD65-A05F-48D1-B555-B13D19C6D593}"/>
+              </a:ext>
+            </a:extLst>
+          </p:cNvPr>
+          <p:cNvSpPr/>
+          <p:nvPr/>
+        </p:nvSpPr>
+        <p:spPr>
+          <a:xfrm>
+            <a:off x="7402176" y="2384511"/>
+            <a:ext cx="185351" cy="197708"/>
+          </a:xfrm>
+          <a:prstGeom prst="ellipse">
+            <a:avLst/>
+          </a:prstGeom>
+          <a:solidFill>
+            <a:srgbClr val="FF0000">
+              <a:alpha val="50196"/>
+            </a:srgbClr>
+          </a:solidFill>
+        </p:spPr>
+        <p:style>
+          <a:lnRef idx="2">
+            <a:schemeClr val="accent1">
+              <a:shade val="50000"/>
+            </a:schemeClr>
+          </a:lnRef>
+          <a:fillRef idx="1">
+            <a:schemeClr val="accent1"/>
+          </a:fillRef>
+          <a:effectRef idx="0">
+            <a:schemeClr val="accent1"/>
+          </a:effectRef>
+          <a:fontRef idx="minor">
+            <a:schemeClr val="lt1"/>
+          </a:fontRef>
+        </p:style>
+        <p:txBody>
+          <a:bodyPr rtlCol="0" anchor="ctr"/>
+          <a:lstStyle/>
+          <a:p>
+            <a:pPr algn="ctr"/>
+            <a:endParaRPr lang="it-IT"/>
+          </a:p>
+        </p:txBody>
+      </p:sp>
+      <p:sp>
+        <p:nvSpPr>
+          <p:cNvPr id="41" name="CasellaDiTesto 40">
+            <a:extLst>
+              <a:ext uri="{FF2B5EF4-FFF2-40B4-BE49-F238E27FC236}">
+                <a16:creationId xmlns:a16="http://schemas.microsoft.com/office/drawing/2014/main" id="{2D646C93-30FB-4E93-8BCE-6B213CD29522}"/>
+              </a:ext>
+            </a:extLst>
+          </p:cNvPr>
+          <p:cNvSpPr txBox="1"/>
+          <p:nvPr/>
+        </p:nvSpPr>
+        <p:spPr>
+          <a:xfrm>
+            <a:off x="7812773" y="3385460"/>
+            <a:ext cx="367408" cy="523220"/>
+          </a:xfrm>
+          <a:prstGeom prst="rect">
+            <a:avLst/>
+          </a:prstGeom>
+          <a:noFill/>
+        </p:spPr>
+        <p:txBody>
+          <a:bodyPr wrap="square" rtlCol="0">
+            <a:spAutoFit/>
+          </a:bodyPr>
+          <a:lstStyle/>
+          <a:p>
+            <a:r>
+              <a:rPr lang="it-IT" sz="2800" dirty="0"/>
+              <a:t>8</a:t>
+            </a:r>
+          </a:p>
+        </p:txBody>
+      </p:sp>
+    </p:spTree>
+    <p:extLst>
+      <p:ext uri="{BB962C8B-B14F-4D97-AF65-F5344CB8AC3E}">
+        <p14:creationId xmlns:p14="http://schemas.microsoft.com/office/powerpoint/2010/main" val="2471297262"/>
+      </p:ext>
+    </p:extLst>
+  </p:cSld>
+  <p:clrMapOvr>
+    <a:masterClrMapping/>
+  </p:clrMapOvr>
+</p:sld>
+</file>
+
+<file path=ppt/slides/slide15.xml><?xml version="1.0" encoding="utf-8"?>
+<p:sld xmlns:a="http://schemas.openxmlformats.org/drawingml/2006/main" xmlns:r="http://schemas.openxmlformats.org/officeDocument/2006/relationships" xmlns:p="http://schemas.openxmlformats.org/presentationml/2006/main">
+  <p:cSld>
+    <p:spTree>
+      <p:nvGrpSpPr>
+        <p:cNvPr id="1" name=""/>
+        <p:cNvGrpSpPr/>
+        <p:nvPr/>
+      </p:nvGrpSpPr>
+      <p:grpSpPr>
+        <a:xfrm>
+          <a:off x="0" y="0"/>
+          <a:ext cx="0" cy="0"/>
+          <a:chOff x="0" y="0"/>
+          <a:chExt cx="0" cy="0"/>
+        </a:xfrm>
+      </p:grpSpPr>
+      <p:pic>
+        <p:nvPicPr>
+          <p:cNvPr id="24" name="Immagine 23">
+            <a:extLst>
+              <a:ext uri="{FF2B5EF4-FFF2-40B4-BE49-F238E27FC236}">
+                <a16:creationId xmlns:a16="http://schemas.microsoft.com/office/drawing/2014/main" id="{C5716123-B1EB-4770-BC7E-1A29D4A4387F}"/>
+              </a:ext>
+            </a:extLst>
+          </p:cNvPr>
+          <p:cNvPicPr>
+            <a:picLocks noChangeAspect="1"/>
+          </p:cNvPicPr>
+          <p:nvPr/>
+        </p:nvPicPr>
+        <p:blipFill>
+          <a:blip r:embed="rId2">
+            <a:extLst>
+              <a:ext uri="{28A0092B-C50C-407E-A947-70E740481C1C}">
+                <a14:useLocalDpi xmlns:a14="http://schemas.microsoft.com/office/drawing/2010/main" val="0"/>
+              </a:ext>
+            </a:extLst>
+          </a:blip>
+          <a:stretch>
+            <a:fillRect/>
+          </a:stretch>
+        </p:blipFill>
+        <p:spPr>
+          <a:xfrm>
+            <a:off x="952500" y="0"/>
+            <a:ext cx="10287000" cy="6858000"/>
+          </a:xfrm>
+          <a:prstGeom prst="rect">
+            <a:avLst/>
+          </a:prstGeom>
+        </p:spPr>
+      </p:pic>
+      <p:sp>
+        <p:nvSpPr>
+          <p:cNvPr id="8" name="Ovale 7">
+            <a:extLst>
+              <a:ext uri="{FF2B5EF4-FFF2-40B4-BE49-F238E27FC236}">
+                <a16:creationId xmlns:a16="http://schemas.microsoft.com/office/drawing/2014/main" id="{57BF5D35-C8D0-4353-8FA0-B4AC0332B8CA}"/>
+              </a:ext>
+            </a:extLst>
+          </p:cNvPr>
+          <p:cNvSpPr/>
+          <p:nvPr/>
+        </p:nvSpPr>
+        <p:spPr>
+          <a:xfrm>
+            <a:off x="2699951" y="2916195"/>
+            <a:ext cx="185351" cy="197708"/>
+          </a:xfrm>
+          <a:prstGeom prst="ellipse">
+            <a:avLst/>
+          </a:prstGeom>
+          <a:solidFill>
+            <a:srgbClr val="FF0000">
+              <a:alpha val="50196"/>
+            </a:srgbClr>
+          </a:solidFill>
+        </p:spPr>
+        <p:style>
+          <a:lnRef idx="2">
+            <a:schemeClr val="accent1">
+              <a:shade val="50000"/>
+            </a:schemeClr>
+          </a:lnRef>
+          <a:fillRef idx="1">
+            <a:schemeClr val="accent1"/>
+          </a:fillRef>
+          <a:effectRef idx="0">
+            <a:schemeClr val="accent1"/>
+          </a:effectRef>
+          <a:fontRef idx="minor">
+            <a:schemeClr val="lt1"/>
+          </a:fontRef>
+        </p:style>
+        <p:txBody>
+          <a:bodyPr rtlCol="0" anchor="ctr"/>
+          <a:lstStyle/>
+          <a:p>
+            <a:pPr algn="ctr"/>
+            <a:endParaRPr lang="it-IT"/>
+          </a:p>
+        </p:txBody>
+      </p:sp>
+      <p:sp>
+        <p:nvSpPr>
+          <p:cNvPr id="10" name="CasellaDiTesto 9">
+            <a:extLst>
+              <a:ext uri="{FF2B5EF4-FFF2-40B4-BE49-F238E27FC236}">
+                <a16:creationId xmlns:a16="http://schemas.microsoft.com/office/drawing/2014/main" id="{E4CC30AF-D8D8-4DF8-BCB2-B372AB6BE160}"/>
+              </a:ext>
+            </a:extLst>
+          </p:cNvPr>
+          <p:cNvSpPr txBox="1"/>
+          <p:nvPr/>
+        </p:nvSpPr>
+        <p:spPr>
+          <a:xfrm>
+            <a:off x="2641783" y="2546863"/>
+            <a:ext cx="301686" cy="369332"/>
+          </a:xfrm>
+          <a:prstGeom prst="rect">
+            <a:avLst/>
+          </a:prstGeom>
+          <a:noFill/>
+        </p:spPr>
+        <p:txBody>
+          <a:bodyPr wrap="none" rtlCol="0">
+            <a:spAutoFit/>
+          </a:bodyPr>
+          <a:lstStyle/>
+          <a:p>
+            <a:r>
+              <a:rPr lang="it-IT" dirty="0"/>
+              <a:t>1</a:t>
+            </a:r>
+          </a:p>
+        </p:txBody>
+      </p:sp>
+      <p:sp>
+        <p:nvSpPr>
+          <p:cNvPr id="11" name="CasellaDiTesto 10">
+            <a:extLst>
+              <a:ext uri="{FF2B5EF4-FFF2-40B4-BE49-F238E27FC236}">
+                <a16:creationId xmlns:a16="http://schemas.microsoft.com/office/drawing/2014/main" id="{F73F5D0D-E6D0-4AF1-AB6E-E4BAE492F062}"/>
+              </a:ext>
+            </a:extLst>
+          </p:cNvPr>
+          <p:cNvSpPr txBox="1"/>
+          <p:nvPr/>
+        </p:nvSpPr>
+        <p:spPr>
+          <a:xfrm>
+            <a:off x="3370780" y="892432"/>
+            <a:ext cx="301686" cy="369332"/>
+          </a:xfrm>
+          <a:prstGeom prst="rect">
+            <a:avLst/>
+          </a:prstGeom>
+          <a:noFill/>
+        </p:spPr>
+        <p:txBody>
+          <a:bodyPr wrap="none" rtlCol="0">
+            <a:spAutoFit/>
+          </a:bodyPr>
+          <a:lstStyle/>
+          <a:p>
+            <a:r>
+              <a:rPr lang="it-IT" dirty="0"/>
+              <a:t>2</a:t>
+            </a:r>
+          </a:p>
+        </p:txBody>
+      </p:sp>
+      <p:sp>
+        <p:nvSpPr>
+          <p:cNvPr id="12" name="Ovale 11">
+            <a:extLst>
+              <a:ext uri="{FF2B5EF4-FFF2-40B4-BE49-F238E27FC236}">
+                <a16:creationId xmlns:a16="http://schemas.microsoft.com/office/drawing/2014/main" id="{07A93A18-49DA-47FA-A1A9-4B4586BE2AAC}"/>
+              </a:ext>
+            </a:extLst>
+          </p:cNvPr>
+          <p:cNvSpPr/>
+          <p:nvPr/>
+        </p:nvSpPr>
+        <p:spPr>
+          <a:xfrm>
+            <a:off x="3170511" y="978244"/>
+            <a:ext cx="185351" cy="197708"/>
+          </a:xfrm>
+          <a:prstGeom prst="ellipse">
+            <a:avLst/>
+          </a:prstGeom>
+          <a:solidFill>
+            <a:srgbClr val="FF0000">
+              <a:alpha val="50196"/>
+            </a:srgbClr>
+          </a:solidFill>
+        </p:spPr>
+        <p:style>
+          <a:lnRef idx="2">
+            <a:schemeClr val="accent1">
+              <a:shade val="50000"/>
+            </a:schemeClr>
+          </a:lnRef>
+          <a:fillRef idx="1">
+            <a:schemeClr val="accent1"/>
+          </a:fillRef>
+          <a:effectRef idx="0">
+            <a:schemeClr val="accent1"/>
+          </a:effectRef>
+          <a:fontRef idx="minor">
+            <a:schemeClr val="lt1"/>
+          </a:fontRef>
+        </p:style>
+        <p:txBody>
+          <a:bodyPr rtlCol="0" anchor="ctr"/>
+          <a:lstStyle/>
+          <a:p>
+            <a:pPr algn="ctr"/>
+            <a:endParaRPr lang="it-IT"/>
+          </a:p>
+        </p:txBody>
+      </p:sp>
+      <p:sp>
+        <p:nvSpPr>
+          <p:cNvPr id="13" name="Ovale 12">
+            <a:extLst>
+              <a:ext uri="{FF2B5EF4-FFF2-40B4-BE49-F238E27FC236}">
+                <a16:creationId xmlns:a16="http://schemas.microsoft.com/office/drawing/2014/main" id="{BD26BBBB-B248-4B79-BE95-57FFEC1B3B3D}"/>
+              </a:ext>
+            </a:extLst>
+          </p:cNvPr>
+          <p:cNvSpPr/>
+          <p:nvPr/>
+        </p:nvSpPr>
+        <p:spPr>
+          <a:xfrm>
+            <a:off x="3730684" y="3429000"/>
+            <a:ext cx="185351" cy="197708"/>
+          </a:xfrm>
+          <a:prstGeom prst="ellipse">
+            <a:avLst/>
+          </a:prstGeom>
+          <a:solidFill>
+            <a:srgbClr val="FF0000">
+              <a:alpha val="50196"/>
+            </a:srgbClr>
+          </a:solidFill>
+        </p:spPr>
+        <p:style>
+          <a:lnRef idx="2">
+            <a:schemeClr val="accent1">
+              <a:shade val="50000"/>
+            </a:schemeClr>
+          </a:lnRef>
+          <a:fillRef idx="1">
+            <a:schemeClr val="accent1"/>
+          </a:fillRef>
+          <a:effectRef idx="0">
+            <a:schemeClr val="accent1"/>
+          </a:effectRef>
+          <a:fontRef idx="minor">
+            <a:schemeClr val="lt1"/>
+          </a:fontRef>
+        </p:style>
+        <p:txBody>
+          <a:bodyPr rtlCol="0" anchor="ctr"/>
+          <a:lstStyle/>
+          <a:p>
+            <a:pPr algn="ctr"/>
+            <a:endParaRPr lang="it-IT"/>
+          </a:p>
+        </p:txBody>
+      </p:sp>
+      <p:sp>
+        <p:nvSpPr>
+          <p:cNvPr id="15" name="Ovale 14">
+            <a:extLst>
+              <a:ext uri="{FF2B5EF4-FFF2-40B4-BE49-F238E27FC236}">
+                <a16:creationId xmlns:a16="http://schemas.microsoft.com/office/drawing/2014/main" id="{482395B3-44F8-4813-8622-61C4308C8348}"/>
+              </a:ext>
+            </a:extLst>
+          </p:cNvPr>
+          <p:cNvSpPr/>
+          <p:nvPr/>
+        </p:nvSpPr>
+        <p:spPr>
+          <a:xfrm>
+            <a:off x="5328825" y="5175421"/>
+            <a:ext cx="185351" cy="197708"/>
+          </a:xfrm>
+          <a:prstGeom prst="ellipse">
+            <a:avLst/>
+          </a:prstGeom>
+          <a:solidFill>
+            <a:srgbClr val="FF0000">
+              <a:alpha val="50196"/>
+            </a:srgbClr>
+          </a:solidFill>
+        </p:spPr>
+        <p:style>
+          <a:lnRef idx="2">
+            <a:schemeClr val="accent1">
+              <a:shade val="50000"/>
+            </a:schemeClr>
+          </a:lnRef>
+          <a:fillRef idx="1">
+            <a:schemeClr val="accent1"/>
+          </a:fillRef>
+          <a:effectRef idx="0">
+            <a:schemeClr val="accent1"/>
+          </a:effectRef>
+          <a:fontRef idx="minor">
+            <a:schemeClr val="lt1"/>
+          </a:fontRef>
+        </p:style>
+        <p:txBody>
+          <a:bodyPr rtlCol="0" anchor="ctr"/>
+          <a:lstStyle/>
+          <a:p>
+            <a:pPr algn="ctr"/>
+            <a:endParaRPr lang="it-IT"/>
+          </a:p>
+        </p:txBody>
+      </p:sp>
+      <p:sp>
+        <p:nvSpPr>
+          <p:cNvPr id="16" name="Ovale 15">
+            <a:extLst>
+              <a:ext uri="{FF2B5EF4-FFF2-40B4-BE49-F238E27FC236}">
+                <a16:creationId xmlns:a16="http://schemas.microsoft.com/office/drawing/2014/main" id="{65FC01CF-2022-4F09-B244-B5A3AB5E5C24}"/>
+              </a:ext>
+            </a:extLst>
+          </p:cNvPr>
+          <p:cNvSpPr/>
+          <p:nvPr/>
+        </p:nvSpPr>
+        <p:spPr>
+          <a:xfrm>
+            <a:off x="5637744" y="3626708"/>
+            <a:ext cx="185351" cy="197708"/>
+          </a:xfrm>
+          <a:prstGeom prst="ellipse">
+            <a:avLst/>
+          </a:prstGeom>
+          <a:solidFill>
+            <a:srgbClr val="FF0000">
+              <a:alpha val="50196"/>
+            </a:srgbClr>
+          </a:solidFill>
+        </p:spPr>
+        <p:style>
+          <a:lnRef idx="2">
+            <a:schemeClr val="accent1">
+              <a:shade val="50000"/>
+            </a:schemeClr>
+          </a:lnRef>
+          <a:fillRef idx="1">
+            <a:schemeClr val="accent1"/>
+          </a:fillRef>
+          <a:effectRef idx="0">
+            <a:schemeClr val="accent1"/>
+          </a:effectRef>
+          <a:fontRef idx="minor">
+            <a:schemeClr val="lt1"/>
+          </a:fontRef>
+        </p:style>
+        <p:txBody>
+          <a:bodyPr rtlCol="0" anchor="ctr"/>
+          <a:lstStyle/>
+          <a:p>
+            <a:pPr algn="ctr"/>
+            <a:endParaRPr lang="it-IT"/>
+          </a:p>
+        </p:txBody>
+      </p:sp>
+      <p:sp>
+        <p:nvSpPr>
+          <p:cNvPr id="17" name="Ovale 16">
+            <a:extLst>
+              <a:ext uri="{FF2B5EF4-FFF2-40B4-BE49-F238E27FC236}">
+                <a16:creationId xmlns:a16="http://schemas.microsoft.com/office/drawing/2014/main" id="{8B7D32E4-98DF-4CF1-A4BB-52B649F6B789}"/>
+              </a:ext>
+            </a:extLst>
+          </p:cNvPr>
+          <p:cNvSpPr/>
+          <p:nvPr/>
+        </p:nvSpPr>
+        <p:spPr>
+          <a:xfrm>
+            <a:off x="6694219" y="3626708"/>
+            <a:ext cx="185351" cy="197708"/>
+          </a:xfrm>
+          <a:prstGeom prst="ellipse">
+            <a:avLst/>
+          </a:prstGeom>
+          <a:solidFill>
+            <a:srgbClr val="FF0000">
+              <a:alpha val="50196"/>
+            </a:srgbClr>
+          </a:solidFill>
+        </p:spPr>
+        <p:style>
+          <a:lnRef idx="2">
+            <a:schemeClr val="accent1">
+              <a:shade val="50000"/>
+            </a:schemeClr>
+          </a:lnRef>
+          <a:fillRef idx="1">
+            <a:schemeClr val="accent1"/>
+          </a:fillRef>
+          <a:effectRef idx="0">
+            <a:schemeClr val="accent1"/>
+          </a:effectRef>
+          <a:fontRef idx="minor">
+            <a:schemeClr val="lt1"/>
+          </a:fontRef>
+        </p:style>
+        <p:txBody>
+          <a:bodyPr rtlCol="0" anchor="ctr"/>
+          <a:lstStyle/>
+          <a:p>
+            <a:pPr algn="ctr"/>
+            <a:endParaRPr lang="it-IT"/>
+          </a:p>
+        </p:txBody>
+      </p:sp>
+      <p:sp>
+        <p:nvSpPr>
+          <p:cNvPr id="18" name="Ovale 17">
+            <a:extLst>
+              <a:ext uri="{FF2B5EF4-FFF2-40B4-BE49-F238E27FC236}">
+                <a16:creationId xmlns:a16="http://schemas.microsoft.com/office/drawing/2014/main" id="{A4596EC6-229E-4B42-A59A-A4D461D2BEA0}"/>
+              </a:ext>
+            </a:extLst>
+          </p:cNvPr>
+          <p:cNvSpPr/>
+          <p:nvPr/>
+        </p:nvSpPr>
+        <p:spPr>
+          <a:xfrm>
+            <a:off x="6972273" y="5731476"/>
+            <a:ext cx="185351" cy="197708"/>
+          </a:xfrm>
+          <a:prstGeom prst="ellipse">
+            <a:avLst/>
+          </a:prstGeom>
+          <a:solidFill>
+            <a:srgbClr val="FF0000">
+              <a:alpha val="50196"/>
+            </a:srgbClr>
+          </a:solidFill>
+        </p:spPr>
+        <p:style>
+          <a:lnRef idx="2">
+            <a:schemeClr val="accent1">
+              <a:shade val="50000"/>
+            </a:schemeClr>
+          </a:lnRef>
+          <a:fillRef idx="1">
+            <a:schemeClr val="accent1"/>
+          </a:fillRef>
+          <a:effectRef idx="0">
+            <a:schemeClr val="accent1"/>
+          </a:effectRef>
+          <a:fontRef idx="minor">
+            <a:schemeClr val="lt1"/>
+          </a:fontRef>
+        </p:style>
+        <p:txBody>
+          <a:bodyPr rtlCol="0" anchor="ctr"/>
+          <a:lstStyle/>
+          <a:p>
+            <a:pPr algn="ctr"/>
+            <a:endParaRPr lang="it-IT"/>
+          </a:p>
+        </p:txBody>
+      </p:sp>
+      <p:sp>
+        <p:nvSpPr>
+          <p:cNvPr id="19" name="Ovale 18">
+            <a:extLst>
+              <a:ext uri="{FF2B5EF4-FFF2-40B4-BE49-F238E27FC236}">
+                <a16:creationId xmlns:a16="http://schemas.microsoft.com/office/drawing/2014/main" id="{49E29DDF-78D2-469B-8C3E-096D6D3DA386}"/>
+              </a:ext>
+            </a:extLst>
+          </p:cNvPr>
+          <p:cNvSpPr/>
+          <p:nvPr/>
+        </p:nvSpPr>
+        <p:spPr>
+          <a:xfrm>
+            <a:off x="7577754" y="3231292"/>
+            <a:ext cx="185351" cy="197708"/>
+          </a:xfrm>
+          <a:prstGeom prst="ellipse">
+            <a:avLst/>
+          </a:prstGeom>
+          <a:solidFill>
+            <a:srgbClr val="FF0000">
+              <a:alpha val="50196"/>
+            </a:srgbClr>
+          </a:solidFill>
+        </p:spPr>
+        <p:style>
+          <a:lnRef idx="2">
+            <a:schemeClr val="accent1">
+              <a:shade val="50000"/>
+            </a:schemeClr>
+          </a:lnRef>
+          <a:fillRef idx="1">
+            <a:schemeClr val="accent1"/>
+          </a:fillRef>
+          <a:effectRef idx="0">
+            <a:schemeClr val="accent1"/>
+          </a:effectRef>
+          <a:fontRef idx="minor">
+            <a:schemeClr val="lt1"/>
+          </a:fontRef>
+        </p:style>
+        <p:txBody>
+          <a:bodyPr rtlCol="0" anchor="ctr"/>
+          <a:lstStyle/>
+          <a:p>
+            <a:pPr algn="ctr"/>
+            <a:endParaRPr lang="it-IT"/>
+          </a:p>
+        </p:txBody>
+      </p:sp>
+      <p:sp>
+        <p:nvSpPr>
+          <p:cNvPr id="20" name="Ovale 19">
+            <a:extLst>
+              <a:ext uri="{FF2B5EF4-FFF2-40B4-BE49-F238E27FC236}">
+                <a16:creationId xmlns:a16="http://schemas.microsoft.com/office/drawing/2014/main" id="{722C6EA7-95FF-4958-ACC3-B19B508F902B}"/>
+              </a:ext>
+            </a:extLst>
+          </p:cNvPr>
+          <p:cNvSpPr/>
+          <p:nvPr/>
+        </p:nvSpPr>
+        <p:spPr>
+          <a:xfrm>
+            <a:off x="8751647" y="3330146"/>
+            <a:ext cx="185351" cy="197708"/>
+          </a:xfrm>
+          <a:prstGeom prst="ellipse">
+            <a:avLst/>
+          </a:prstGeom>
+          <a:solidFill>
+            <a:srgbClr val="FF0000">
+              <a:alpha val="50196"/>
+            </a:srgbClr>
+          </a:solidFill>
+        </p:spPr>
+        <p:style>
+          <a:lnRef idx="2">
+            <a:schemeClr val="accent1">
+              <a:shade val="50000"/>
+            </a:schemeClr>
+          </a:lnRef>
+          <a:fillRef idx="1">
+            <a:schemeClr val="accent1"/>
+          </a:fillRef>
+          <a:effectRef idx="0">
+            <a:schemeClr val="accent1"/>
+          </a:effectRef>
+          <a:fontRef idx="minor">
+            <a:schemeClr val="lt1"/>
+          </a:fontRef>
+        </p:style>
+        <p:txBody>
+          <a:bodyPr rtlCol="0" anchor="ctr"/>
+          <a:lstStyle/>
+          <a:p>
+            <a:pPr algn="ctr"/>
+            <a:endParaRPr lang="it-IT"/>
+          </a:p>
+        </p:txBody>
+      </p:sp>
+      <p:sp>
+        <p:nvSpPr>
+          <p:cNvPr id="21" name="CasellaDiTesto 20">
+            <a:extLst>
+              <a:ext uri="{FF2B5EF4-FFF2-40B4-BE49-F238E27FC236}">
+                <a16:creationId xmlns:a16="http://schemas.microsoft.com/office/drawing/2014/main" id="{239A1FAF-7BBB-4770-B89E-956EF786CFA1}"/>
+              </a:ext>
+            </a:extLst>
+          </p:cNvPr>
+          <p:cNvSpPr txBox="1"/>
+          <p:nvPr/>
+        </p:nvSpPr>
+        <p:spPr>
+          <a:xfrm>
+            <a:off x="3799651" y="3059668"/>
+            <a:ext cx="301686" cy="369332"/>
+          </a:xfrm>
+          <a:prstGeom prst="rect">
+            <a:avLst/>
+          </a:prstGeom>
+          <a:noFill/>
+        </p:spPr>
+        <p:txBody>
+          <a:bodyPr wrap="none" rtlCol="0">
+            <a:spAutoFit/>
+          </a:bodyPr>
+          <a:lstStyle/>
+          <a:p>
+            <a:r>
+              <a:rPr lang="it-IT" dirty="0"/>
+              <a:t>3</a:t>
+            </a:r>
+          </a:p>
+        </p:txBody>
+      </p:sp>
+      <p:sp>
+        <p:nvSpPr>
+          <p:cNvPr id="22" name="CasellaDiTesto 21">
+            <a:extLst>
+              <a:ext uri="{FF2B5EF4-FFF2-40B4-BE49-F238E27FC236}">
+                <a16:creationId xmlns:a16="http://schemas.microsoft.com/office/drawing/2014/main" id="{11B1F163-F8DF-41EE-B897-60AA261E284B}"/>
+              </a:ext>
+            </a:extLst>
+          </p:cNvPr>
+          <p:cNvSpPr txBox="1"/>
+          <p:nvPr/>
+        </p:nvSpPr>
+        <p:spPr>
+          <a:xfrm>
+            <a:off x="5273168" y="5460998"/>
+            <a:ext cx="301686" cy="369332"/>
+          </a:xfrm>
+          <a:prstGeom prst="rect">
+            <a:avLst/>
+          </a:prstGeom>
+          <a:noFill/>
+        </p:spPr>
+        <p:txBody>
+          <a:bodyPr wrap="none" rtlCol="0">
+            <a:spAutoFit/>
+          </a:bodyPr>
+          <a:lstStyle/>
+          <a:p>
+            <a:r>
+              <a:rPr lang="it-IT" dirty="0"/>
+              <a:t>4</a:t>
+            </a:r>
+          </a:p>
+        </p:txBody>
+      </p:sp>
+    </p:spTree>
+    <p:extLst>
+      <p:ext uri="{BB962C8B-B14F-4D97-AF65-F5344CB8AC3E}">
+        <p14:creationId xmlns:p14="http://schemas.microsoft.com/office/powerpoint/2010/main" val="2619708116"/>
+      </p:ext>
+    </p:extLst>
+  </p:cSld>
+  <p:clrMapOvr>
+    <a:masterClrMapping/>
+  </p:clrMapOvr>
+</p:sld>
+</file>
+
+<file path=ppt/slides/slide16.xml><?xml version="1.0" encoding="utf-8"?>
+<p:sld xmlns:a="http://schemas.openxmlformats.org/drawingml/2006/main" xmlns:r="http://schemas.openxmlformats.org/officeDocument/2006/relationships" xmlns:p="http://schemas.openxmlformats.org/presentationml/2006/main">
+  <p:cSld>
+    <p:spTree>
+      <p:nvGrpSpPr>
+        <p:cNvPr id="1" name=""/>
+        <p:cNvGrpSpPr/>
+        <p:nvPr/>
+      </p:nvGrpSpPr>
+      <p:grpSpPr>
+        <a:xfrm>
+          <a:off x="0" y="0"/>
+          <a:ext cx="0" cy="0"/>
+          <a:chOff x="0" y="0"/>
+          <a:chExt cx="0" cy="0"/>
+        </a:xfrm>
+      </p:grpSpPr>
+      <p:pic>
+        <p:nvPicPr>
           <p:cNvPr id="4" name="Immagine 3">
             <a:extLst>
               <a:ext uri="{FF2B5EF4-FFF2-40B4-BE49-F238E27FC236}">
@@ -5207,7 +8080,7 @@
 </p:sld>
 </file>
 
-<file path=ppt/slides/slide14.xml><?xml version="1.0" encoding="utf-8"?>
+<file path=ppt/slides/slide17.xml><?xml version="1.0" encoding="utf-8"?>
 <p:sld xmlns:a="http://schemas.openxmlformats.org/drawingml/2006/main" xmlns:r="http://schemas.openxmlformats.org/officeDocument/2006/relationships" xmlns:p="http://schemas.openxmlformats.org/presentationml/2006/main">
   <p:cSld>
     <p:spTree>
@@ -7340,7 +10213,7 @@
 </p:sld>
 </file>
 
-<file path=ppt/slides/slide15.xml><?xml version="1.0" encoding="utf-8"?>
+<file path=ppt/slides/slide18.xml><?xml version="1.0" encoding="utf-8"?>
 <p:sld xmlns:a="http://schemas.openxmlformats.org/drawingml/2006/main" xmlns:r="http://schemas.openxmlformats.org/officeDocument/2006/relationships" xmlns:p="http://schemas.openxmlformats.org/presentationml/2006/main">
   <p:cSld>
     <p:spTree>
@@ -12576,7 +15449,7 @@
 </p:sld>
 </file>
 
-<file path=ppt/slides/slide16.xml><?xml version="1.0" encoding="utf-8"?>
+<file path=ppt/slides/slide19.xml><?xml version="1.0" encoding="utf-8"?>
 <p:sld xmlns:a="http://schemas.openxmlformats.org/drawingml/2006/main" xmlns:r="http://schemas.openxmlformats.org/officeDocument/2006/relationships" xmlns:p="http://schemas.openxmlformats.org/presentationml/2006/main">
   <p:cSld>
     <p:spTree>
@@ -17677,135 +20550,6 @@
     <p:extLst>
       <p:ext uri="{BB962C8B-B14F-4D97-AF65-F5344CB8AC3E}">
         <p14:creationId xmlns:p14="http://schemas.microsoft.com/office/powerpoint/2010/main" val="3779375255"/>
-      </p:ext>
-    </p:extLst>
-  </p:cSld>
-  <p:clrMapOvr>
-    <a:masterClrMapping/>
-  </p:clrMapOvr>
-</p:sld>
-</file>
-
-<file path=ppt/slides/slide17.xml><?xml version="1.0" encoding="utf-8"?>
-<p:sld xmlns:a="http://schemas.openxmlformats.org/drawingml/2006/main" xmlns:r="http://schemas.openxmlformats.org/officeDocument/2006/relationships" xmlns:p="http://schemas.openxmlformats.org/presentationml/2006/main">
-  <p:cSld>
-    <p:spTree>
-      <p:nvGrpSpPr>
-        <p:cNvPr id="1" name=""/>
-        <p:cNvGrpSpPr/>
-        <p:nvPr/>
-      </p:nvGrpSpPr>
-      <p:grpSpPr>
-        <a:xfrm>
-          <a:off x="0" y="0"/>
-          <a:ext cx="0" cy="0"/>
-          <a:chOff x="0" y="0"/>
-          <a:chExt cx="0" cy="0"/>
-        </a:xfrm>
-      </p:grpSpPr>
-      <p:sp>
-        <p:nvSpPr>
-          <p:cNvPr id="2" name="Titolo 1">
-            <a:extLst>
-              <a:ext uri="{FF2B5EF4-FFF2-40B4-BE49-F238E27FC236}">
-                <a16:creationId xmlns:a16="http://schemas.microsoft.com/office/drawing/2014/main" id="{82BC0116-0521-4F28-A8C4-6877DC77F6EE}"/>
-              </a:ext>
-            </a:extLst>
-          </p:cNvPr>
-          <p:cNvSpPr>
-            <a:spLocks noGrp="1"/>
-          </p:cNvSpPr>
-          <p:nvPr>
-            <p:ph type="title"/>
-          </p:nvPr>
-        </p:nvSpPr>
-        <p:spPr/>
-        <p:txBody>
-          <a:bodyPr/>
-          <a:lstStyle/>
-          <a:p>
-            <a:endParaRPr lang="it-IT"/>
-          </a:p>
-        </p:txBody>
-      </p:sp>
-      <p:sp>
-        <p:nvSpPr>
-          <p:cNvPr id="3" name="Segnaposto contenuto 2">
-            <a:extLst>
-              <a:ext uri="{FF2B5EF4-FFF2-40B4-BE49-F238E27FC236}">
-                <a16:creationId xmlns:a16="http://schemas.microsoft.com/office/drawing/2014/main" id="{8FB07FF8-EBDD-4162-B31F-B7FE904ADEE0}"/>
-              </a:ext>
-            </a:extLst>
-          </p:cNvPr>
-          <p:cNvSpPr>
-            <a:spLocks noGrp="1"/>
-          </p:cNvSpPr>
-          <p:nvPr>
-            <p:ph idx="1"/>
-          </p:nvPr>
-        </p:nvSpPr>
-        <p:spPr/>
-        <p:txBody>
-          <a:bodyPr/>
-          <a:lstStyle/>
-          <a:p>
-            <a:endParaRPr lang="it-IT" dirty="0"/>
-          </a:p>
-        </p:txBody>
-      </p:sp>
-      <p:sp>
-        <p:nvSpPr>
-          <p:cNvPr id="4" name="CasellaDiTesto 3">
-            <a:extLst>
-              <a:ext uri="{FF2B5EF4-FFF2-40B4-BE49-F238E27FC236}">
-                <a16:creationId xmlns:a16="http://schemas.microsoft.com/office/drawing/2014/main" id="{FBBC2B12-E6A2-40ED-A31B-4C7FF56AD690}"/>
-              </a:ext>
-            </a:extLst>
-          </p:cNvPr>
-          <p:cNvSpPr txBox="1"/>
-          <p:nvPr/>
-        </p:nvSpPr>
-        <p:spPr>
-          <a:xfrm flipH="1">
-            <a:off x="354585" y="282472"/>
-            <a:ext cx="3800559" cy="2031325"/>
-          </a:xfrm>
-          <a:prstGeom prst="rect">
-            <a:avLst/>
-          </a:prstGeom>
-          <a:solidFill>
-            <a:schemeClr val="bg1">
-              <a:lumMod val="95000"/>
-            </a:schemeClr>
-          </a:solidFill>
-        </p:spPr>
-        <p:txBody>
-          <a:bodyPr wrap="square" rtlCol="0">
-            <a:spAutoFit/>
-          </a:bodyPr>
-          <a:lstStyle/>
-          <a:p>
-            <a:r>
-              <a:rPr lang="it-IT" dirty="0"/>
-              <a:t>Fatto 2</a:t>
-            </a:r>
-          </a:p>
-          <a:p>
-            <a:endParaRPr lang="it-IT" dirty="0"/>
-          </a:p>
-          <a:p>
-            <a:pPr algn="just"/>
-            <a:r>
-              <a:rPr lang="it-IT" dirty="0"/>
-              <a:t>L’acqua è trasparente alla luce del led quindi non assorbe fotoni. Tuttavia ha un indice di rifrazione maggiore dell’olio e quindi curva maggiormente la luce -&gt; funziona come guida d’onda. </a:t>
-            </a:r>
-          </a:p>
-        </p:txBody>
-      </p:sp>
-    </p:spTree>
-    <p:extLst>
-      <p:ext uri="{BB962C8B-B14F-4D97-AF65-F5344CB8AC3E}">
-        <p14:creationId xmlns:p14="http://schemas.microsoft.com/office/powerpoint/2010/main" val="1317942680"/>
       </p:ext>
     </p:extLst>
   </p:cSld>

--- a/Report/Figures.pptx
+++ b/Report/Figures.pptx
@@ -21,6 +21,7 @@
     <p:sldId id="276" r:id="rId15"/>
     <p:sldId id="275" r:id="rId16"/>
     <p:sldId id="274" r:id="rId17"/>
+    <p:sldId id="277" r:id="rId18"/>
   </p:sldIdLst>
   <p:sldSz cx="12192000" cy="6858000"/>
   <p:notesSz cx="6858000" cy="9144000"/>
@@ -274,7 +275,7 @@
           <a:p>
             <a:fld id="{4DAA0097-81A9-445B-865C-4B93A7260298}" type="datetimeFigureOut">
               <a:rPr lang="it-IT" smtClean="0"/>
-              <a:t>03/01/2021</a:t>
+              <a:t>04/03/2021</a:t>
             </a:fld>
             <a:endParaRPr lang="it-IT"/>
           </a:p>
@@ -472,7 +473,7 @@
           <a:p>
             <a:fld id="{4DAA0097-81A9-445B-865C-4B93A7260298}" type="datetimeFigureOut">
               <a:rPr lang="it-IT" smtClean="0"/>
-              <a:t>03/01/2021</a:t>
+              <a:t>04/03/2021</a:t>
             </a:fld>
             <a:endParaRPr lang="it-IT"/>
           </a:p>
@@ -680,7 +681,7 @@
           <a:p>
             <a:fld id="{4DAA0097-81A9-445B-865C-4B93A7260298}" type="datetimeFigureOut">
               <a:rPr lang="it-IT" smtClean="0"/>
-              <a:t>03/01/2021</a:t>
+              <a:t>04/03/2021</a:t>
             </a:fld>
             <a:endParaRPr lang="it-IT"/>
           </a:p>
@@ -878,7 +879,7 @@
           <a:p>
             <a:fld id="{4DAA0097-81A9-445B-865C-4B93A7260298}" type="datetimeFigureOut">
               <a:rPr lang="it-IT" smtClean="0"/>
-              <a:t>03/01/2021</a:t>
+              <a:t>04/03/2021</a:t>
             </a:fld>
             <a:endParaRPr lang="it-IT"/>
           </a:p>
@@ -1153,7 +1154,7 @@
           <a:p>
             <a:fld id="{4DAA0097-81A9-445B-865C-4B93A7260298}" type="datetimeFigureOut">
               <a:rPr lang="it-IT" smtClean="0"/>
-              <a:t>03/01/2021</a:t>
+              <a:t>04/03/2021</a:t>
             </a:fld>
             <a:endParaRPr lang="it-IT"/>
           </a:p>
@@ -1418,7 +1419,7 @@
           <a:p>
             <a:fld id="{4DAA0097-81A9-445B-865C-4B93A7260298}" type="datetimeFigureOut">
               <a:rPr lang="it-IT" smtClean="0"/>
-              <a:t>03/01/2021</a:t>
+              <a:t>04/03/2021</a:t>
             </a:fld>
             <a:endParaRPr lang="it-IT"/>
           </a:p>
@@ -1830,7 +1831,7 @@
           <a:p>
             <a:fld id="{4DAA0097-81A9-445B-865C-4B93A7260298}" type="datetimeFigureOut">
               <a:rPr lang="it-IT" smtClean="0"/>
-              <a:t>03/01/2021</a:t>
+              <a:t>04/03/2021</a:t>
             </a:fld>
             <a:endParaRPr lang="it-IT"/>
           </a:p>
@@ -1971,7 +1972,7 @@
           <a:p>
             <a:fld id="{4DAA0097-81A9-445B-865C-4B93A7260298}" type="datetimeFigureOut">
               <a:rPr lang="it-IT" smtClean="0"/>
-              <a:t>03/01/2021</a:t>
+              <a:t>04/03/2021</a:t>
             </a:fld>
             <a:endParaRPr lang="it-IT"/>
           </a:p>
@@ -2084,7 +2085,7 @@
           <a:p>
             <a:fld id="{4DAA0097-81A9-445B-865C-4B93A7260298}" type="datetimeFigureOut">
               <a:rPr lang="it-IT" smtClean="0"/>
-              <a:t>03/01/2021</a:t>
+              <a:t>04/03/2021</a:t>
             </a:fld>
             <a:endParaRPr lang="it-IT"/>
           </a:p>
@@ -2395,7 +2396,7 @@
           <a:p>
             <a:fld id="{4DAA0097-81A9-445B-865C-4B93A7260298}" type="datetimeFigureOut">
               <a:rPr lang="it-IT" smtClean="0"/>
-              <a:t>03/01/2021</a:t>
+              <a:t>04/03/2021</a:t>
             </a:fld>
             <a:endParaRPr lang="it-IT"/>
           </a:p>
@@ -2683,7 +2684,7 @@
           <a:p>
             <a:fld id="{4DAA0097-81A9-445B-865C-4B93A7260298}" type="datetimeFigureOut">
               <a:rPr lang="it-IT" smtClean="0"/>
-              <a:t>03/01/2021</a:t>
+              <a:t>04/03/2021</a:t>
             </a:fld>
             <a:endParaRPr lang="it-IT"/>
           </a:p>
@@ -2924,7 +2925,7 @@
           <a:p>
             <a:fld id="{4DAA0097-81A9-445B-865C-4B93A7260298}" type="datetimeFigureOut">
               <a:rPr lang="it-IT" smtClean="0"/>
-              <a:t>03/01/2021</a:t>
+              <a:t>04/03/2021</a:t>
             </a:fld>
             <a:endParaRPr lang="it-IT"/>
           </a:p>
@@ -9172,6 +9173,666 @@
 </p:sld>
 </file>
 
+<file path=ppt/slides/slide17.xml><?xml version="1.0" encoding="utf-8"?>
+<p:sld xmlns:a="http://schemas.openxmlformats.org/drawingml/2006/main" xmlns:r="http://schemas.openxmlformats.org/officeDocument/2006/relationships" xmlns:p="http://schemas.openxmlformats.org/presentationml/2006/main">
+  <p:cSld>
+    <p:spTree>
+      <p:nvGrpSpPr>
+        <p:cNvPr id="1" name=""/>
+        <p:cNvGrpSpPr/>
+        <p:nvPr/>
+      </p:nvGrpSpPr>
+      <p:grpSpPr>
+        <a:xfrm>
+          <a:off x="0" y="0"/>
+          <a:ext cx="0" cy="0"/>
+          <a:chOff x="0" y="0"/>
+          <a:chExt cx="0" cy="0"/>
+        </a:xfrm>
+      </p:grpSpPr>
+      <p:pic>
+        <p:nvPicPr>
+          <p:cNvPr id="5" name="Immagine 4">
+            <a:extLst>
+              <a:ext uri="{FF2B5EF4-FFF2-40B4-BE49-F238E27FC236}">
+                <a16:creationId xmlns:a16="http://schemas.microsoft.com/office/drawing/2014/main" id="{E6FC480B-EEFA-4F55-885F-0E6F91AFDE8B}"/>
+              </a:ext>
+            </a:extLst>
+          </p:cNvPr>
+          <p:cNvPicPr>
+            <a:picLocks noChangeAspect="1"/>
+          </p:cNvPicPr>
+          <p:nvPr/>
+        </p:nvPicPr>
+        <p:blipFill>
+          <a:blip r:embed="rId2">
+            <a:extLst>
+              <a:ext uri="{28A0092B-C50C-407E-A947-70E740481C1C}">
+                <a14:useLocalDpi xmlns:a14="http://schemas.microsoft.com/office/drawing/2010/main" val="0"/>
+              </a:ext>
+            </a:extLst>
+          </a:blip>
+          <a:stretch>
+            <a:fillRect/>
+          </a:stretch>
+        </p:blipFill>
+        <p:spPr>
+          <a:xfrm>
+            <a:off x="1065654" y="227870"/>
+            <a:ext cx="10060692" cy="6402259"/>
+          </a:xfrm>
+          <a:prstGeom prst="rect">
+            <a:avLst/>
+          </a:prstGeom>
+        </p:spPr>
+      </p:pic>
+      <p:sp>
+        <p:nvSpPr>
+          <p:cNvPr id="6" name="Ovale 5">
+            <a:extLst>
+              <a:ext uri="{FF2B5EF4-FFF2-40B4-BE49-F238E27FC236}">
+                <a16:creationId xmlns:a16="http://schemas.microsoft.com/office/drawing/2014/main" id="{7C5D0576-4A4F-4F7E-8643-A31E253E84E4}"/>
+              </a:ext>
+            </a:extLst>
+          </p:cNvPr>
+          <p:cNvSpPr/>
+          <p:nvPr/>
+        </p:nvSpPr>
+        <p:spPr>
+          <a:xfrm>
+            <a:off x="3718001" y="4010025"/>
+            <a:ext cx="95250" cy="104775"/>
+          </a:xfrm>
+          <a:prstGeom prst="ellipse">
+            <a:avLst/>
+          </a:prstGeom>
+          <a:noFill/>
+          <a:ln>
+            <a:solidFill>
+              <a:srgbClr val="C00000"/>
+            </a:solidFill>
+          </a:ln>
+        </p:spPr>
+        <p:style>
+          <a:lnRef idx="2">
+            <a:schemeClr val="accent1">
+              <a:shade val="50000"/>
+            </a:schemeClr>
+          </a:lnRef>
+          <a:fillRef idx="1">
+            <a:schemeClr val="accent1"/>
+          </a:fillRef>
+          <a:effectRef idx="0">
+            <a:schemeClr val="accent1"/>
+          </a:effectRef>
+          <a:fontRef idx="minor">
+            <a:schemeClr val="lt1"/>
+          </a:fontRef>
+        </p:style>
+        <p:txBody>
+          <a:bodyPr rtlCol="0" anchor="ctr"/>
+          <a:lstStyle/>
+          <a:p>
+            <a:pPr algn="ctr"/>
+            <a:endParaRPr lang="it-IT"/>
+          </a:p>
+        </p:txBody>
+      </p:sp>
+      <p:sp>
+        <p:nvSpPr>
+          <p:cNvPr id="7" name="Ovale 6">
+            <a:extLst>
+              <a:ext uri="{FF2B5EF4-FFF2-40B4-BE49-F238E27FC236}">
+                <a16:creationId xmlns:a16="http://schemas.microsoft.com/office/drawing/2014/main" id="{95A90191-7D8C-4CCC-928C-24A87A5EC24B}"/>
+              </a:ext>
+            </a:extLst>
+          </p:cNvPr>
+          <p:cNvSpPr/>
+          <p:nvPr/>
+        </p:nvSpPr>
+        <p:spPr>
+          <a:xfrm>
+            <a:off x="3600450" y="4010025"/>
+            <a:ext cx="95250" cy="104775"/>
+          </a:xfrm>
+          <a:prstGeom prst="ellipse">
+            <a:avLst/>
+          </a:prstGeom>
+          <a:noFill/>
+          <a:ln>
+            <a:solidFill>
+              <a:srgbClr val="C00000"/>
+            </a:solidFill>
+          </a:ln>
+        </p:spPr>
+        <p:style>
+          <a:lnRef idx="2">
+            <a:schemeClr val="accent1">
+              <a:shade val="50000"/>
+            </a:schemeClr>
+          </a:lnRef>
+          <a:fillRef idx="1">
+            <a:schemeClr val="accent1"/>
+          </a:fillRef>
+          <a:effectRef idx="0">
+            <a:schemeClr val="accent1"/>
+          </a:effectRef>
+          <a:fontRef idx="minor">
+            <a:schemeClr val="lt1"/>
+          </a:fontRef>
+        </p:style>
+        <p:txBody>
+          <a:bodyPr rtlCol="0" anchor="ctr"/>
+          <a:lstStyle/>
+          <a:p>
+            <a:pPr algn="ctr"/>
+            <a:endParaRPr lang="it-IT"/>
+          </a:p>
+        </p:txBody>
+      </p:sp>
+      <p:sp>
+        <p:nvSpPr>
+          <p:cNvPr id="8" name="Ovale 7">
+            <a:extLst>
+              <a:ext uri="{FF2B5EF4-FFF2-40B4-BE49-F238E27FC236}">
+                <a16:creationId xmlns:a16="http://schemas.microsoft.com/office/drawing/2014/main" id="{A2275D8A-2FE8-43E0-AACE-5F828751CD67}"/>
+              </a:ext>
+            </a:extLst>
+          </p:cNvPr>
+          <p:cNvSpPr/>
+          <p:nvPr/>
+        </p:nvSpPr>
+        <p:spPr>
+          <a:xfrm>
+            <a:off x="3357563" y="4010025"/>
+            <a:ext cx="95250" cy="104775"/>
+          </a:xfrm>
+          <a:prstGeom prst="ellipse">
+            <a:avLst/>
+          </a:prstGeom>
+          <a:noFill/>
+          <a:ln>
+            <a:solidFill>
+              <a:srgbClr val="C00000"/>
+            </a:solidFill>
+          </a:ln>
+        </p:spPr>
+        <p:style>
+          <a:lnRef idx="2">
+            <a:schemeClr val="accent1">
+              <a:shade val="50000"/>
+            </a:schemeClr>
+          </a:lnRef>
+          <a:fillRef idx="1">
+            <a:schemeClr val="accent1"/>
+          </a:fillRef>
+          <a:effectRef idx="0">
+            <a:schemeClr val="accent1"/>
+          </a:effectRef>
+          <a:fontRef idx="minor">
+            <a:schemeClr val="lt1"/>
+          </a:fontRef>
+        </p:style>
+        <p:txBody>
+          <a:bodyPr rtlCol="0" anchor="ctr"/>
+          <a:lstStyle/>
+          <a:p>
+            <a:pPr algn="ctr"/>
+            <a:endParaRPr lang="it-IT"/>
+          </a:p>
+        </p:txBody>
+      </p:sp>
+      <p:sp>
+        <p:nvSpPr>
+          <p:cNvPr id="9" name="CasellaDiTesto 8">
+            <a:extLst>
+              <a:ext uri="{FF2B5EF4-FFF2-40B4-BE49-F238E27FC236}">
+                <a16:creationId xmlns:a16="http://schemas.microsoft.com/office/drawing/2014/main" id="{C02998FA-74BF-4BD6-9AC1-3CB183218E0B}"/>
+              </a:ext>
+            </a:extLst>
+          </p:cNvPr>
+          <p:cNvSpPr txBox="1"/>
+          <p:nvPr/>
+        </p:nvSpPr>
+        <p:spPr>
+          <a:xfrm>
+            <a:off x="3655539" y="4062409"/>
+            <a:ext cx="127951" cy="338554"/>
+          </a:xfrm>
+          <a:prstGeom prst="rect">
+            <a:avLst/>
+          </a:prstGeom>
+          <a:noFill/>
+          <a:ln>
+            <a:noFill/>
+          </a:ln>
+        </p:spPr>
+        <p:txBody>
+          <a:bodyPr wrap="square" rtlCol="0">
+            <a:spAutoFit/>
+          </a:bodyPr>
+          <a:lstStyle/>
+          <a:p>
+            <a:r>
+              <a:rPr lang="it-IT" sz="1600" dirty="0">
+                <a:solidFill>
+                  <a:srgbClr val="C00000"/>
+                </a:solidFill>
+              </a:rPr>
+              <a:t>1</a:t>
+            </a:r>
+            <a:endParaRPr lang="it-IT" sz="2400" dirty="0">
+              <a:solidFill>
+                <a:srgbClr val="C00000"/>
+              </a:solidFill>
+            </a:endParaRPr>
+          </a:p>
+        </p:txBody>
+      </p:sp>
+      <p:sp>
+        <p:nvSpPr>
+          <p:cNvPr id="10" name="CasellaDiTesto 9">
+            <a:extLst>
+              <a:ext uri="{FF2B5EF4-FFF2-40B4-BE49-F238E27FC236}">
+                <a16:creationId xmlns:a16="http://schemas.microsoft.com/office/drawing/2014/main" id="{2323E72A-06AF-4189-A4E2-0600F43DA7D0}"/>
+              </a:ext>
+            </a:extLst>
+          </p:cNvPr>
+          <p:cNvSpPr txBox="1"/>
+          <p:nvPr/>
+        </p:nvSpPr>
+        <p:spPr>
+          <a:xfrm>
+            <a:off x="3530524" y="4062412"/>
+            <a:ext cx="144144" cy="338554"/>
+          </a:xfrm>
+          <a:prstGeom prst="rect">
+            <a:avLst/>
+          </a:prstGeom>
+          <a:noFill/>
+          <a:ln>
+            <a:noFill/>
+          </a:ln>
+        </p:spPr>
+        <p:txBody>
+          <a:bodyPr wrap="square" rtlCol="0">
+            <a:spAutoFit/>
+          </a:bodyPr>
+          <a:lstStyle/>
+          <a:p>
+            <a:r>
+              <a:rPr lang="it-IT" sz="1600" dirty="0">
+                <a:solidFill>
+                  <a:srgbClr val="C00000"/>
+                </a:solidFill>
+              </a:rPr>
+              <a:t>2</a:t>
+            </a:r>
+            <a:endParaRPr lang="it-IT" sz="2400" dirty="0">
+              <a:solidFill>
+                <a:srgbClr val="C00000"/>
+              </a:solidFill>
+            </a:endParaRPr>
+          </a:p>
+        </p:txBody>
+      </p:sp>
+      <p:sp>
+        <p:nvSpPr>
+          <p:cNvPr id="11" name="CasellaDiTesto 10">
+            <a:extLst>
+              <a:ext uri="{FF2B5EF4-FFF2-40B4-BE49-F238E27FC236}">
+                <a16:creationId xmlns:a16="http://schemas.microsoft.com/office/drawing/2014/main" id="{26BAA121-5EA8-44DB-8221-55251E9FC7EE}"/>
+              </a:ext>
+            </a:extLst>
+          </p:cNvPr>
+          <p:cNvSpPr txBox="1"/>
+          <p:nvPr/>
+        </p:nvSpPr>
+        <p:spPr>
+          <a:xfrm>
+            <a:off x="3290096" y="4062411"/>
+            <a:ext cx="144144" cy="338554"/>
+          </a:xfrm>
+          <a:prstGeom prst="rect">
+            <a:avLst/>
+          </a:prstGeom>
+          <a:noFill/>
+          <a:ln>
+            <a:noFill/>
+          </a:ln>
+        </p:spPr>
+        <p:txBody>
+          <a:bodyPr wrap="square" rtlCol="0">
+            <a:spAutoFit/>
+          </a:bodyPr>
+          <a:lstStyle/>
+          <a:p>
+            <a:r>
+              <a:rPr lang="it-IT" sz="1600" dirty="0">
+                <a:solidFill>
+                  <a:srgbClr val="C00000"/>
+                </a:solidFill>
+              </a:rPr>
+              <a:t>3</a:t>
+            </a:r>
+            <a:endParaRPr lang="it-IT" sz="2400" dirty="0">
+              <a:solidFill>
+                <a:srgbClr val="C00000"/>
+              </a:solidFill>
+            </a:endParaRPr>
+          </a:p>
+        </p:txBody>
+      </p:sp>
+      <p:sp>
+        <p:nvSpPr>
+          <p:cNvPr id="12" name="Ovale 11">
+            <a:extLst>
+              <a:ext uri="{FF2B5EF4-FFF2-40B4-BE49-F238E27FC236}">
+                <a16:creationId xmlns:a16="http://schemas.microsoft.com/office/drawing/2014/main" id="{2124EE67-2D8A-4771-BE1D-1A82CA51A00E}"/>
+              </a:ext>
+            </a:extLst>
+          </p:cNvPr>
+          <p:cNvSpPr/>
+          <p:nvPr/>
+        </p:nvSpPr>
+        <p:spPr>
+          <a:xfrm>
+            <a:off x="7160000" y="4010022"/>
+            <a:ext cx="95250" cy="104775"/>
+          </a:xfrm>
+          <a:prstGeom prst="ellipse">
+            <a:avLst/>
+          </a:prstGeom>
+          <a:noFill/>
+          <a:ln>
+            <a:solidFill>
+              <a:srgbClr val="C00000"/>
+            </a:solidFill>
+          </a:ln>
+        </p:spPr>
+        <p:style>
+          <a:lnRef idx="2">
+            <a:schemeClr val="accent1">
+              <a:shade val="50000"/>
+            </a:schemeClr>
+          </a:lnRef>
+          <a:fillRef idx="1">
+            <a:schemeClr val="accent1"/>
+          </a:fillRef>
+          <a:effectRef idx="0">
+            <a:schemeClr val="accent1"/>
+          </a:effectRef>
+          <a:fontRef idx="minor">
+            <a:schemeClr val="lt1"/>
+          </a:fontRef>
+        </p:style>
+        <p:txBody>
+          <a:bodyPr rtlCol="0" anchor="ctr"/>
+          <a:lstStyle/>
+          <a:p>
+            <a:pPr algn="ctr"/>
+            <a:endParaRPr lang="it-IT"/>
+          </a:p>
+        </p:txBody>
+      </p:sp>
+      <p:sp>
+        <p:nvSpPr>
+          <p:cNvPr id="13" name="Ovale 12">
+            <a:extLst>
+              <a:ext uri="{FF2B5EF4-FFF2-40B4-BE49-F238E27FC236}">
+                <a16:creationId xmlns:a16="http://schemas.microsoft.com/office/drawing/2014/main" id="{24E2006A-90E9-4822-ACFC-203DEA459113}"/>
+              </a:ext>
+            </a:extLst>
+          </p:cNvPr>
+          <p:cNvSpPr/>
+          <p:nvPr/>
+        </p:nvSpPr>
+        <p:spPr>
+          <a:xfrm>
+            <a:off x="7610850" y="4010022"/>
+            <a:ext cx="95250" cy="104775"/>
+          </a:xfrm>
+          <a:prstGeom prst="ellipse">
+            <a:avLst/>
+          </a:prstGeom>
+          <a:noFill/>
+          <a:ln>
+            <a:solidFill>
+              <a:srgbClr val="C00000"/>
+            </a:solidFill>
+          </a:ln>
+        </p:spPr>
+        <p:style>
+          <a:lnRef idx="2">
+            <a:schemeClr val="accent1">
+              <a:shade val="50000"/>
+            </a:schemeClr>
+          </a:lnRef>
+          <a:fillRef idx="1">
+            <a:schemeClr val="accent1"/>
+          </a:fillRef>
+          <a:effectRef idx="0">
+            <a:schemeClr val="accent1"/>
+          </a:effectRef>
+          <a:fontRef idx="minor">
+            <a:schemeClr val="lt1"/>
+          </a:fontRef>
+        </p:style>
+        <p:txBody>
+          <a:bodyPr rtlCol="0" anchor="ctr"/>
+          <a:lstStyle/>
+          <a:p>
+            <a:pPr algn="ctr"/>
+            <a:endParaRPr lang="it-IT"/>
+          </a:p>
+        </p:txBody>
+      </p:sp>
+      <p:sp>
+        <p:nvSpPr>
+          <p:cNvPr id="14" name="Ovale 13">
+            <a:extLst>
+              <a:ext uri="{FF2B5EF4-FFF2-40B4-BE49-F238E27FC236}">
+                <a16:creationId xmlns:a16="http://schemas.microsoft.com/office/drawing/2014/main" id="{1BF01113-672B-42B0-89A2-7745845F6EC9}"/>
+              </a:ext>
+            </a:extLst>
+          </p:cNvPr>
+          <p:cNvSpPr/>
+          <p:nvPr/>
+        </p:nvSpPr>
+        <p:spPr>
+          <a:xfrm>
+            <a:off x="7706100" y="4010022"/>
+            <a:ext cx="95250" cy="104775"/>
+          </a:xfrm>
+          <a:prstGeom prst="ellipse">
+            <a:avLst/>
+          </a:prstGeom>
+          <a:noFill/>
+          <a:ln>
+            <a:solidFill>
+              <a:srgbClr val="C00000"/>
+            </a:solidFill>
+          </a:ln>
+        </p:spPr>
+        <p:style>
+          <a:lnRef idx="2">
+            <a:schemeClr val="accent1">
+              <a:shade val="50000"/>
+            </a:schemeClr>
+          </a:lnRef>
+          <a:fillRef idx="1">
+            <a:schemeClr val="accent1"/>
+          </a:fillRef>
+          <a:effectRef idx="0">
+            <a:schemeClr val="accent1"/>
+          </a:effectRef>
+          <a:fontRef idx="minor">
+            <a:schemeClr val="lt1"/>
+          </a:fontRef>
+        </p:style>
+        <p:txBody>
+          <a:bodyPr rtlCol="0" anchor="ctr"/>
+          <a:lstStyle/>
+          <a:p>
+            <a:pPr algn="ctr"/>
+            <a:endParaRPr lang="it-IT"/>
+          </a:p>
+        </p:txBody>
+      </p:sp>
+      <p:sp>
+        <p:nvSpPr>
+          <p:cNvPr id="16" name="CasellaDiTesto 15">
+            <a:extLst>
+              <a:ext uri="{FF2B5EF4-FFF2-40B4-BE49-F238E27FC236}">
+                <a16:creationId xmlns:a16="http://schemas.microsoft.com/office/drawing/2014/main" id="{64F4D9C4-F75F-434A-B2DA-11370E19AE01}"/>
+              </a:ext>
+            </a:extLst>
+          </p:cNvPr>
+          <p:cNvSpPr txBox="1"/>
+          <p:nvPr/>
+        </p:nvSpPr>
+        <p:spPr>
+          <a:xfrm>
+            <a:off x="7093606" y="4062409"/>
+            <a:ext cx="144144" cy="338554"/>
+          </a:xfrm>
+          <a:prstGeom prst="rect">
+            <a:avLst/>
+          </a:prstGeom>
+          <a:noFill/>
+          <a:ln>
+            <a:noFill/>
+          </a:ln>
+        </p:spPr>
+        <p:txBody>
+          <a:bodyPr wrap="square" rtlCol="0">
+            <a:spAutoFit/>
+          </a:bodyPr>
+          <a:lstStyle/>
+          <a:p>
+            <a:r>
+              <a:rPr lang="it-IT" sz="1600" dirty="0">
+                <a:solidFill>
+                  <a:srgbClr val="C00000"/>
+                </a:solidFill>
+              </a:rPr>
+              <a:t>1</a:t>
+            </a:r>
+            <a:endParaRPr lang="it-IT" sz="2400" dirty="0">
+              <a:solidFill>
+                <a:srgbClr val="C00000"/>
+              </a:solidFill>
+            </a:endParaRPr>
+          </a:p>
+        </p:txBody>
+      </p:sp>
+      <p:sp>
+        <p:nvSpPr>
+          <p:cNvPr id="18" name="CasellaDiTesto 17">
+            <a:extLst>
+              <a:ext uri="{FF2B5EF4-FFF2-40B4-BE49-F238E27FC236}">
+                <a16:creationId xmlns:a16="http://schemas.microsoft.com/office/drawing/2014/main" id="{BE5E6122-0D0D-4013-ACE7-7117D6B32E94}"/>
+              </a:ext>
+            </a:extLst>
+          </p:cNvPr>
+          <p:cNvSpPr txBox="1"/>
+          <p:nvPr/>
+        </p:nvSpPr>
+        <p:spPr>
+          <a:xfrm>
+            <a:off x="7520438" y="4062409"/>
+            <a:ext cx="208894" cy="338554"/>
+          </a:xfrm>
+          <a:prstGeom prst="rect">
+            <a:avLst/>
+          </a:prstGeom>
+          <a:noFill/>
+          <a:ln>
+            <a:noFill/>
+          </a:ln>
+        </p:spPr>
+        <p:txBody>
+          <a:bodyPr wrap="square" rtlCol="0">
+            <a:spAutoFit/>
+          </a:bodyPr>
+          <a:lstStyle/>
+          <a:p>
+            <a:r>
+              <a:rPr lang="it-IT" sz="1600" dirty="0">
+                <a:solidFill>
+                  <a:srgbClr val="C00000"/>
+                </a:solidFill>
+              </a:rPr>
+              <a:t>2</a:t>
+            </a:r>
+            <a:endParaRPr lang="it-IT" sz="2400" dirty="0">
+              <a:solidFill>
+                <a:srgbClr val="C00000"/>
+              </a:solidFill>
+            </a:endParaRPr>
+          </a:p>
+        </p:txBody>
+      </p:sp>
+      <p:sp>
+        <p:nvSpPr>
+          <p:cNvPr id="21" name="CasellaDiTesto 20">
+            <a:extLst>
+              <a:ext uri="{FF2B5EF4-FFF2-40B4-BE49-F238E27FC236}">
+                <a16:creationId xmlns:a16="http://schemas.microsoft.com/office/drawing/2014/main" id="{847B248A-05E6-41EB-862E-3BEF03308E80}"/>
+              </a:ext>
+            </a:extLst>
+          </p:cNvPr>
+          <p:cNvSpPr txBox="1"/>
+          <p:nvPr/>
+        </p:nvSpPr>
+        <p:spPr>
+          <a:xfrm>
+            <a:off x="7652368" y="4062824"/>
+            <a:ext cx="144144" cy="338554"/>
+          </a:xfrm>
+          <a:prstGeom prst="rect">
+            <a:avLst/>
+          </a:prstGeom>
+          <a:noFill/>
+          <a:ln>
+            <a:noFill/>
+          </a:ln>
+        </p:spPr>
+        <p:txBody>
+          <a:bodyPr wrap="square" rtlCol="0">
+            <a:spAutoFit/>
+          </a:bodyPr>
+          <a:lstStyle/>
+          <a:p>
+            <a:r>
+              <a:rPr lang="it-IT" sz="1600" dirty="0">
+                <a:solidFill>
+                  <a:srgbClr val="C00000"/>
+                </a:solidFill>
+              </a:rPr>
+              <a:t>3</a:t>
+            </a:r>
+            <a:endParaRPr lang="it-IT" sz="2400" dirty="0">
+              <a:solidFill>
+                <a:srgbClr val="C00000"/>
+              </a:solidFill>
+            </a:endParaRPr>
+          </a:p>
+        </p:txBody>
+      </p:sp>
+    </p:spTree>
+    <p:extLst>
+      <p:ext uri="{BB962C8B-B14F-4D97-AF65-F5344CB8AC3E}">
+        <p14:creationId xmlns:p14="http://schemas.microsoft.com/office/powerpoint/2010/main" val="2707239738"/>
+      </p:ext>
+    </p:extLst>
+  </p:cSld>
+  <p:clrMapOvr>
+    <a:masterClrMapping/>
+  </p:clrMapOvr>
+</p:sld>
+</file>
+
 <file path=ppt/slides/slide2.xml><?xml version="1.0" encoding="utf-8"?>
 <p:sld xmlns:a="http://schemas.openxmlformats.org/drawingml/2006/main" xmlns:r="http://schemas.openxmlformats.org/officeDocument/2006/relationships" xmlns:p="http://schemas.openxmlformats.org/presentationml/2006/main">
   <p:cSld>
